--- a/slides.pptx
+++ b/slides.pptx
@@ -2,22 +2,27 @@
 <file path=ppt/presentation.xml><?xml version="1.0" encoding="utf-8"?>
 <p:presentation xmlns:a="http://schemas.openxmlformats.org/drawingml/2006/main" xmlns:r="http://schemas.openxmlformats.org/officeDocument/2006/relationships" xmlns:p="http://schemas.openxmlformats.org/presentationml/2006/main" saveSubsetFonts="1">
   <p:sldMasterIdLst>
-    <p:sldMasterId id="2147483648" r:id="rId1"/>
+    <p:sldMasterId id="2147483660" r:id="rId1"/>
   </p:sldMasterIdLst>
   <p:sldIdLst>
     <p:sldId id="256" r:id="rId2"/>
-    <p:sldId id="258" r:id="rId3"/>
-    <p:sldId id="260" r:id="rId4"/>
-    <p:sldId id="259" r:id="rId5"/>
-    <p:sldId id="257" r:id="rId6"/>
+    <p:sldId id="263" r:id="rId3"/>
+    <p:sldId id="261" r:id="rId4"/>
+    <p:sldId id="258" r:id="rId5"/>
+    <p:sldId id="262" r:id="rId6"/>
+    <p:sldId id="260" r:id="rId7"/>
+    <p:sldId id="266" r:id="rId8"/>
+    <p:sldId id="257" r:id="rId9"/>
+    <p:sldId id="264" r:id="rId10"/>
+    <p:sldId id="265" r:id="rId11"/>
   </p:sldIdLst>
   <p:sldSz cx="12192000" cy="6858000"/>
   <p:notesSz cx="6858000" cy="9144000"/>
   <p:defaultTextStyle>
     <a:defPPr>
-      <a:defRPr lang="da-DK"/>
+      <a:defRPr lang="en-US"/>
     </a:defPPr>
-    <a:lvl1pPr marL="0" algn="l" defTabSz="914400" rtl="0" eaLnBrk="1" latinLnBrk="0" hangingPunct="1">
+    <a:lvl1pPr marL="0" algn="l" defTabSz="457200" rtl="0" eaLnBrk="1" latinLnBrk="0" hangingPunct="1">
       <a:defRPr sz="1800" kern="1200">
         <a:solidFill>
           <a:schemeClr val="tx1"/>
@@ -27,7 +32,7 @@
         <a:cs typeface="+mn-cs"/>
       </a:defRPr>
     </a:lvl1pPr>
-    <a:lvl2pPr marL="457200" algn="l" defTabSz="914400" rtl="0" eaLnBrk="1" latinLnBrk="0" hangingPunct="1">
+    <a:lvl2pPr marL="457200" algn="l" defTabSz="457200" rtl="0" eaLnBrk="1" latinLnBrk="0" hangingPunct="1">
       <a:defRPr sz="1800" kern="1200">
         <a:solidFill>
           <a:schemeClr val="tx1"/>
@@ -37,7 +42,7 @@
         <a:cs typeface="+mn-cs"/>
       </a:defRPr>
     </a:lvl2pPr>
-    <a:lvl3pPr marL="914400" algn="l" defTabSz="914400" rtl="0" eaLnBrk="1" latinLnBrk="0" hangingPunct="1">
+    <a:lvl3pPr marL="914400" algn="l" defTabSz="457200" rtl="0" eaLnBrk="1" latinLnBrk="0" hangingPunct="1">
       <a:defRPr sz="1800" kern="1200">
         <a:solidFill>
           <a:schemeClr val="tx1"/>
@@ -47,7 +52,7 @@
         <a:cs typeface="+mn-cs"/>
       </a:defRPr>
     </a:lvl3pPr>
-    <a:lvl4pPr marL="1371600" algn="l" defTabSz="914400" rtl="0" eaLnBrk="1" latinLnBrk="0" hangingPunct="1">
+    <a:lvl4pPr marL="1371600" algn="l" defTabSz="457200" rtl="0" eaLnBrk="1" latinLnBrk="0" hangingPunct="1">
       <a:defRPr sz="1800" kern="1200">
         <a:solidFill>
           <a:schemeClr val="tx1"/>
@@ -57,7 +62,7 @@
         <a:cs typeface="+mn-cs"/>
       </a:defRPr>
     </a:lvl4pPr>
-    <a:lvl5pPr marL="1828800" algn="l" defTabSz="914400" rtl="0" eaLnBrk="1" latinLnBrk="0" hangingPunct="1">
+    <a:lvl5pPr marL="1828800" algn="l" defTabSz="457200" rtl="0" eaLnBrk="1" latinLnBrk="0" hangingPunct="1">
       <a:defRPr sz="1800" kern="1200">
         <a:solidFill>
           <a:schemeClr val="tx1"/>
@@ -67,7 +72,7 @@
         <a:cs typeface="+mn-cs"/>
       </a:defRPr>
     </a:lvl5pPr>
-    <a:lvl6pPr marL="2286000" algn="l" defTabSz="914400" rtl="0" eaLnBrk="1" latinLnBrk="0" hangingPunct="1">
+    <a:lvl6pPr marL="2286000" algn="l" defTabSz="457200" rtl="0" eaLnBrk="1" latinLnBrk="0" hangingPunct="1">
       <a:defRPr sz="1800" kern="1200">
         <a:solidFill>
           <a:schemeClr val="tx1"/>
@@ -77,7 +82,7 @@
         <a:cs typeface="+mn-cs"/>
       </a:defRPr>
     </a:lvl6pPr>
-    <a:lvl7pPr marL="2743200" algn="l" defTabSz="914400" rtl="0" eaLnBrk="1" latinLnBrk="0" hangingPunct="1">
+    <a:lvl7pPr marL="2743200" algn="l" defTabSz="457200" rtl="0" eaLnBrk="1" latinLnBrk="0" hangingPunct="1">
       <a:defRPr sz="1800" kern="1200">
         <a:solidFill>
           <a:schemeClr val="tx1"/>
@@ -87,7 +92,7 @@
         <a:cs typeface="+mn-cs"/>
       </a:defRPr>
     </a:lvl7pPr>
-    <a:lvl8pPr marL="3200400" algn="l" defTabSz="914400" rtl="0" eaLnBrk="1" latinLnBrk="0" hangingPunct="1">
+    <a:lvl8pPr marL="3200400" algn="l" defTabSz="457200" rtl="0" eaLnBrk="1" latinLnBrk="0" hangingPunct="1">
       <a:defRPr sz="1800" kern="1200">
         <a:solidFill>
           <a:schemeClr val="tx1"/>
@@ -97,7 +102,7 @@
         <a:cs typeface="+mn-cs"/>
       </a:defRPr>
     </a:lvl8pPr>
-    <a:lvl9pPr marL="3657600" algn="l" defTabSz="914400" rtl="0" eaLnBrk="1" latinLnBrk="0" hangingPunct="1">
+    <a:lvl9pPr marL="3657600" algn="l" defTabSz="457200" rtl="0" eaLnBrk="1" latinLnBrk="0" hangingPunct="1">
       <a:defRPr sz="1800" kern="1200">
         <a:solidFill>
           <a:schemeClr val="tx1"/>
@@ -112,7 +117,7 @@
 </file>
 
 <file path=ppt/slideLayouts/slideLayout1.xml><?xml version="1.0" encoding="utf-8"?>
-<p:sldLayout xmlns:a="http://schemas.openxmlformats.org/drawingml/2006/main" xmlns:r="http://schemas.openxmlformats.org/officeDocument/2006/relationships" xmlns:p="http://schemas.openxmlformats.org/presentationml/2006/main" type="title" preserve="1">
+<p:sldLayout xmlns:a="http://schemas.openxmlformats.org/drawingml/2006/main" xmlns:r="http://schemas.openxmlformats.org/officeDocument/2006/relationships" xmlns:p="http://schemas.openxmlformats.org/presentationml/2006/main" showMasterSp="0" type="title" preserve="1">
   <p:cSld name="Titelslide">
     <p:spTree>
       <p:nvGrpSpPr>
@@ -128,15 +133,539 @@
           <a:chExt cx="0" cy="0"/>
         </a:xfrm>
       </p:grpSpPr>
-      <p:sp>
-        <p:nvSpPr>
-          <p:cNvPr id="2" name="Titel 1">
-            <a:extLst>
-              <a:ext uri="{FF2B5EF4-FFF2-40B4-BE49-F238E27FC236}">
-                <a16:creationId xmlns:a16="http://schemas.microsoft.com/office/drawing/2014/main" id="{E7F89D33-2293-4D0A-9B6B-447C72F26292}"/>
-              </a:ext>
-            </a:extLst>
-          </p:cNvPr>
+      <p:grpSp>
+        <p:nvGrpSpPr>
+          <p:cNvPr id="7" name="Group 6"/>
+          <p:cNvGrpSpPr/>
+          <p:nvPr/>
+        </p:nvGrpSpPr>
+        <p:grpSpPr>
+          <a:xfrm>
+            <a:off x="0" y="-8467"/>
+            <a:ext cx="12192000" cy="6866467"/>
+            <a:chOff x="0" y="-8467"/>
+            <a:chExt cx="12192000" cy="6866467"/>
+          </a:xfrm>
+        </p:grpSpPr>
+        <p:cxnSp>
+          <p:nvCxnSpPr>
+            <p:cNvPr id="32" name="Straight Connector 31"/>
+            <p:cNvCxnSpPr/>
+            <p:nvPr/>
+          </p:nvCxnSpPr>
+          <p:spPr>
+            <a:xfrm>
+              <a:off x="9371012" y="0"/>
+              <a:ext cx="1219200" cy="6858000"/>
+            </a:xfrm>
+            <a:prstGeom prst="line">
+              <a:avLst/>
+            </a:prstGeom>
+            <a:ln w="9525">
+              <a:solidFill>
+                <a:schemeClr val="bg1">
+                  <a:lumMod val="75000"/>
+                </a:schemeClr>
+              </a:solidFill>
+            </a:ln>
+          </p:spPr>
+          <p:style>
+            <a:lnRef idx="2">
+              <a:schemeClr val="accent1"/>
+            </a:lnRef>
+            <a:fillRef idx="0">
+              <a:schemeClr val="accent1"/>
+            </a:fillRef>
+            <a:effectRef idx="1">
+              <a:schemeClr val="accent1"/>
+            </a:effectRef>
+            <a:fontRef idx="minor">
+              <a:schemeClr val="tx1"/>
+            </a:fontRef>
+          </p:style>
+        </p:cxnSp>
+        <p:cxnSp>
+          <p:nvCxnSpPr>
+            <p:cNvPr id="21" name="Straight Connector 20"/>
+            <p:cNvCxnSpPr/>
+            <p:nvPr/>
+          </p:nvCxnSpPr>
+          <p:spPr>
+            <a:xfrm flipH="1">
+              <a:off x="7425267" y="3681413"/>
+              <a:ext cx="4763558" cy="3176587"/>
+            </a:xfrm>
+            <a:prstGeom prst="line">
+              <a:avLst/>
+            </a:prstGeom>
+            <a:ln w="9525">
+              <a:solidFill>
+                <a:schemeClr val="bg1">
+                  <a:lumMod val="85000"/>
+                </a:schemeClr>
+              </a:solidFill>
+            </a:ln>
+          </p:spPr>
+          <p:style>
+            <a:lnRef idx="2">
+              <a:schemeClr val="accent1"/>
+            </a:lnRef>
+            <a:fillRef idx="0">
+              <a:schemeClr val="accent1"/>
+            </a:fillRef>
+            <a:effectRef idx="1">
+              <a:schemeClr val="accent1"/>
+            </a:effectRef>
+            <a:fontRef idx="minor">
+              <a:schemeClr val="tx1"/>
+            </a:fontRef>
+          </p:style>
+        </p:cxnSp>
+        <p:sp>
+          <p:nvSpPr>
+            <p:cNvPr id="24" name="Rectangle 23"/>
+            <p:cNvSpPr/>
+            <p:nvPr/>
+          </p:nvSpPr>
+          <p:spPr>
+            <a:xfrm>
+              <a:off x="9181476" y="-8467"/>
+              <a:ext cx="3007349" cy="6866467"/>
+            </a:xfrm>
+            <a:custGeom>
+              <a:avLst/>
+              <a:gdLst/>
+              <a:ahLst/>
+              <a:cxnLst/>
+              <a:rect l="l" t="t" r="r" b="b"/>
+              <a:pathLst>
+                <a:path w="3007349" h="6866467">
+                  <a:moveTo>
+                    <a:pt x="2045532" y="0"/>
+                  </a:moveTo>
+                  <a:lnTo>
+                    <a:pt x="3007349" y="0"/>
+                  </a:lnTo>
+                  <a:lnTo>
+                    <a:pt x="3007349" y="6866467"/>
+                  </a:lnTo>
+                  <a:lnTo>
+                    <a:pt x="0" y="6866467"/>
+                  </a:lnTo>
+                  <a:lnTo>
+                    <a:pt x="2045532" y="0"/>
+                  </a:lnTo>
+                  <a:close/>
+                </a:path>
+              </a:pathLst>
+            </a:custGeom>
+            <a:solidFill>
+              <a:schemeClr val="accent1">
+                <a:alpha val="30000"/>
+              </a:schemeClr>
+            </a:solidFill>
+            <a:ln>
+              <a:noFill/>
+            </a:ln>
+            <a:effectLst/>
+          </p:spPr>
+          <p:style>
+            <a:lnRef idx="1">
+              <a:schemeClr val="accent1"/>
+            </a:lnRef>
+            <a:fillRef idx="3">
+              <a:schemeClr val="accent1"/>
+            </a:fillRef>
+            <a:effectRef idx="2">
+              <a:schemeClr val="accent1"/>
+            </a:effectRef>
+            <a:fontRef idx="minor">
+              <a:schemeClr val="lt1"/>
+            </a:fontRef>
+          </p:style>
+        </p:sp>
+        <p:sp>
+          <p:nvSpPr>
+            <p:cNvPr id="26" name="Rectangle 25"/>
+            <p:cNvSpPr/>
+            <p:nvPr/>
+          </p:nvSpPr>
+          <p:spPr>
+            <a:xfrm>
+              <a:off x="9603442" y="-8467"/>
+              <a:ext cx="2588558" cy="6866467"/>
+            </a:xfrm>
+            <a:custGeom>
+              <a:avLst/>
+              <a:gdLst/>
+              <a:ahLst/>
+              <a:cxnLst/>
+              <a:rect l="l" t="t" r="r" b="b"/>
+              <a:pathLst>
+                <a:path w="2573311" h="6866467">
+                  <a:moveTo>
+                    <a:pt x="0" y="0"/>
+                  </a:moveTo>
+                  <a:lnTo>
+                    <a:pt x="2573311" y="0"/>
+                  </a:lnTo>
+                  <a:lnTo>
+                    <a:pt x="2573311" y="6866467"/>
+                  </a:lnTo>
+                  <a:lnTo>
+                    <a:pt x="1202336" y="6866467"/>
+                  </a:lnTo>
+                  <a:lnTo>
+                    <a:pt x="0" y="0"/>
+                  </a:lnTo>
+                  <a:close/>
+                </a:path>
+              </a:pathLst>
+            </a:custGeom>
+            <a:solidFill>
+              <a:schemeClr val="accent1">
+                <a:alpha val="20000"/>
+              </a:schemeClr>
+            </a:solidFill>
+            <a:ln>
+              <a:noFill/>
+            </a:ln>
+            <a:effectLst/>
+          </p:spPr>
+          <p:style>
+            <a:lnRef idx="1">
+              <a:schemeClr val="accent1"/>
+            </a:lnRef>
+            <a:fillRef idx="3">
+              <a:schemeClr val="accent1"/>
+            </a:fillRef>
+            <a:effectRef idx="2">
+              <a:schemeClr val="accent1"/>
+            </a:effectRef>
+            <a:fontRef idx="minor">
+              <a:schemeClr val="lt1"/>
+            </a:fontRef>
+          </p:style>
+        </p:sp>
+        <p:sp>
+          <p:nvSpPr>
+            <p:cNvPr id="27" name="Isosceles Triangle 26"/>
+            <p:cNvSpPr/>
+            <p:nvPr/>
+          </p:nvSpPr>
+          <p:spPr>
+            <a:xfrm>
+              <a:off x="8932333" y="3048000"/>
+              <a:ext cx="3259667" cy="3810000"/>
+            </a:xfrm>
+            <a:prstGeom prst="triangle">
+              <a:avLst>
+                <a:gd name="adj" fmla="val 100000"/>
+              </a:avLst>
+            </a:prstGeom>
+            <a:solidFill>
+              <a:schemeClr val="accent2">
+                <a:alpha val="72000"/>
+              </a:schemeClr>
+            </a:solidFill>
+            <a:ln>
+              <a:noFill/>
+            </a:ln>
+            <a:effectLst/>
+          </p:spPr>
+          <p:style>
+            <a:lnRef idx="1">
+              <a:schemeClr val="accent1"/>
+            </a:lnRef>
+            <a:fillRef idx="3">
+              <a:schemeClr val="accent1"/>
+            </a:fillRef>
+            <a:effectRef idx="2">
+              <a:schemeClr val="accent1"/>
+            </a:effectRef>
+            <a:fontRef idx="minor">
+              <a:schemeClr val="lt1"/>
+            </a:fontRef>
+          </p:style>
+        </p:sp>
+        <p:sp>
+          <p:nvSpPr>
+            <p:cNvPr id="28" name="Rectangle 27"/>
+            <p:cNvSpPr/>
+            <p:nvPr/>
+          </p:nvSpPr>
+          <p:spPr>
+            <a:xfrm>
+              <a:off x="9334500" y="-8467"/>
+              <a:ext cx="2854326" cy="6866467"/>
+            </a:xfrm>
+            <a:custGeom>
+              <a:avLst/>
+              <a:gdLst/>
+              <a:ahLst/>
+              <a:cxnLst/>
+              <a:rect l="l" t="t" r="r" b="b"/>
+              <a:pathLst>
+                <a:path w="2858013" h="6866467">
+                  <a:moveTo>
+                    <a:pt x="0" y="0"/>
+                  </a:moveTo>
+                  <a:lnTo>
+                    <a:pt x="2858013" y="0"/>
+                  </a:lnTo>
+                  <a:lnTo>
+                    <a:pt x="2858013" y="6866467"/>
+                  </a:lnTo>
+                  <a:lnTo>
+                    <a:pt x="2473942" y="6866467"/>
+                  </a:lnTo>
+                  <a:lnTo>
+                    <a:pt x="0" y="0"/>
+                  </a:lnTo>
+                  <a:close/>
+                </a:path>
+              </a:pathLst>
+            </a:custGeom>
+            <a:solidFill>
+              <a:schemeClr val="accent2">
+                <a:lumMod val="75000"/>
+                <a:alpha val="70000"/>
+              </a:schemeClr>
+            </a:solidFill>
+            <a:ln>
+              <a:noFill/>
+            </a:ln>
+            <a:effectLst/>
+          </p:spPr>
+          <p:style>
+            <a:lnRef idx="1">
+              <a:schemeClr val="accent1"/>
+            </a:lnRef>
+            <a:fillRef idx="3">
+              <a:schemeClr val="accent1"/>
+            </a:fillRef>
+            <a:effectRef idx="2">
+              <a:schemeClr val="accent1"/>
+            </a:effectRef>
+            <a:fontRef idx="minor">
+              <a:schemeClr val="lt1"/>
+            </a:fontRef>
+          </p:style>
+        </p:sp>
+        <p:sp>
+          <p:nvSpPr>
+            <p:cNvPr id="29" name="Rectangle 28"/>
+            <p:cNvSpPr/>
+            <p:nvPr/>
+          </p:nvSpPr>
+          <p:spPr>
+            <a:xfrm>
+              <a:off x="10898730" y="-8467"/>
+              <a:ext cx="1290094" cy="6866467"/>
+            </a:xfrm>
+            <a:custGeom>
+              <a:avLst/>
+              <a:gdLst/>
+              <a:ahLst/>
+              <a:cxnLst/>
+              <a:rect l="l" t="t" r="r" b="b"/>
+              <a:pathLst>
+                <a:path w="1290094" h="6858000">
+                  <a:moveTo>
+                    <a:pt x="1019735" y="0"/>
+                  </a:moveTo>
+                  <a:lnTo>
+                    <a:pt x="1290094" y="0"/>
+                  </a:lnTo>
+                  <a:lnTo>
+                    <a:pt x="1290094" y="6858000"/>
+                  </a:lnTo>
+                  <a:lnTo>
+                    <a:pt x="0" y="6858000"/>
+                  </a:lnTo>
+                  <a:lnTo>
+                    <a:pt x="1019735" y="0"/>
+                  </a:lnTo>
+                  <a:close/>
+                </a:path>
+              </a:pathLst>
+            </a:custGeom>
+            <a:solidFill>
+              <a:schemeClr val="accent1">
+                <a:lumMod val="60000"/>
+                <a:lumOff val="40000"/>
+                <a:alpha val="70000"/>
+              </a:schemeClr>
+            </a:solidFill>
+            <a:ln>
+              <a:noFill/>
+            </a:ln>
+            <a:effectLst/>
+          </p:spPr>
+          <p:style>
+            <a:lnRef idx="1">
+              <a:schemeClr val="accent1"/>
+            </a:lnRef>
+            <a:fillRef idx="3">
+              <a:schemeClr val="accent1"/>
+            </a:fillRef>
+            <a:effectRef idx="2">
+              <a:schemeClr val="accent1"/>
+            </a:effectRef>
+            <a:fontRef idx="minor">
+              <a:schemeClr val="lt1"/>
+            </a:fontRef>
+          </p:style>
+        </p:sp>
+        <p:sp>
+          <p:nvSpPr>
+            <p:cNvPr id="30" name="Rectangle 29"/>
+            <p:cNvSpPr/>
+            <p:nvPr/>
+          </p:nvSpPr>
+          <p:spPr>
+            <a:xfrm>
+              <a:off x="10938999" y="-8467"/>
+              <a:ext cx="1249825" cy="6866467"/>
+            </a:xfrm>
+            <a:custGeom>
+              <a:avLst/>
+              <a:gdLst/>
+              <a:ahLst/>
+              <a:cxnLst/>
+              <a:rect l="l" t="t" r="r" b="b"/>
+              <a:pathLst>
+                <a:path w="1249825" h="6858000">
+                  <a:moveTo>
+                    <a:pt x="0" y="0"/>
+                  </a:moveTo>
+                  <a:lnTo>
+                    <a:pt x="1249825" y="0"/>
+                  </a:lnTo>
+                  <a:lnTo>
+                    <a:pt x="1249825" y="6858000"/>
+                  </a:lnTo>
+                  <a:lnTo>
+                    <a:pt x="1109382" y="6858000"/>
+                  </a:lnTo>
+                  <a:lnTo>
+                    <a:pt x="0" y="0"/>
+                  </a:lnTo>
+                  <a:close/>
+                </a:path>
+              </a:pathLst>
+            </a:custGeom>
+            <a:solidFill>
+              <a:schemeClr val="accent1">
+                <a:alpha val="65000"/>
+              </a:schemeClr>
+            </a:solidFill>
+            <a:ln>
+              <a:noFill/>
+            </a:ln>
+            <a:effectLst/>
+          </p:spPr>
+          <p:style>
+            <a:lnRef idx="1">
+              <a:schemeClr val="accent1"/>
+            </a:lnRef>
+            <a:fillRef idx="3">
+              <a:schemeClr val="accent1"/>
+            </a:fillRef>
+            <a:effectRef idx="2">
+              <a:schemeClr val="accent1"/>
+            </a:effectRef>
+            <a:fontRef idx="minor">
+              <a:schemeClr val="lt1"/>
+            </a:fontRef>
+          </p:style>
+        </p:sp>
+        <p:sp>
+          <p:nvSpPr>
+            <p:cNvPr id="31" name="Isosceles Triangle 30"/>
+            <p:cNvSpPr/>
+            <p:nvPr/>
+          </p:nvSpPr>
+          <p:spPr>
+            <a:xfrm>
+              <a:off x="10371666" y="3589867"/>
+              <a:ext cx="1817159" cy="3268133"/>
+            </a:xfrm>
+            <a:prstGeom prst="triangle">
+              <a:avLst>
+                <a:gd name="adj" fmla="val 100000"/>
+              </a:avLst>
+            </a:prstGeom>
+            <a:solidFill>
+              <a:schemeClr val="accent1">
+                <a:alpha val="80000"/>
+              </a:schemeClr>
+            </a:solidFill>
+            <a:ln>
+              <a:noFill/>
+            </a:ln>
+            <a:effectLst/>
+          </p:spPr>
+          <p:style>
+            <a:lnRef idx="1">
+              <a:schemeClr val="accent1"/>
+            </a:lnRef>
+            <a:fillRef idx="3">
+              <a:schemeClr val="accent1"/>
+            </a:fillRef>
+            <a:effectRef idx="2">
+              <a:schemeClr val="accent1"/>
+            </a:effectRef>
+            <a:fontRef idx="minor">
+              <a:schemeClr val="lt1"/>
+            </a:fontRef>
+          </p:style>
+        </p:sp>
+        <p:sp>
+          <p:nvSpPr>
+            <p:cNvPr id="19" name="Isosceles Triangle 18"/>
+            <p:cNvSpPr/>
+            <p:nvPr/>
+          </p:nvSpPr>
+          <p:spPr>
+            <a:xfrm rot="10800000">
+              <a:off x="0" y="0"/>
+              <a:ext cx="842596" cy="5666154"/>
+            </a:xfrm>
+            <a:prstGeom prst="triangle">
+              <a:avLst>
+                <a:gd name="adj" fmla="val 100000"/>
+              </a:avLst>
+            </a:prstGeom>
+            <a:solidFill>
+              <a:schemeClr val="accent1">
+                <a:alpha val="85000"/>
+              </a:schemeClr>
+            </a:solidFill>
+            <a:ln>
+              <a:noFill/>
+            </a:ln>
+            <a:effectLst/>
+          </p:spPr>
+          <p:style>
+            <a:lnRef idx="1">
+              <a:schemeClr val="accent1"/>
+            </a:lnRef>
+            <a:fillRef idx="3">
+              <a:schemeClr val="accent1"/>
+            </a:fillRef>
+            <a:effectRef idx="2">
+              <a:schemeClr val="accent1"/>
+            </a:effectRef>
+            <a:fontRef idx="minor">
+              <a:schemeClr val="lt1"/>
+            </a:fontRef>
+          </p:style>
+        </p:sp>
+      </p:grpSp>
+      <p:sp>
+        <p:nvSpPr>
+          <p:cNvPr id="2" name="Title 1"/>
           <p:cNvSpPr>
             <a:spLocks noGrp="1"/>
           </p:cNvSpPr>
@@ -146,15 +675,21 @@
         </p:nvSpPr>
         <p:spPr>
           <a:xfrm>
-            <a:off x="1524000" y="1122363"/>
-            <a:ext cx="9144000" cy="2387600"/>
+            <a:off x="1507067" y="2404534"/>
+            <a:ext cx="7766936" cy="1646302"/>
           </a:xfrm>
         </p:spPr>
         <p:txBody>
-          <a:bodyPr anchor="b"/>
+          <a:bodyPr anchor="b">
+            <a:noAutofit/>
+          </a:bodyPr>
           <a:lstStyle>
-            <a:lvl1pPr algn="ctr">
-              <a:defRPr sz="6000"/>
+            <a:lvl1pPr algn="r">
+              <a:defRPr sz="5400">
+                <a:solidFill>
+                  <a:schemeClr val="accent1"/>
+                </a:solidFill>
+              </a:defRPr>
             </a:lvl1pPr>
           </a:lstStyle>
           <a:p>
@@ -162,18 +697,13 @@
               <a:rPr lang="da-DK"/>
               <a:t>Klik for at redigere titeltypografien i masteren</a:t>
             </a:r>
-          </a:p>
-        </p:txBody>
-      </p:sp>
-      <p:sp>
-        <p:nvSpPr>
-          <p:cNvPr id="3" name="Undertitel 2">
-            <a:extLst>
-              <a:ext uri="{FF2B5EF4-FFF2-40B4-BE49-F238E27FC236}">
-                <a16:creationId xmlns:a16="http://schemas.microsoft.com/office/drawing/2014/main" id="{01EB0781-8103-4BC7-9338-C439BA7D2989}"/>
-              </a:ext>
-            </a:extLst>
-          </p:cNvPr>
+            <a:endParaRPr lang="en-US" dirty="0"/>
+          </a:p>
+        </p:txBody>
+      </p:sp>
+      <p:sp>
+        <p:nvSpPr>
+          <p:cNvPr id="3" name="Subtitle 2"/>
           <p:cNvSpPr>
             <a:spLocks noGrp="1"/>
           </p:cNvSpPr>
@@ -183,48 +713,103 @@
         </p:nvSpPr>
         <p:spPr>
           <a:xfrm>
-            <a:off x="1524000" y="3602038"/>
-            <a:ext cx="9144000" cy="1655762"/>
+            <a:off x="1507067" y="4050833"/>
+            <a:ext cx="7766936" cy="1096899"/>
           </a:xfrm>
         </p:spPr>
         <p:txBody>
-          <a:bodyPr/>
+          <a:bodyPr anchor="t"/>
           <a:lstStyle>
-            <a:lvl1pPr marL="0" indent="0" algn="ctr">
-              <a:buNone/>
-              <a:defRPr sz="2400"/>
+            <a:lvl1pPr marL="0" indent="0" algn="r">
+              <a:buNone/>
+              <a:defRPr>
+                <a:solidFill>
+                  <a:schemeClr val="tx1">
+                    <a:lumMod val="50000"/>
+                    <a:lumOff val="50000"/>
+                  </a:schemeClr>
+                </a:solidFill>
+              </a:defRPr>
             </a:lvl1pPr>
             <a:lvl2pPr marL="457200" indent="0" algn="ctr">
               <a:buNone/>
-              <a:defRPr sz="2000"/>
+              <a:defRPr>
+                <a:solidFill>
+                  <a:schemeClr val="tx1">
+                    <a:tint val="75000"/>
+                  </a:schemeClr>
+                </a:solidFill>
+              </a:defRPr>
             </a:lvl2pPr>
             <a:lvl3pPr marL="914400" indent="0" algn="ctr">
               <a:buNone/>
-              <a:defRPr sz="1800"/>
+              <a:defRPr>
+                <a:solidFill>
+                  <a:schemeClr val="tx1">
+                    <a:tint val="75000"/>
+                  </a:schemeClr>
+                </a:solidFill>
+              </a:defRPr>
             </a:lvl3pPr>
             <a:lvl4pPr marL="1371600" indent="0" algn="ctr">
               <a:buNone/>
-              <a:defRPr sz="1600"/>
+              <a:defRPr>
+                <a:solidFill>
+                  <a:schemeClr val="tx1">
+                    <a:tint val="75000"/>
+                  </a:schemeClr>
+                </a:solidFill>
+              </a:defRPr>
             </a:lvl4pPr>
             <a:lvl5pPr marL="1828800" indent="0" algn="ctr">
               <a:buNone/>
-              <a:defRPr sz="1600"/>
+              <a:defRPr>
+                <a:solidFill>
+                  <a:schemeClr val="tx1">
+                    <a:tint val="75000"/>
+                  </a:schemeClr>
+                </a:solidFill>
+              </a:defRPr>
             </a:lvl5pPr>
             <a:lvl6pPr marL="2286000" indent="0" algn="ctr">
               <a:buNone/>
-              <a:defRPr sz="1600"/>
+              <a:defRPr>
+                <a:solidFill>
+                  <a:schemeClr val="tx1">
+                    <a:tint val="75000"/>
+                  </a:schemeClr>
+                </a:solidFill>
+              </a:defRPr>
             </a:lvl6pPr>
             <a:lvl7pPr marL="2743200" indent="0" algn="ctr">
               <a:buNone/>
-              <a:defRPr sz="1600"/>
+              <a:defRPr>
+                <a:solidFill>
+                  <a:schemeClr val="tx1">
+                    <a:tint val="75000"/>
+                  </a:schemeClr>
+                </a:solidFill>
+              </a:defRPr>
             </a:lvl7pPr>
             <a:lvl8pPr marL="3200400" indent="0" algn="ctr">
               <a:buNone/>
-              <a:defRPr sz="1600"/>
+              <a:defRPr>
+                <a:solidFill>
+                  <a:schemeClr val="tx1">
+                    <a:tint val="75000"/>
+                  </a:schemeClr>
+                </a:solidFill>
+              </a:defRPr>
             </a:lvl8pPr>
             <a:lvl9pPr marL="3657600" indent="0" algn="ctr">
               <a:buNone/>
-              <a:defRPr sz="1600"/>
+              <a:defRPr>
+                <a:solidFill>
+                  <a:schemeClr val="tx1">
+                    <a:tint val="75000"/>
+                  </a:schemeClr>
+                </a:solidFill>
+              </a:defRPr>
             </a:lvl9pPr>
           </a:lstStyle>
           <a:p>
@@ -232,18 +817,13 @@
               <a:rPr lang="da-DK"/>
               <a:t>Klik for at redigere undertiteltypografien i masteren</a:t>
             </a:r>
-          </a:p>
-        </p:txBody>
-      </p:sp>
-      <p:sp>
-        <p:nvSpPr>
-          <p:cNvPr id="4" name="Pladsholder til dato 3">
-            <a:extLst>
-              <a:ext uri="{FF2B5EF4-FFF2-40B4-BE49-F238E27FC236}">
-                <a16:creationId xmlns:a16="http://schemas.microsoft.com/office/drawing/2014/main" id="{F6CCE64B-45A8-4E84-A364-D7D28944BDCE}"/>
-              </a:ext>
-            </a:extLst>
-          </p:cNvPr>
+            <a:endParaRPr lang="en-US" dirty="0"/>
+          </a:p>
+        </p:txBody>
+      </p:sp>
+      <p:sp>
+        <p:nvSpPr>
+          <p:cNvPr id="4" name="Date Placeholder 3"/>
           <p:cNvSpPr>
             <a:spLocks noGrp="1"/>
           </p:cNvSpPr>
@@ -266,13 +846,7 @@
       </p:sp>
       <p:sp>
         <p:nvSpPr>
-          <p:cNvPr id="5" name="Pladsholder til sidefod 4">
-            <a:extLst>
-              <a:ext uri="{FF2B5EF4-FFF2-40B4-BE49-F238E27FC236}">
-                <a16:creationId xmlns:a16="http://schemas.microsoft.com/office/drawing/2014/main" id="{876EB488-CD4D-40BC-9BAC-62A28A2011A9}"/>
-              </a:ext>
-            </a:extLst>
-          </p:cNvPr>
+          <p:cNvPr id="5" name="Footer Placeholder 4"/>
           <p:cNvSpPr>
             <a:spLocks noGrp="1"/>
           </p:cNvSpPr>
@@ -291,13 +865,7 @@
       </p:sp>
       <p:sp>
         <p:nvSpPr>
-          <p:cNvPr id="6" name="Pladsholder til slidenummer 5">
-            <a:extLst>
-              <a:ext uri="{FF2B5EF4-FFF2-40B4-BE49-F238E27FC236}">
-                <a16:creationId xmlns:a16="http://schemas.microsoft.com/office/drawing/2014/main" id="{336AA7C7-24C1-4E6D-8B54-2E0E981A5CBA}"/>
-              </a:ext>
-            </a:extLst>
-          </p:cNvPr>
+          <p:cNvPr id="6" name="Slide Number Placeholder 5"/>
           <p:cNvSpPr>
             <a:spLocks noGrp="1"/>
           </p:cNvSpPr>
@@ -321,7 +889,7 @@
     </p:spTree>
     <p:extLst>
       <p:ext uri="{BB962C8B-B14F-4D97-AF65-F5344CB8AC3E}">
-        <p14:creationId xmlns:p14="http://schemas.microsoft.com/office/powerpoint/2010/main" val="2987814034"/>
+        <p14:creationId xmlns:p14="http://schemas.microsoft.com/office/powerpoint/2010/main" val="1073002564"/>
       </p:ext>
     </p:extLst>
   </p:cSld>
@@ -332,6 +900,1619 @@
 </file>
 
 <file path=ppt/slideLayouts/slideLayout10.xml><?xml version="1.0" encoding="utf-8"?>
+<p:sldLayout xmlns:a="http://schemas.openxmlformats.org/drawingml/2006/main" xmlns:r="http://schemas.openxmlformats.org/officeDocument/2006/relationships" xmlns:p="http://schemas.openxmlformats.org/presentationml/2006/main" preserve="1">
+  <p:cSld name="Titel og billedtekst">
+    <p:spTree>
+      <p:nvGrpSpPr>
+        <p:cNvPr id="1" name=""/>
+        <p:cNvGrpSpPr/>
+        <p:nvPr/>
+      </p:nvGrpSpPr>
+      <p:grpSpPr>
+        <a:xfrm>
+          <a:off x="0" y="0"/>
+          <a:ext cx="0" cy="0"/>
+          <a:chOff x="0" y="0"/>
+          <a:chExt cx="0" cy="0"/>
+        </a:xfrm>
+      </p:grpSpPr>
+      <p:sp>
+        <p:nvSpPr>
+          <p:cNvPr id="2" name="Title 1"/>
+          <p:cNvSpPr>
+            <a:spLocks noGrp="1"/>
+          </p:cNvSpPr>
+          <p:nvPr>
+            <p:ph type="title"/>
+          </p:nvPr>
+        </p:nvSpPr>
+        <p:spPr>
+          <a:xfrm>
+            <a:off x="677335" y="609600"/>
+            <a:ext cx="8596668" cy="3403600"/>
+          </a:xfrm>
+        </p:spPr>
+        <p:txBody>
+          <a:bodyPr anchor="ctr">
+            <a:normAutofit/>
+          </a:bodyPr>
+          <a:lstStyle>
+            <a:lvl1pPr algn="l">
+              <a:defRPr sz="4400" b="0" cap="none"/>
+            </a:lvl1pPr>
+          </a:lstStyle>
+          <a:p>
+            <a:r>
+              <a:rPr lang="da-DK"/>
+              <a:t>Klik for at redigere titeltypografien i masteren</a:t>
+            </a:r>
+            <a:endParaRPr lang="en-US" dirty="0"/>
+          </a:p>
+        </p:txBody>
+      </p:sp>
+      <p:sp>
+        <p:nvSpPr>
+          <p:cNvPr id="3" name="Text Placeholder 2"/>
+          <p:cNvSpPr>
+            <a:spLocks noGrp="1"/>
+          </p:cNvSpPr>
+          <p:nvPr>
+            <p:ph type="body" idx="1"/>
+          </p:nvPr>
+        </p:nvSpPr>
+        <p:spPr>
+          <a:xfrm>
+            <a:off x="677335" y="4470400"/>
+            <a:ext cx="8596668" cy="1570962"/>
+          </a:xfrm>
+        </p:spPr>
+        <p:txBody>
+          <a:bodyPr anchor="ctr">
+            <a:normAutofit/>
+          </a:bodyPr>
+          <a:lstStyle>
+            <a:lvl1pPr marL="0" indent="0" algn="l">
+              <a:buNone/>
+              <a:defRPr sz="1800">
+                <a:solidFill>
+                  <a:schemeClr val="tx1">
+                    <a:lumMod val="75000"/>
+                    <a:lumOff val="25000"/>
+                  </a:schemeClr>
+                </a:solidFill>
+              </a:defRPr>
+            </a:lvl1pPr>
+            <a:lvl2pPr marL="457200" indent="0">
+              <a:buNone/>
+              <a:defRPr sz="1800">
+                <a:solidFill>
+                  <a:schemeClr val="tx1">
+                    <a:tint val="75000"/>
+                  </a:schemeClr>
+                </a:solidFill>
+              </a:defRPr>
+            </a:lvl2pPr>
+            <a:lvl3pPr marL="914400" indent="0">
+              <a:buNone/>
+              <a:defRPr sz="1600">
+                <a:solidFill>
+                  <a:schemeClr val="tx1">
+                    <a:tint val="75000"/>
+                  </a:schemeClr>
+                </a:solidFill>
+              </a:defRPr>
+            </a:lvl3pPr>
+            <a:lvl4pPr marL="1371600" indent="0">
+              <a:buNone/>
+              <a:defRPr sz="1400">
+                <a:solidFill>
+                  <a:schemeClr val="tx1">
+                    <a:tint val="75000"/>
+                  </a:schemeClr>
+                </a:solidFill>
+              </a:defRPr>
+            </a:lvl4pPr>
+            <a:lvl5pPr marL="1828800" indent="0">
+              <a:buNone/>
+              <a:defRPr sz="1400">
+                <a:solidFill>
+                  <a:schemeClr val="tx1">
+                    <a:tint val="75000"/>
+                  </a:schemeClr>
+                </a:solidFill>
+              </a:defRPr>
+            </a:lvl5pPr>
+            <a:lvl6pPr marL="2286000" indent="0">
+              <a:buNone/>
+              <a:defRPr sz="1400">
+                <a:solidFill>
+                  <a:schemeClr val="tx1">
+                    <a:tint val="75000"/>
+                  </a:schemeClr>
+                </a:solidFill>
+              </a:defRPr>
+            </a:lvl6pPr>
+            <a:lvl7pPr marL="2743200" indent="0">
+              <a:buNone/>
+              <a:defRPr sz="1400">
+                <a:solidFill>
+                  <a:schemeClr val="tx1">
+                    <a:tint val="75000"/>
+                  </a:schemeClr>
+                </a:solidFill>
+              </a:defRPr>
+            </a:lvl7pPr>
+            <a:lvl8pPr marL="3200400" indent="0">
+              <a:buNone/>
+              <a:defRPr sz="1400">
+                <a:solidFill>
+                  <a:schemeClr val="tx1">
+                    <a:tint val="75000"/>
+                  </a:schemeClr>
+                </a:solidFill>
+              </a:defRPr>
+            </a:lvl8pPr>
+            <a:lvl9pPr marL="3657600" indent="0">
+              <a:buNone/>
+              <a:defRPr sz="1400">
+                <a:solidFill>
+                  <a:schemeClr val="tx1">
+                    <a:tint val="75000"/>
+                  </a:schemeClr>
+                </a:solidFill>
+              </a:defRPr>
+            </a:lvl9pPr>
+          </a:lstStyle>
+          <a:p>
+            <a:pPr lvl="0"/>
+            <a:r>
+              <a:rPr lang="da-DK"/>
+              <a:t>Klik for at redigere teksttypografierne i masteren</a:t>
+            </a:r>
+          </a:p>
+        </p:txBody>
+      </p:sp>
+      <p:sp>
+        <p:nvSpPr>
+          <p:cNvPr id="4" name="Date Placeholder 3"/>
+          <p:cNvSpPr>
+            <a:spLocks noGrp="1"/>
+          </p:cNvSpPr>
+          <p:nvPr>
+            <p:ph type="dt" sz="half" idx="10"/>
+          </p:nvPr>
+        </p:nvSpPr>
+        <p:spPr/>
+        <p:txBody>
+          <a:bodyPr/>
+          <a:lstStyle/>
+          <a:p>
+            <a:fld id="{746ED707-DDAF-4C42-B5D1-0A8C11331D3C}" type="datetimeFigureOut">
+              <a:rPr lang="da-DK" smtClean="0"/>
+              <a:t>01-10-2020</a:t>
+            </a:fld>
+            <a:endParaRPr lang="da-DK"/>
+          </a:p>
+        </p:txBody>
+      </p:sp>
+      <p:sp>
+        <p:nvSpPr>
+          <p:cNvPr id="5" name="Footer Placeholder 4"/>
+          <p:cNvSpPr>
+            <a:spLocks noGrp="1"/>
+          </p:cNvSpPr>
+          <p:nvPr>
+            <p:ph type="ftr" sz="quarter" idx="11"/>
+          </p:nvPr>
+        </p:nvSpPr>
+        <p:spPr/>
+        <p:txBody>
+          <a:bodyPr/>
+          <a:lstStyle/>
+          <a:p>
+            <a:endParaRPr lang="da-DK"/>
+          </a:p>
+        </p:txBody>
+      </p:sp>
+      <p:sp>
+        <p:nvSpPr>
+          <p:cNvPr id="6" name="Slide Number Placeholder 5"/>
+          <p:cNvSpPr>
+            <a:spLocks noGrp="1"/>
+          </p:cNvSpPr>
+          <p:nvPr>
+            <p:ph type="sldNum" sz="quarter" idx="12"/>
+          </p:nvPr>
+        </p:nvSpPr>
+        <p:spPr/>
+        <p:txBody>
+          <a:bodyPr/>
+          <a:lstStyle/>
+          <a:p>
+            <a:fld id="{4B6C1E9A-E34D-472F-9AE5-7099A67A2DCB}" type="slidenum">
+              <a:rPr lang="da-DK" smtClean="0"/>
+              <a:t>‹nr.›</a:t>
+            </a:fld>
+            <a:endParaRPr lang="da-DK"/>
+          </a:p>
+        </p:txBody>
+      </p:sp>
+    </p:spTree>
+    <p:extLst>
+      <p:ext uri="{BB962C8B-B14F-4D97-AF65-F5344CB8AC3E}">
+        <p14:creationId xmlns:p14="http://schemas.microsoft.com/office/powerpoint/2010/main" val="483246221"/>
+      </p:ext>
+    </p:extLst>
+  </p:cSld>
+  <p:clrMapOvr>
+    <a:masterClrMapping/>
+  </p:clrMapOvr>
+</p:sldLayout>
+</file>
+
+<file path=ppt/slideLayouts/slideLayout11.xml><?xml version="1.0" encoding="utf-8"?>
+<p:sldLayout xmlns:a="http://schemas.openxmlformats.org/drawingml/2006/main" xmlns:r="http://schemas.openxmlformats.org/officeDocument/2006/relationships" xmlns:p="http://schemas.openxmlformats.org/presentationml/2006/main" preserve="1">
+  <p:cSld name="Citat med billedtekst">
+    <p:spTree>
+      <p:nvGrpSpPr>
+        <p:cNvPr id="1" name=""/>
+        <p:cNvGrpSpPr/>
+        <p:nvPr/>
+      </p:nvGrpSpPr>
+      <p:grpSpPr>
+        <a:xfrm>
+          <a:off x="0" y="0"/>
+          <a:ext cx="0" cy="0"/>
+          <a:chOff x="0" y="0"/>
+          <a:chExt cx="0" cy="0"/>
+        </a:xfrm>
+      </p:grpSpPr>
+      <p:sp>
+        <p:nvSpPr>
+          <p:cNvPr id="2" name="Title 1"/>
+          <p:cNvSpPr>
+            <a:spLocks noGrp="1"/>
+          </p:cNvSpPr>
+          <p:nvPr>
+            <p:ph type="title"/>
+          </p:nvPr>
+        </p:nvSpPr>
+        <p:spPr>
+          <a:xfrm>
+            <a:off x="931334" y="609600"/>
+            <a:ext cx="8094134" cy="3022600"/>
+          </a:xfrm>
+        </p:spPr>
+        <p:txBody>
+          <a:bodyPr anchor="ctr">
+            <a:normAutofit/>
+          </a:bodyPr>
+          <a:lstStyle>
+            <a:lvl1pPr algn="l">
+              <a:defRPr sz="4400" b="0" cap="none"/>
+            </a:lvl1pPr>
+          </a:lstStyle>
+          <a:p>
+            <a:r>
+              <a:rPr lang="da-DK"/>
+              <a:t>Klik for at redigere titeltypografien i masteren</a:t>
+            </a:r>
+            <a:endParaRPr lang="en-US" dirty="0"/>
+          </a:p>
+        </p:txBody>
+      </p:sp>
+      <p:sp>
+        <p:nvSpPr>
+          <p:cNvPr id="23" name="Text Placeholder 9"/>
+          <p:cNvSpPr>
+            <a:spLocks noGrp="1"/>
+          </p:cNvSpPr>
+          <p:nvPr>
+            <p:ph type="body" sz="quarter" idx="13"/>
+          </p:nvPr>
+        </p:nvSpPr>
+        <p:spPr>
+          <a:xfrm>
+            <a:off x="1366139" y="3632200"/>
+            <a:ext cx="7224524" cy="381000"/>
+          </a:xfrm>
+        </p:spPr>
+        <p:txBody>
+          <a:bodyPr anchor="ctr">
+            <a:noAutofit/>
+          </a:bodyPr>
+          <a:lstStyle>
+            <a:lvl1pPr marL="0" indent="0">
+              <a:buFontTx/>
+              <a:buNone/>
+              <a:defRPr sz="1600">
+                <a:solidFill>
+                  <a:schemeClr val="tx1">
+                    <a:lumMod val="50000"/>
+                    <a:lumOff val="50000"/>
+                  </a:schemeClr>
+                </a:solidFill>
+              </a:defRPr>
+            </a:lvl1pPr>
+            <a:lvl2pPr marL="457200" indent="0">
+              <a:buFontTx/>
+              <a:buNone/>
+              <a:defRPr/>
+            </a:lvl2pPr>
+            <a:lvl3pPr marL="914400" indent="0">
+              <a:buFontTx/>
+              <a:buNone/>
+              <a:defRPr/>
+            </a:lvl3pPr>
+            <a:lvl4pPr marL="1371600" indent="0">
+              <a:buFontTx/>
+              <a:buNone/>
+              <a:defRPr/>
+            </a:lvl4pPr>
+            <a:lvl5pPr marL="1828800" indent="0">
+              <a:buFontTx/>
+              <a:buNone/>
+              <a:defRPr/>
+            </a:lvl5pPr>
+          </a:lstStyle>
+          <a:p>
+            <a:pPr lvl="0"/>
+            <a:r>
+              <a:rPr lang="da-DK"/>
+              <a:t>Klik for at redigere teksttypografierne i masteren</a:t>
+            </a:r>
+          </a:p>
+        </p:txBody>
+      </p:sp>
+      <p:sp>
+        <p:nvSpPr>
+          <p:cNvPr id="3" name="Text Placeholder 2"/>
+          <p:cNvSpPr>
+            <a:spLocks noGrp="1"/>
+          </p:cNvSpPr>
+          <p:nvPr>
+            <p:ph type="body" idx="1"/>
+          </p:nvPr>
+        </p:nvSpPr>
+        <p:spPr>
+          <a:xfrm>
+            <a:off x="677335" y="4470400"/>
+            <a:ext cx="8596668" cy="1570962"/>
+          </a:xfrm>
+        </p:spPr>
+        <p:txBody>
+          <a:bodyPr anchor="ctr">
+            <a:normAutofit/>
+          </a:bodyPr>
+          <a:lstStyle>
+            <a:lvl1pPr marL="0" indent="0" algn="l">
+              <a:buNone/>
+              <a:defRPr sz="1800">
+                <a:solidFill>
+                  <a:schemeClr val="tx1">
+                    <a:lumMod val="75000"/>
+                    <a:lumOff val="25000"/>
+                  </a:schemeClr>
+                </a:solidFill>
+              </a:defRPr>
+            </a:lvl1pPr>
+            <a:lvl2pPr marL="457200" indent="0">
+              <a:buNone/>
+              <a:defRPr sz="1800">
+                <a:solidFill>
+                  <a:schemeClr val="tx1">
+                    <a:tint val="75000"/>
+                  </a:schemeClr>
+                </a:solidFill>
+              </a:defRPr>
+            </a:lvl2pPr>
+            <a:lvl3pPr marL="914400" indent="0">
+              <a:buNone/>
+              <a:defRPr sz="1600">
+                <a:solidFill>
+                  <a:schemeClr val="tx1">
+                    <a:tint val="75000"/>
+                  </a:schemeClr>
+                </a:solidFill>
+              </a:defRPr>
+            </a:lvl3pPr>
+            <a:lvl4pPr marL="1371600" indent="0">
+              <a:buNone/>
+              <a:defRPr sz="1400">
+                <a:solidFill>
+                  <a:schemeClr val="tx1">
+                    <a:tint val="75000"/>
+                  </a:schemeClr>
+                </a:solidFill>
+              </a:defRPr>
+            </a:lvl4pPr>
+            <a:lvl5pPr marL="1828800" indent="0">
+              <a:buNone/>
+              <a:defRPr sz="1400">
+                <a:solidFill>
+                  <a:schemeClr val="tx1">
+                    <a:tint val="75000"/>
+                  </a:schemeClr>
+                </a:solidFill>
+              </a:defRPr>
+            </a:lvl5pPr>
+            <a:lvl6pPr marL="2286000" indent="0">
+              <a:buNone/>
+              <a:defRPr sz="1400">
+                <a:solidFill>
+                  <a:schemeClr val="tx1">
+                    <a:tint val="75000"/>
+                  </a:schemeClr>
+                </a:solidFill>
+              </a:defRPr>
+            </a:lvl6pPr>
+            <a:lvl7pPr marL="2743200" indent="0">
+              <a:buNone/>
+              <a:defRPr sz="1400">
+                <a:solidFill>
+                  <a:schemeClr val="tx1">
+                    <a:tint val="75000"/>
+                  </a:schemeClr>
+                </a:solidFill>
+              </a:defRPr>
+            </a:lvl7pPr>
+            <a:lvl8pPr marL="3200400" indent="0">
+              <a:buNone/>
+              <a:defRPr sz="1400">
+                <a:solidFill>
+                  <a:schemeClr val="tx1">
+                    <a:tint val="75000"/>
+                  </a:schemeClr>
+                </a:solidFill>
+              </a:defRPr>
+            </a:lvl8pPr>
+            <a:lvl9pPr marL="3657600" indent="0">
+              <a:buNone/>
+              <a:defRPr sz="1400">
+                <a:solidFill>
+                  <a:schemeClr val="tx1">
+                    <a:tint val="75000"/>
+                  </a:schemeClr>
+                </a:solidFill>
+              </a:defRPr>
+            </a:lvl9pPr>
+          </a:lstStyle>
+          <a:p>
+            <a:pPr lvl="0"/>
+            <a:r>
+              <a:rPr lang="da-DK"/>
+              <a:t>Klik for at redigere teksttypografierne i masteren</a:t>
+            </a:r>
+          </a:p>
+        </p:txBody>
+      </p:sp>
+      <p:sp>
+        <p:nvSpPr>
+          <p:cNvPr id="4" name="Date Placeholder 3"/>
+          <p:cNvSpPr>
+            <a:spLocks noGrp="1"/>
+          </p:cNvSpPr>
+          <p:nvPr>
+            <p:ph type="dt" sz="half" idx="10"/>
+          </p:nvPr>
+        </p:nvSpPr>
+        <p:spPr/>
+        <p:txBody>
+          <a:bodyPr/>
+          <a:lstStyle/>
+          <a:p>
+            <a:fld id="{746ED707-DDAF-4C42-B5D1-0A8C11331D3C}" type="datetimeFigureOut">
+              <a:rPr lang="da-DK" smtClean="0"/>
+              <a:t>01-10-2020</a:t>
+            </a:fld>
+            <a:endParaRPr lang="da-DK"/>
+          </a:p>
+        </p:txBody>
+      </p:sp>
+      <p:sp>
+        <p:nvSpPr>
+          <p:cNvPr id="5" name="Footer Placeholder 4"/>
+          <p:cNvSpPr>
+            <a:spLocks noGrp="1"/>
+          </p:cNvSpPr>
+          <p:nvPr>
+            <p:ph type="ftr" sz="quarter" idx="11"/>
+          </p:nvPr>
+        </p:nvSpPr>
+        <p:spPr/>
+        <p:txBody>
+          <a:bodyPr/>
+          <a:lstStyle/>
+          <a:p>
+            <a:endParaRPr lang="da-DK"/>
+          </a:p>
+        </p:txBody>
+      </p:sp>
+      <p:sp>
+        <p:nvSpPr>
+          <p:cNvPr id="6" name="Slide Number Placeholder 5"/>
+          <p:cNvSpPr>
+            <a:spLocks noGrp="1"/>
+          </p:cNvSpPr>
+          <p:nvPr>
+            <p:ph type="sldNum" sz="quarter" idx="12"/>
+          </p:nvPr>
+        </p:nvSpPr>
+        <p:spPr/>
+        <p:txBody>
+          <a:bodyPr/>
+          <a:lstStyle/>
+          <a:p>
+            <a:fld id="{4B6C1E9A-E34D-472F-9AE5-7099A67A2DCB}" type="slidenum">
+              <a:rPr lang="da-DK" smtClean="0"/>
+              <a:t>‹nr.›</a:t>
+            </a:fld>
+            <a:endParaRPr lang="da-DK"/>
+          </a:p>
+        </p:txBody>
+      </p:sp>
+      <p:sp>
+        <p:nvSpPr>
+          <p:cNvPr id="20" name="TextBox 19"/>
+          <p:cNvSpPr txBox="1"/>
+          <p:nvPr/>
+        </p:nvSpPr>
+        <p:spPr>
+          <a:xfrm>
+            <a:off x="541870" y="790378"/>
+            <a:ext cx="609600" cy="584776"/>
+          </a:xfrm>
+          <a:prstGeom prst="rect">
+            <a:avLst/>
+          </a:prstGeom>
+        </p:spPr>
+        <p:txBody>
+          <a:bodyPr vert="horz" lIns="91440" tIns="45720" rIns="91440" bIns="45720" rtlCol="0" anchor="ctr">
+            <a:noAutofit/>
+          </a:bodyPr>
+          <a:lstStyle/>
+          <a:p>
+            <a:pPr lvl="0"/>
+            <a:r>
+              <a:rPr lang="en-US" sz="8000" baseline="0" dirty="0">
+                <a:ln w="3175" cmpd="sng">
+                  <a:noFill/>
+                </a:ln>
+                <a:solidFill>
+                  <a:schemeClr val="accent1">
+                    <a:lumMod val="60000"/>
+                    <a:lumOff val="40000"/>
+                  </a:schemeClr>
+                </a:solidFill>
+                <a:effectLst/>
+                <a:latin typeface="Arial"/>
+              </a:rPr>
+              <a:t>“</a:t>
+            </a:r>
+          </a:p>
+        </p:txBody>
+      </p:sp>
+      <p:sp>
+        <p:nvSpPr>
+          <p:cNvPr id="22" name="TextBox 21"/>
+          <p:cNvSpPr txBox="1"/>
+          <p:nvPr/>
+        </p:nvSpPr>
+        <p:spPr>
+          <a:xfrm>
+            <a:off x="8893011" y="2886556"/>
+            <a:ext cx="609600" cy="584776"/>
+          </a:xfrm>
+          <a:prstGeom prst="rect">
+            <a:avLst/>
+          </a:prstGeom>
+        </p:spPr>
+        <p:txBody>
+          <a:bodyPr vert="horz" lIns="91440" tIns="45720" rIns="91440" bIns="45720" rtlCol="0" anchor="ctr">
+            <a:noAutofit/>
+          </a:bodyPr>
+          <a:lstStyle/>
+          <a:p>
+            <a:pPr lvl="0"/>
+            <a:r>
+              <a:rPr lang="en-US" sz="8000" baseline="0" dirty="0">
+                <a:ln w="3175" cmpd="sng">
+                  <a:noFill/>
+                </a:ln>
+                <a:solidFill>
+                  <a:schemeClr val="accent1">
+                    <a:lumMod val="60000"/>
+                    <a:lumOff val="40000"/>
+                  </a:schemeClr>
+                </a:solidFill>
+                <a:latin typeface="Arial"/>
+              </a:rPr>
+              <a:t>”</a:t>
+            </a:r>
+            <a:endParaRPr lang="en-US" dirty="0">
+              <a:solidFill>
+                <a:schemeClr val="accent1">
+                  <a:lumMod val="60000"/>
+                  <a:lumOff val="40000"/>
+                </a:schemeClr>
+              </a:solidFill>
+              <a:latin typeface="Arial"/>
+            </a:endParaRPr>
+          </a:p>
+        </p:txBody>
+      </p:sp>
+    </p:spTree>
+    <p:extLst>
+      <p:ext uri="{BB962C8B-B14F-4D97-AF65-F5344CB8AC3E}">
+        <p14:creationId xmlns:p14="http://schemas.microsoft.com/office/powerpoint/2010/main" val="4211712707"/>
+      </p:ext>
+    </p:extLst>
+  </p:cSld>
+  <p:clrMapOvr>
+    <a:masterClrMapping/>
+  </p:clrMapOvr>
+</p:sldLayout>
+</file>
+
+<file path=ppt/slideLayouts/slideLayout12.xml><?xml version="1.0" encoding="utf-8"?>
+<p:sldLayout xmlns:a="http://schemas.openxmlformats.org/drawingml/2006/main" xmlns:r="http://schemas.openxmlformats.org/officeDocument/2006/relationships" xmlns:p="http://schemas.openxmlformats.org/presentationml/2006/main" preserve="1">
+  <p:cSld name="Navnekort">
+    <p:spTree>
+      <p:nvGrpSpPr>
+        <p:cNvPr id="1" name=""/>
+        <p:cNvGrpSpPr/>
+        <p:nvPr/>
+      </p:nvGrpSpPr>
+      <p:grpSpPr>
+        <a:xfrm>
+          <a:off x="0" y="0"/>
+          <a:ext cx="0" cy="0"/>
+          <a:chOff x="0" y="0"/>
+          <a:chExt cx="0" cy="0"/>
+        </a:xfrm>
+      </p:grpSpPr>
+      <p:sp>
+        <p:nvSpPr>
+          <p:cNvPr id="2" name="Title 1"/>
+          <p:cNvSpPr>
+            <a:spLocks noGrp="1"/>
+          </p:cNvSpPr>
+          <p:nvPr>
+            <p:ph type="title"/>
+          </p:nvPr>
+        </p:nvSpPr>
+        <p:spPr>
+          <a:xfrm>
+            <a:off x="677335" y="1931988"/>
+            <a:ext cx="8596668" cy="2595460"/>
+          </a:xfrm>
+        </p:spPr>
+        <p:txBody>
+          <a:bodyPr anchor="b">
+            <a:normAutofit/>
+          </a:bodyPr>
+          <a:lstStyle>
+            <a:lvl1pPr algn="l">
+              <a:defRPr sz="4400" b="0" cap="none"/>
+            </a:lvl1pPr>
+          </a:lstStyle>
+          <a:p>
+            <a:r>
+              <a:rPr lang="da-DK"/>
+              <a:t>Klik for at redigere titeltypografien i masteren</a:t>
+            </a:r>
+            <a:endParaRPr lang="en-US" dirty="0"/>
+          </a:p>
+        </p:txBody>
+      </p:sp>
+      <p:sp>
+        <p:nvSpPr>
+          <p:cNvPr id="3" name="Text Placeholder 2"/>
+          <p:cNvSpPr>
+            <a:spLocks noGrp="1"/>
+          </p:cNvSpPr>
+          <p:nvPr>
+            <p:ph type="body" idx="1"/>
+          </p:nvPr>
+        </p:nvSpPr>
+        <p:spPr>
+          <a:xfrm>
+            <a:off x="677335" y="4527448"/>
+            <a:ext cx="8596668" cy="1513914"/>
+          </a:xfrm>
+        </p:spPr>
+        <p:txBody>
+          <a:bodyPr anchor="t">
+            <a:normAutofit/>
+          </a:bodyPr>
+          <a:lstStyle>
+            <a:lvl1pPr marL="0" indent="0" algn="l">
+              <a:buNone/>
+              <a:defRPr sz="1800">
+                <a:solidFill>
+                  <a:schemeClr val="tx1">
+                    <a:lumMod val="75000"/>
+                    <a:lumOff val="25000"/>
+                  </a:schemeClr>
+                </a:solidFill>
+              </a:defRPr>
+            </a:lvl1pPr>
+            <a:lvl2pPr marL="457200" indent="0">
+              <a:buNone/>
+              <a:defRPr sz="1800">
+                <a:solidFill>
+                  <a:schemeClr val="tx1">
+                    <a:tint val="75000"/>
+                  </a:schemeClr>
+                </a:solidFill>
+              </a:defRPr>
+            </a:lvl2pPr>
+            <a:lvl3pPr marL="914400" indent="0">
+              <a:buNone/>
+              <a:defRPr sz="1600">
+                <a:solidFill>
+                  <a:schemeClr val="tx1">
+                    <a:tint val="75000"/>
+                  </a:schemeClr>
+                </a:solidFill>
+              </a:defRPr>
+            </a:lvl3pPr>
+            <a:lvl4pPr marL="1371600" indent="0">
+              <a:buNone/>
+              <a:defRPr sz="1400">
+                <a:solidFill>
+                  <a:schemeClr val="tx1">
+                    <a:tint val="75000"/>
+                  </a:schemeClr>
+                </a:solidFill>
+              </a:defRPr>
+            </a:lvl4pPr>
+            <a:lvl5pPr marL="1828800" indent="0">
+              <a:buNone/>
+              <a:defRPr sz="1400">
+                <a:solidFill>
+                  <a:schemeClr val="tx1">
+                    <a:tint val="75000"/>
+                  </a:schemeClr>
+                </a:solidFill>
+              </a:defRPr>
+            </a:lvl5pPr>
+            <a:lvl6pPr marL="2286000" indent="0">
+              <a:buNone/>
+              <a:defRPr sz="1400">
+                <a:solidFill>
+                  <a:schemeClr val="tx1">
+                    <a:tint val="75000"/>
+                  </a:schemeClr>
+                </a:solidFill>
+              </a:defRPr>
+            </a:lvl6pPr>
+            <a:lvl7pPr marL="2743200" indent="0">
+              <a:buNone/>
+              <a:defRPr sz="1400">
+                <a:solidFill>
+                  <a:schemeClr val="tx1">
+                    <a:tint val="75000"/>
+                  </a:schemeClr>
+                </a:solidFill>
+              </a:defRPr>
+            </a:lvl7pPr>
+            <a:lvl8pPr marL="3200400" indent="0">
+              <a:buNone/>
+              <a:defRPr sz="1400">
+                <a:solidFill>
+                  <a:schemeClr val="tx1">
+                    <a:tint val="75000"/>
+                  </a:schemeClr>
+                </a:solidFill>
+              </a:defRPr>
+            </a:lvl8pPr>
+            <a:lvl9pPr marL="3657600" indent="0">
+              <a:buNone/>
+              <a:defRPr sz="1400">
+                <a:solidFill>
+                  <a:schemeClr val="tx1">
+                    <a:tint val="75000"/>
+                  </a:schemeClr>
+                </a:solidFill>
+              </a:defRPr>
+            </a:lvl9pPr>
+          </a:lstStyle>
+          <a:p>
+            <a:pPr lvl="0"/>
+            <a:r>
+              <a:rPr lang="da-DK"/>
+              <a:t>Klik for at redigere teksttypografierne i masteren</a:t>
+            </a:r>
+          </a:p>
+        </p:txBody>
+      </p:sp>
+      <p:sp>
+        <p:nvSpPr>
+          <p:cNvPr id="4" name="Date Placeholder 3"/>
+          <p:cNvSpPr>
+            <a:spLocks noGrp="1"/>
+          </p:cNvSpPr>
+          <p:nvPr>
+            <p:ph type="dt" sz="half" idx="10"/>
+          </p:nvPr>
+        </p:nvSpPr>
+        <p:spPr/>
+        <p:txBody>
+          <a:bodyPr/>
+          <a:lstStyle/>
+          <a:p>
+            <a:fld id="{746ED707-DDAF-4C42-B5D1-0A8C11331D3C}" type="datetimeFigureOut">
+              <a:rPr lang="da-DK" smtClean="0"/>
+              <a:t>01-10-2020</a:t>
+            </a:fld>
+            <a:endParaRPr lang="da-DK"/>
+          </a:p>
+        </p:txBody>
+      </p:sp>
+      <p:sp>
+        <p:nvSpPr>
+          <p:cNvPr id="5" name="Footer Placeholder 4"/>
+          <p:cNvSpPr>
+            <a:spLocks noGrp="1"/>
+          </p:cNvSpPr>
+          <p:nvPr>
+            <p:ph type="ftr" sz="quarter" idx="11"/>
+          </p:nvPr>
+        </p:nvSpPr>
+        <p:spPr/>
+        <p:txBody>
+          <a:bodyPr/>
+          <a:lstStyle/>
+          <a:p>
+            <a:endParaRPr lang="da-DK"/>
+          </a:p>
+        </p:txBody>
+      </p:sp>
+      <p:sp>
+        <p:nvSpPr>
+          <p:cNvPr id="6" name="Slide Number Placeholder 5"/>
+          <p:cNvSpPr>
+            <a:spLocks noGrp="1"/>
+          </p:cNvSpPr>
+          <p:nvPr>
+            <p:ph type="sldNum" sz="quarter" idx="12"/>
+          </p:nvPr>
+        </p:nvSpPr>
+        <p:spPr/>
+        <p:txBody>
+          <a:bodyPr/>
+          <a:lstStyle/>
+          <a:p>
+            <a:fld id="{4B6C1E9A-E34D-472F-9AE5-7099A67A2DCB}" type="slidenum">
+              <a:rPr lang="da-DK" smtClean="0"/>
+              <a:t>‹nr.›</a:t>
+            </a:fld>
+            <a:endParaRPr lang="da-DK"/>
+          </a:p>
+        </p:txBody>
+      </p:sp>
+    </p:spTree>
+    <p:extLst>
+      <p:ext uri="{BB962C8B-B14F-4D97-AF65-F5344CB8AC3E}">
+        <p14:creationId xmlns:p14="http://schemas.microsoft.com/office/powerpoint/2010/main" val="1166523674"/>
+      </p:ext>
+    </p:extLst>
+  </p:cSld>
+  <p:clrMapOvr>
+    <a:masterClrMapping/>
+  </p:clrMapOvr>
+</p:sldLayout>
+</file>
+
+<file path=ppt/slideLayouts/slideLayout13.xml><?xml version="1.0" encoding="utf-8"?>
+<p:sldLayout xmlns:a="http://schemas.openxmlformats.org/drawingml/2006/main" xmlns:r="http://schemas.openxmlformats.org/officeDocument/2006/relationships" xmlns:p="http://schemas.openxmlformats.org/presentationml/2006/main" preserve="1">
+  <p:cSld name="Kort med citat og navn">
+    <p:spTree>
+      <p:nvGrpSpPr>
+        <p:cNvPr id="1" name=""/>
+        <p:cNvGrpSpPr/>
+        <p:nvPr/>
+      </p:nvGrpSpPr>
+      <p:grpSpPr>
+        <a:xfrm>
+          <a:off x="0" y="0"/>
+          <a:ext cx="0" cy="0"/>
+          <a:chOff x="0" y="0"/>
+          <a:chExt cx="0" cy="0"/>
+        </a:xfrm>
+      </p:grpSpPr>
+      <p:sp>
+        <p:nvSpPr>
+          <p:cNvPr id="2" name="Title 1"/>
+          <p:cNvSpPr>
+            <a:spLocks noGrp="1"/>
+          </p:cNvSpPr>
+          <p:nvPr>
+            <p:ph type="title"/>
+          </p:nvPr>
+        </p:nvSpPr>
+        <p:spPr>
+          <a:xfrm>
+            <a:off x="931334" y="609600"/>
+            <a:ext cx="8094134" cy="3022600"/>
+          </a:xfrm>
+        </p:spPr>
+        <p:txBody>
+          <a:bodyPr anchor="ctr">
+            <a:normAutofit/>
+          </a:bodyPr>
+          <a:lstStyle>
+            <a:lvl1pPr algn="l">
+              <a:defRPr sz="4400" b="0" cap="none"/>
+            </a:lvl1pPr>
+          </a:lstStyle>
+          <a:p>
+            <a:r>
+              <a:rPr lang="da-DK"/>
+              <a:t>Klik for at redigere titeltypografien i masteren</a:t>
+            </a:r>
+            <a:endParaRPr lang="en-US" dirty="0"/>
+          </a:p>
+        </p:txBody>
+      </p:sp>
+      <p:sp>
+        <p:nvSpPr>
+          <p:cNvPr id="23" name="Text Placeholder 9"/>
+          <p:cNvSpPr>
+            <a:spLocks noGrp="1"/>
+          </p:cNvSpPr>
+          <p:nvPr>
+            <p:ph type="body" sz="quarter" idx="13"/>
+          </p:nvPr>
+        </p:nvSpPr>
+        <p:spPr>
+          <a:xfrm>
+            <a:off x="677332" y="4013200"/>
+            <a:ext cx="8596669" cy="514248"/>
+          </a:xfrm>
+        </p:spPr>
+        <p:txBody>
+          <a:bodyPr anchor="b">
+            <a:noAutofit/>
+          </a:bodyPr>
+          <a:lstStyle>
+            <a:lvl1pPr marL="0" indent="0">
+              <a:buFontTx/>
+              <a:buNone/>
+              <a:defRPr sz="2400">
+                <a:solidFill>
+                  <a:schemeClr val="tx1">
+                    <a:lumMod val="75000"/>
+                    <a:lumOff val="25000"/>
+                  </a:schemeClr>
+                </a:solidFill>
+              </a:defRPr>
+            </a:lvl1pPr>
+            <a:lvl2pPr marL="457200" indent="0">
+              <a:buFontTx/>
+              <a:buNone/>
+              <a:defRPr/>
+            </a:lvl2pPr>
+            <a:lvl3pPr marL="914400" indent="0">
+              <a:buFontTx/>
+              <a:buNone/>
+              <a:defRPr/>
+            </a:lvl3pPr>
+            <a:lvl4pPr marL="1371600" indent="0">
+              <a:buFontTx/>
+              <a:buNone/>
+              <a:defRPr/>
+            </a:lvl4pPr>
+            <a:lvl5pPr marL="1828800" indent="0">
+              <a:buFontTx/>
+              <a:buNone/>
+              <a:defRPr/>
+            </a:lvl5pPr>
+          </a:lstStyle>
+          <a:p>
+            <a:pPr lvl="0"/>
+            <a:r>
+              <a:rPr lang="da-DK"/>
+              <a:t>Klik for at redigere teksttypografierne i masteren</a:t>
+            </a:r>
+          </a:p>
+        </p:txBody>
+      </p:sp>
+      <p:sp>
+        <p:nvSpPr>
+          <p:cNvPr id="3" name="Text Placeholder 2"/>
+          <p:cNvSpPr>
+            <a:spLocks noGrp="1"/>
+          </p:cNvSpPr>
+          <p:nvPr>
+            <p:ph type="body" idx="1"/>
+          </p:nvPr>
+        </p:nvSpPr>
+        <p:spPr>
+          <a:xfrm>
+            <a:off x="677335" y="4527448"/>
+            <a:ext cx="8596668" cy="1513914"/>
+          </a:xfrm>
+        </p:spPr>
+        <p:txBody>
+          <a:bodyPr anchor="t">
+            <a:normAutofit/>
+          </a:bodyPr>
+          <a:lstStyle>
+            <a:lvl1pPr marL="0" indent="0" algn="l">
+              <a:buNone/>
+              <a:defRPr sz="1800">
+                <a:solidFill>
+                  <a:schemeClr val="tx1">
+                    <a:lumMod val="50000"/>
+                    <a:lumOff val="50000"/>
+                  </a:schemeClr>
+                </a:solidFill>
+              </a:defRPr>
+            </a:lvl1pPr>
+            <a:lvl2pPr marL="457200" indent="0">
+              <a:buNone/>
+              <a:defRPr sz="1800">
+                <a:solidFill>
+                  <a:schemeClr val="tx1">
+                    <a:tint val="75000"/>
+                  </a:schemeClr>
+                </a:solidFill>
+              </a:defRPr>
+            </a:lvl2pPr>
+            <a:lvl3pPr marL="914400" indent="0">
+              <a:buNone/>
+              <a:defRPr sz="1600">
+                <a:solidFill>
+                  <a:schemeClr val="tx1">
+                    <a:tint val="75000"/>
+                  </a:schemeClr>
+                </a:solidFill>
+              </a:defRPr>
+            </a:lvl3pPr>
+            <a:lvl4pPr marL="1371600" indent="0">
+              <a:buNone/>
+              <a:defRPr sz="1400">
+                <a:solidFill>
+                  <a:schemeClr val="tx1">
+                    <a:tint val="75000"/>
+                  </a:schemeClr>
+                </a:solidFill>
+              </a:defRPr>
+            </a:lvl4pPr>
+            <a:lvl5pPr marL="1828800" indent="0">
+              <a:buNone/>
+              <a:defRPr sz="1400">
+                <a:solidFill>
+                  <a:schemeClr val="tx1">
+                    <a:tint val="75000"/>
+                  </a:schemeClr>
+                </a:solidFill>
+              </a:defRPr>
+            </a:lvl5pPr>
+            <a:lvl6pPr marL="2286000" indent="0">
+              <a:buNone/>
+              <a:defRPr sz="1400">
+                <a:solidFill>
+                  <a:schemeClr val="tx1">
+                    <a:tint val="75000"/>
+                  </a:schemeClr>
+                </a:solidFill>
+              </a:defRPr>
+            </a:lvl6pPr>
+            <a:lvl7pPr marL="2743200" indent="0">
+              <a:buNone/>
+              <a:defRPr sz="1400">
+                <a:solidFill>
+                  <a:schemeClr val="tx1">
+                    <a:tint val="75000"/>
+                  </a:schemeClr>
+                </a:solidFill>
+              </a:defRPr>
+            </a:lvl7pPr>
+            <a:lvl8pPr marL="3200400" indent="0">
+              <a:buNone/>
+              <a:defRPr sz="1400">
+                <a:solidFill>
+                  <a:schemeClr val="tx1">
+                    <a:tint val="75000"/>
+                  </a:schemeClr>
+                </a:solidFill>
+              </a:defRPr>
+            </a:lvl8pPr>
+            <a:lvl9pPr marL="3657600" indent="0">
+              <a:buNone/>
+              <a:defRPr sz="1400">
+                <a:solidFill>
+                  <a:schemeClr val="tx1">
+                    <a:tint val="75000"/>
+                  </a:schemeClr>
+                </a:solidFill>
+              </a:defRPr>
+            </a:lvl9pPr>
+          </a:lstStyle>
+          <a:p>
+            <a:pPr lvl="0"/>
+            <a:r>
+              <a:rPr lang="da-DK"/>
+              <a:t>Klik for at redigere teksttypografierne i masteren</a:t>
+            </a:r>
+          </a:p>
+        </p:txBody>
+      </p:sp>
+      <p:sp>
+        <p:nvSpPr>
+          <p:cNvPr id="4" name="Date Placeholder 3"/>
+          <p:cNvSpPr>
+            <a:spLocks noGrp="1"/>
+          </p:cNvSpPr>
+          <p:nvPr>
+            <p:ph type="dt" sz="half" idx="10"/>
+          </p:nvPr>
+        </p:nvSpPr>
+        <p:spPr/>
+        <p:txBody>
+          <a:bodyPr/>
+          <a:lstStyle/>
+          <a:p>
+            <a:fld id="{746ED707-DDAF-4C42-B5D1-0A8C11331D3C}" type="datetimeFigureOut">
+              <a:rPr lang="da-DK" smtClean="0"/>
+              <a:t>01-10-2020</a:t>
+            </a:fld>
+            <a:endParaRPr lang="da-DK"/>
+          </a:p>
+        </p:txBody>
+      </p:sp>
+      <p:sp>
+        <p:nvSpPr>
+          <p:cNvPr id="5" name="Footer Placeholder 4"/>
+          <p:cNvSpPr>
+            <a:spLocks noGrp="1"/>
+          </p:cNvSpPr>
+          <p:nvPr>
+            <p:ph type="ftr" sz="quarter" idx="11"/>
+          </p:nvPr>
+        </p:nvSpPr>
+        <p:spPr/>
+        <p:txBody>
+          <a:bodyPr/>
+          <a:lstStyle/>
+          <a:p>
+            <a:endParaRPr lang="da-DK"/>
+          </a:p>
+        </p:txBody>
+      </p:sp>
+      <p:sp>
+        <p:nvSpPr>
+          <p:cNvPr id="6" name="Slide Number Placeholder 5"/>
+          <p:cNvSpPr>
+            <a:spLocks noGrp="1"/>
+          </p:cNvSpPr>
+          <p:nvPr>
+            <p:ph type="sldNum" sz="quarter" idx="12"/>
+          </p:nvPr>
+        </p:nvSpPr>
+        <p:spPr/>
+        <p:txBody>
+          <a:bodyPr/>
+          <a:lstStyle/>
+          <a:p>
+            <a:fld id="{4B6C1E9A-E34D-472F-9AE5-7099A67A2DCB}" type="slidenum">
+              <a:rPr lang="da-DK" smtClean="0"/>
+              <a:t>‹nr.›</a:t>
+            </a:fld>
+            <a:endParaRPr lang="da-DK"/>
+          </a:p>
+        </p:txBody>
+      </p:sp>
+      <p:sp>
+        <p:nvSpPr>
+          <p:cNvPr id="24" name="TextBox 23"/>
+          <p:cNvSpPr txBox="1"/>
+          <p:nvPr/>
+        </p:nvSpPr>
+        <p:spPr>
+          <a:xfrm>
+            <a:off x="541870" y="790378"/>
+            <a:ext cx="609600" cy="584776"/>
+          </a:xfrm>
+          <a:prstGeom prst="rect">
+            <a:avLst/>
+          </a:prstGeom>
+        </p:spPr>
+        <p:txBody>
+          <a:bodyPr vert="horz" lIns="91440" tIns="45720" rIns="91440" bIns="45720" rtlCol="0" anchor="ctr">
+            <a:noAutofit/>
+          </a:bodyPr>
+          <a:lstStyle/>
+          <a:p>
+            <a:pPr lvl="0"/>
+            <a:r>
+              <a:rPr lang="en-US" sz="8000" baseline="0" dirty="0">
+                <a:ln w="3175" cmpd="sng">
+                  <a:noFill/>
+                </a:ln>
+                <a:solidFill>
+                  <a:schemeClr val="accent1">
+                    <a:lumMod val="60000"/>
+                    <a:lumOff val="40000"/>
+                  </a:schemeClr>
+                </a:solidFill>
+                <a:effectLst/>
+                <a:latin typeface="Arial"/>
+              </a:rPr>
+              <a:t>“</a:t>
+            </a:r>
+          </a:p>
+        </p:txBody>
+      </p:sp>
+      <p:sp>
+        <p:nvSpPr>
+          <p:cNvPr id="25" name="TextBox 24"/>
+          <p:cNvSpPr txBox="1"/>
+          <p:nvPr/>
+        </p:nvSpPr>
+        <p:spPr>
+          <a:xfrm>
+            <a:off x="8893011" y="2886556"/>
+            <a:ext cx="609600" cy="584776"/>
+          </a:xfrm>
+          <a:prstGeom prst="rect">
+            <a:avLst/>
+          </a:prstGeom>
+        </p:spPr>
+        <p:txBody>
+          <a:bodyPr vert="horz" lIns="91440" tIns="45720" rIns="91440" bIns="45720" rtlCol="0" anchor="ctr">
+            <a:noAutofit/>
+          </a:bodyPr>
+          <a:lstStyle/>
+          <a:p>
+            <a:pPr lvl="0"/>
+            <a:r>
+              <a:rPr lang="en-US" sz="8000" baseline="0" dirty="0">
+                <a:ln w="3175" cmpd="sng">
+                  <a:noFill/>
+                </a:ln>
+                <a:solidFill>
+                  <a:schemeClr val="accent1">
+                    <a:lumMod val="60000"/>
+                    <a:lumOff val="40000"/>
+                  </a:schemeClr>
+                </a:solidFill>
+                <a:effectLst/>
+                <a:latin typeface="Arial"/>
+              </a:rPr>
+              <a:t>”</a:t>
+            </a:r>
+          </a:p>
+        </p:txBody>
+      </p:sp>
+    </p:spTree>
+    <p:extLst>
+      <p:ext uri="{BB962C8B-B14F-4D97-AF65-F5344CB8AC3E}">
+        <p14:creationId xmlns:p14="http://schemas.microsoft.com/office/powerpoint/2010/main" val="3732185680"/>
+      </p:ext>
+    </p:extLst>
+  </p:cSld>
+  <p:clrMapOvr>
+    <a:masterClrMapping/>
+  </p:clrMapOvr>
+</p:sldLayout>
+</file>
+
+<file path=ppt/slideLayouts/slideLayout14.xml><?xml version="1.0" encoding="utf-8"?>
+<p:sldLayout xmlns:a="http://schemas.openxmlformats.org/drawingml/2006/main" xmlns:r="http://schemas.openxmlformats.org/officeDocument/2006/relationships" xmlns:p="http://schemas.openxmlformats.org/presentationml/2006/main" preserve="1">
+  <p:cSld name="Sandt eller falsk">
+    <p:spTree>
+      <p:nvGrpSpPr>
+        <p:cNvPr id="1" name=""/>
+        <p:cNvGrpSpPr/>
+        <p:nvPr/>
+      </p:nvGrpSpPr>
+      <p:grpSpPr>
+        <a:xfrm>
+          <a:off x="0" y="0"/>
+          <a:ext cx="0" cy="0"/>
+          <a:chOff x="0" y="0"/>
+          <a:chExt cx="0" cy="0"/>
+        </a:xfrm>
+      </p:grpSpPr>
+      <p:sp>
+        <p:nvSpPr>
+          <p:cNvPr id="2" name="Title 1"/>
+          <p:cNvSpPr>
+            <a:spLocks noGrp="1"/>
+          </p:cNvSpPr>
+          <p:nvPr>
+            <p:ph type="title"/>
+          </p:nvPr>
+        </p:nvSpPr>
+        <p:spPr>
+          <a:xfrm>
+            <a:off x="685799" y="609600"/>
+            <a:ext cx="8588203" cy="3022600"/>
+          </a:xfrm>
+        </p:spPr>
+        <p:txBody>
+          <a:bodyPr anchor="ctr">
+            <a:normAutofit/>
+          </a:bodyPr>
+          <a:lstStyle>
+            <a:lvl1pPr algn="l">
+              <a:defRPr sz="4400" b="0" cap="none"/>
+            </a:lvl1pPr>
+          </a:lstStyle>
+          <a:p>
+            <a:r>
+              <a:rPr lang="da-DK"/>
+              <a:t>Klik for at redigere titeltypografien i masteren</a:t>
+            </a:r>
+            <a:endParaRPr lang="en-US" dirty="0"/>
+          </a:p>
+        </p:txBody>
+      </p:sp>
+      <p:sp>
+        <p:nvSpPr>
+          <p:cNvPr id="23" name="Text Placeholder 9"/>
+          <p:cNvSpPr>
+            <a:spLocks noGrp="1"/>
+          </p:cNvSpPr>
+          <p:nvPr>
+            <p:ph type="body" sz="quarter" idx="13"/>
+          </p:nvPr>
+        </p:nvSpPr>
+        <p:spPr>
+          <a:xfrm>
+            <a:off x="677332" y="4013200"/>
+            <a:ext cx="8596669" cy="514248"/>
+          </a:xfrm>
+        </p:spPr>
+        <p:txBody>
+          <a:bodyPr anchor="b">
+            <a:noAutofit/>
+          </a:bodyPr>
+          <a:lstStyle>
+            <a:lvl1pPr marL="0" indent="0">
+              <a:buFontTx/>
+              <a:buNone/>
+              <a:defRPr sz="2400">
+                <a:solidFill>
+                  <a:schemeClr val="accent1"/>
+                </a:solidFill>
+              </a:defRPr>
+            </a:lvl1pPr>
+            <a:lvl2pPr marL="457200" indent="0">
+              <a:buFontTx/>
+              <a:buNone/>
+              <a:defRPr/>
+            </a:lvl2pPr>
+            <a:lvl3pPr marL="914400" indent="0">
+              <a:buFontTx/>
+              <a:buNone/>
+              <a:defRPr/>
+            </a:lvl3pPr>
+            <a:lvl4pPr marL="1371600" indent="0">
+              <a:buFontTx/>
+              <a:buNone/>
+              <a:defRPr/>
+            </a:lvl4pPr>
+            <a:lvl5pPr marL="1828800" indent="0">
+              <a:buFontTx/>
+              <a:buNone/>
+              <a:defRPr/>
+            </a:lvl5pPr>
+          </a:lstStyle>
+          <a:p>
+            <a:pPr lvl="0"/>
+            <a:r>
+              <a:rPr lang="da-DK"/>
+              <a:t>Klik for at redigere teksttypografierne i masteren</a:t>
+            </a:r>
+          </a:p>
+        </p:txBody>
+      </p:sp>
+      <p:sp>
+        <p:nvSpPr>
+          <p:cNvPr id="3" name="Text Placeholder 2"/>
+          <p:cNvSpPr>
+            <a:spLocks noGrp="1"/>
+          </p:cNvSpPr>
+          <p:nvPr>
+            <p:ph type="body" idx="1"/>
+          </p:nvPr>
+        </p:nvSpPr>
+        <p:spPr>
+          <a:xfrm>
+            <a:off x="677335" y="4527448"/>
+            <a:ext cx="8596668" cy="1513914"/>
+          </a:xfrm>
+        </p:spPr>
+        <p:txBody>
+          <a:bodyPr anchor="t">
+            <a:normAutofit/>
+          </a:bodyPr>
+          <a:lstStyle>
+            <a:lvl1pPr marL="0" indent="0" algn="l">
+              <a:buNone/>
+              <a:defRPr sz="1800">
+                <a:solidFill>
+                  <a:schemeClr val="tx1">
+                    <a:lumMod val="50000"/>
+                    <a:lumOff val="50000"/>
+                  </a:schemeClr>
+                </a:solidFill>
+              </a:defRPr>
+            </a:lvl1pPr>
+            <a:lvl2pPr marL="457200" indent="0">
+              <a:buNone/>
+              <a:defRPr sz="1800">
+                <a:solidFill>
+                  <a:schemeClr val="tx1">
+                    <a:tint val="75000"/>
+                  </a:schemeClr>
+                </a:solidFill>
+              </a:defRPr>
+            </a:lvl2pPr>
+            <a:lvl3pPr marL="914400" indent="0">
+              <a:buNone/>
+              <a:defRPr sz="1600">
+                <a:solidFill>
+                  <a:schemeClr val="tx1">
+                    <a:tint val="75000"/>
+                  </a:schemeClr>
+                </a:solidFill>
+              </a:defRPr>
+            </a:lvl3pPr>
+            <a:lvl4pPr marL="1371600" indent="0">
+              <a:buNone/>
+              <a:defRPr sz="1400">
+                <a:solidFill>
+                  <a:schemeClr val="tx1">
+                    <a:tint val="75000"/>
+                  </a:schemeClr>
+                </a:solidFill>
+              </a:defRPr>
+            </a:lvl4pPr>
+            <a:lvl5pPr marL="1828800" indent="0">
+              <a:buNone/>
+              <a:defRPr sz="1400">
+                <a:solidFill>
+                  <a:schemeClr val="tx1">
+                    <a:tint val="75000"/>
+                  </a:schemeClr>
+                </a:solidFill>
+              </a:defRPr>
+            </a:lvl5pPr>
+            <a:lvl6pPr marL="2286000" indent="0">
+              <a:buNone/>
+              <a:defRPr sz="1400">
+                <a:solidFill>
+                  <a:schemeClr val="tx1">
+                    <a:tint val="75000"/>
+                  </a:schemeClr>
+                </a:solidFill>
+              </a:defRPr>
+            </a:lvl6pPr>
+            <a:lvl7pPr marL="2743200" indent="0">
+              <a:buNone/>
+              <a:defRPr sz="1400">
+                <a:solidFill>
+                  <a:schemeClr val="tx1">
+                    <a:tint val="75000"/>
+                  </a:schemeClr>
+                </a:solidFill>
+              </a:defRPr>
+            </a:lvl7pPr>
+            <a:lvl8pPr marL="3200400" indent="0">
+              <a:buNone/>
+              <a:defRPr sz="1400">
+                <a:solidFill>
+                  <a:schemeClr val="tx1">
+                    <a:tint val="75000"/>
+                  </a:schemeClr>
+                </a:solidFill>
+              </a:defRPr>
+            </a:lvl8pPr>
+            <a:lvl9pPr marL="3657600" indent="0">
+              <a:buNone/>
+              <a:defRPr sz="1400">
+                <a:solidFill>
+                  <a:schemeClr val="tx1">
+                    <a:tint val="75000"/>
+                  </a:schemeClr>
+                </a:solidFill>
+              </a:defRPr>
+            </a:lvl9pPr>
+          </a:lstStyle>
+          <a:p>
+            <a:pPr lvl="0"/>
+            <a:r>
+              <a:rPr lang="da-DK"/>
+              <a:t>Klik for at redigere teksttypografierne i masteren</a:t>
+            </a:r>
+          </a:p>
+        </p:txBody>
+      </p:sp>
+      <p:sp>
+        <p:nvSpPr>
+          <p:cNvPr id="4" name="Date Placeholder 3"/>
+          <p:cNvSpPr>
+            <a:spLocks noGrp="1"/>
+          </p:cNvSpPr>
+          <p:nvPr>
+            <p:ph type="dt" sz="half" idx="10"/>
+          </p:nvPr>
+        </p:nvSpPr>
+        <p:spPr/>
+        <p:txBody>
+          <a:bodyPr/>
+          <a:lstStyle/>
+          <a:p>
+            <a:fld id="{746ED707-DDAF-4C42-B5D1-0A8C11331D3C}" type="datetimeFigureOut">
+              <a:rPr lang="da-DK" smtClean="0"/>
+              <a:t>01-10-2020</a:t>
+            </a:fld>
+            <a:endParaRPr lang="da-DK"/>
+          </a:p>
+        </p:txBody>
+      </p:sp>
+      <p:sp>
+        <p:nvSpPr>
+          <p:cNvPr id="5" name="Footer Placeholder 4"/>
+          <p:cNvSpPr>
+            <a:spLocks noGrp="1"/>
+          </p:cNvSpPr>
+          <p:nvPr>
+            <p:ph type="ftr" sz="quarter" idx="11"/>
+          </p:nvPr>
+        </p:nvSpPr>
+        <p:spPr/>
+        <p:txBody>
+          <a:bodyPr/>
+          <a:lstStyle/>
+          <a:p>
+            <a:endParaRPr lang="da-DK"/>
+          </a:p>
+        </p:txBody>
+      </p:sp>
+      <p:sp>
+        <p:nvSpPr>
+          <p:cNvPr id="6" name="Slide Number Placeholder 5"/>
+          <p:cNvSpPr>
+            <a:spLocks noGrp="1"/>
+          </p:cNvSpPr>
+          <p:nvPr>
+            <p:ph type="sldNum" sz="quarter" idx="12"/>
+          </p:nvPr>
+        </p:nvSpPr>
+        <p:spPr/>
+        <p:txBody>
+          <a:bodyPr/>
+          <a:lstStyle/>
+          <a:p>
+            <a:fld id="{4B6C1E9A-E34D-472F-9AE5-7099A67A2DCB}" type="slidenum">
+              <a:rPr lang="da-DK" smtClean="0"/>
+              <a:t>‹nr.›</a:t>
+            </a:fld>
+            <a:endParaRPr lang="da-DK"/>
+          </a:p>
+        </p:txBody>
+      </p:sp>
+    </p:spTree>
+    <p:extLst>
+      <p:ext uri="{BB962C8B-B14F-4D97-AF65-F5344CB8AC3E}">
+        <p14:creationId xmlns:p14="http://schemas.microsoft.com/office/powerpoint/2010/main" val="924761987"/>
+      </p:ext>
+    </p:extLst>
+  </p:cSld>
+  <p:clrMapOvr>
+    <a:masterClrMapping/>
+  </p:clrMapOvr>
+</p:sldLayout>
+</file>
+
+<file path=ppt/slideLayouts/slideLayout15.xml><?xml version="1.0" encoding="utf-8"?>
 <p:sldLayout xmlns:a="http://schemas.openxmlformats.org/drawingml/2006/main" xmlns:r="http://schemas.openxmlformats.org/officeDocument/2006/relationships" xmlns:p="http://schemas.openxmlformats.org/presentationml/2006/main" type="vertTx" preserve="1">
   <p:cSld name="Titel og lodret tekst">
     <p:spTree>
@@ -350,13 +2531,7 @@
       </p:grpSpPr>
       <p:sp>
         <p:nvSpPr>
-          <p:cNvPr id="2" name="Titel 1">
-            <a:extLst>
-              <a:ext uri="{FF2B5EF4-FFF2-40B4-BE49-F238E27FC236}">
-                <a16:creationId xmlns:a16="http://schemas.microsoft.com/office/drawing/2014/main" id="{15870CC3-8340-4B69-84B4-79044717C7ED}"/>
-              </a:ext>
-            </a:extLst>
-          </p:cNvPr>
+          <p:cNvPr id="2" name="Title 1"/>
           <p:cNvSpPr>
             <a:spLocks noGrp="1"/>
           </p:cNvSpPr>
@@ -373,18 +2548,13 @@
               <a:rPr lang="da-DK"/>
               <a:t>Klik for at redigere titeltypografien i masteren</a:t>
             </a:r>
-          </a:p>
-        </p:txBody>
-      </p:sp>
-      <p:sp>
-        <p:nvSpPr>
-          <p:cNvPr id="3" name="Pladsholder til lodret titel 2">
-            <a:extLst>
-              <a:ext uri="{FF2B5EF4-FFF2-40B4-BE49-F238E27FC236}">
-                <a16:creationId xmlns:a16="http://schemas.microsoft.com/office/drawing/2014/main" id="{22D47114-656B-4AB1-85CC-1BE55AC716D9}"/>
-              </a:ext>
-            </a:extLst>
-          </p:cNvPr>
+            <a:endParaRPr lang="en-US" dirty="0"/>
+          </a:p>
+        </p:txBody>
+      </p:sp>
+      <p:sp>
+        <p:nvSpPr>
+          <p:cNvPr id="3" name="Vertical Text Placeholder 2"/>
           <p:cNvSpPr>
             <a:spLocks noGrp="1"/>
           </p:cNvSpPr>
@@ -430,18 +2600,13 @@
               <a:rPr lang="da-DK"/>
               <a:t>Femte niveau</a:t>
             </a:r>
-          </a:p>
-        </p:txBody>
-      </p:sp>
-      <p:sp>
-        <p:nvSpPr>
-          <p:cNvPr id="4" name="Pladsholder til dato 3">
-            <a:extLst>
-              <a:ext uri="{FF2B5EF4-FFF2-40B4-BE49-F238E27FC236}">
-                <a16:creationId xmlns:a16="http://schemas.microsoft.com/office/drawing/2014/main" id="{1BBAEB79-CBF2-4ADE-B09D-C19190B7BE77}"/>
-              </a:ext>
-            </a:extLst>
-          </p:cNvPr>
+            <a:endParaRPr lang="en-US" dirty="0"/>
+          </a:p>
+        </p:txBody>
+      </p:sp>
+      <p:sp>
+        <p:nvSpPr>
+          <p:cNvPr id="4" name="Date Placeholder 3"/>
           <p:cNvSpPr>
             <a:spLocks noGrp="1"/>
           </p:cNvSpPr>
@@ -464,13 +2629,7 @@
       </p:sp>
       <p:sp>
         <p:nvSpPr>
-          <p:cNvPr id="5" name="Pladsholder til sidefod 4">
-            <a:extLst>
-              <a:ext uri="{FF2B5EF4-FFF2-40B4-BE49-F238E27FC236}">
-                <a16:creationId xmlns:a16="http://schemas.microsoft.com/office/drawing/2014/main" id="{BEB786E5-6EA4-4426-8AA1-B62B1ADEB2EA}"/>
-              </a:ext>
-            </a:extLst>
-          </p:cNvPr>
+          <p:cNvPr id="5" name="Footer Placeholder 4"/>
           <p:cNvSpPr>
             <a:spLocks noGrp="1"/>
           </p:cNvSpPr>
@@ -489,13 +2648,7 @@
       </p:sp>
       <p:sp>
         <p:nvSpPr>
-          <p:cNvPr id="6" name="Pladsholder til slidenummer 5">
-            <a:extLst>
-              <a:ext uri="{FF2B5EF4-FFF2-40B4-BE49-F238E27FC236}">
-                <a16:creationId xmlns:a16="http://schemas.microsoft.com/office/drawing/2014/main" id="{9617EE1D-4A0E-4CB7-8D86-8D941412991A}"/>
-              </a:ext>
-            </a:extLst>
-          </p:cNvPr>
+          <p:cNvPr id="6" name="Slide Number Placeholder 5"/>
           <p:cNvSpPr>
             <a:spLocks noGrp="1"/>
           </p:cNvSpPr>
@@ -519,7 +2672,7 @@
     </p:spTree>
     <p:extLst>
       <p:ext uri="{BB962C8B-B14F-4D97-AF65-F5344CB8AC3E}">
-        <p14:creationId xmlns:p14="http://schemas.microsoft.com/office/powerpoint/2010/main" val="1450247493"/>
+        <p14:creationId xmlns:p14="http://schemas.microsoft.com/office/powerpoint/2010/main" val="1000445502"/>
       </p:ext>
     </p:extLst>
   </p:cSld>
@@ -529,7 +2682,7 @@
 </p:sldLayout>
 </file>
 
-<file path=ppt/slideLayouts/slideLayout11.xml><?xml version="1.0" encoding="utf-8"?>
+<file path=ppt/slideLayouts/slideLayout16.xml><?xml version="1.0" encoding="utf-8"?>
 <p:sldLayout xmlns:a="http://schemas.openxmlformats.org/drawingml/2006/main" xmlns:r="http://schemas.openxmlformats.org/officeDocument/2006/relationships" xmlns:p="http://schemas.openxmlformats.org/presentationml/2006/main" type="vertTitleAndTx" preserve="1">
   <p:cSld name="Lodret titel og tekst">
     <p:spTree>
@@ -548,13 +2701,7 @@
       </p:grpSpPr>
       <p:sp>
         <p:nvSpPr>
-          <p:cNvPr id="2" name="Lodret titel 1">
-            <a:extLst>
-              <a:ext uri="{FF2B5EF4-FFF2-40B4-BE49-F238E27FC236}">
-                <a16:creationId xmlns:a16="http://schemas.microsoft.com/office/drawing/2014/main" id="{3E40D0B0-1B4E-47BD-88A9-0BE867573DE1}"/>
-              </a:ext>
-            </a:extLst>
-          </p:cNvPr>
+          <p:cNvPr id="2" name="Vertical Title 1"/>
           <p:cNvSpPr>
             <a:spLocks noGrp="1"/>
           </p:cNvSpPr>
@@ -564,30 +2711,25 @@
         </p:nvSpPr>
         <p:spPr>
           <a:xfrm>
-            <a:off x="8724900" y="365125"/>
-            <a:ext cx="2628900" cy="5811838"/>
+            <a:off x="7967673" y="609599"/>
+            <a:ext cx="1304743" cy="5251451"/>
           </a:xfrm>
         </p:spPr>
         <p:txBody>
-          <a:bodyPr vert="eaVert"/>
+          <a:bodyPr vert="eaVert" anchor="ctr"/>
           <a:lstStyle/>
           <a:p>
             <a:r>
               <a:rPr lang="da-DK"/>
               <a:t>Klik for at redigere titeltypografien i masteren</a:t>
             </a:r>
-          </a:p>
-        </p:txBody>
-      </p:sp>
-      <p:sp>
-        <p:nvSpPr>
-          <p:cNvPr id="3" name="Pladsholder til lodret titel 2">
-            <a:extLst>
-              <a:ext uri="{FF2B5EF4-FFF2-40B4-BE49-F238E27FC236}">
-                <a16:creationId xmlns:a16="http://schemas.microsoft.com/office/drawing/2014/main" id="{9444D19C-15A3-40FB-A7FE-D3FAD7880B10}"/>
-              </a:ext>
-            </a:extLst>
-          </p:cNvPr>
+            <a:endParaRPr lang="en-US" dirty="0"/>
+          </a:p>
+        </p:txBody>
+      </p:sp>
+      <p:sp>
+        <p:nvSpPr>
+          <p:cNvPr id="3" name="Vertical Text Placeholder 2"/>
           <p:cNvSpPr>
             <a:spLocks noGrp="1"/>
           </p:cNvSpPr>
@@ -597,8 +2739,8 @@
         </p:nvSpPr>
         <p:spPr>
           <a:xfrm>
-            <a:off x="838200" y="365125"/>
-            <a:ext cx="7734300" cy="5811838"/>
+            <a:off x="677335" y="609600"/>
+            <a:ext cx="7060150" cy="5251450"/>
           </a:xfrm>
         </p:spPr>
         <p:txBody>
@@ -638,18 +2780,13 @@
               <a:rPr lang="da-DK"/>
               <a:t>Femte niveau</a:t>
             </a:r>
-          </a:p>
-        </p:txBody>
-      </p:sp>
-      <p:sp>
-        <p:nvSpPr>
-          <p:cNvPr id="4" name="Pladsholder til dato 3">
-            <a:extLst>
-              <a:ext uri="{FF2B5EF4-FFF2-40B4-BE49-F238E27FC236}">
-                <a16:creationId xmlns:a16="http://schemas.microsoft.com/office/drawing/2014/main" id="{16BA3E62-F663-4D94-BAFF-2AE4046A3883}"/>
-              </a:ext>
-            </a:extLst>
-          </p:cNvPr>
+            <a:endParaRPr lang="en-US" dirty="0"/>
+          </a:p>
+        </p:txBody>
+      </p:sp>
+      <p:sp>
+        <p:nvSpPr>
+          <p:cNvPr id="4" name="Date Placeholder 3"/>
           <p:cNvSpPr>
             <a:spLocks noGrp="1"/>
           </p:cNvSpPr>
@@ -672,13 +2809,7 @@
       </p:sp>
       <p:sp>
         <p:nvSpPr>
-          <p:cNvPr id="5" name="Pladsholder til sidefod 4">
-            <a:extLst>
-              <a:ext uri="{FF2B5EF4-FFF2-40B4-BE49-F238E27FC236}">
-                <a16:creationId xmlns:a16="http://schemas.microsoft.com/office/drawing/2014/main" id="{798EC559-9B26-4A71-B0CF-BEFAEC4A8159}"/>
-              </a:ext>
-            </a:extLst>
-          </p:cNvPr>
+          <p:cNvPr id="5" name="Footer Placeholder 4"/>
           <p:cNvSpPr>
             <a:spLocks noGrp="1"/>
           </p:cNvSpPr>
@@ -697,13 +2828,7 @@
       </p:sp>
       <p:sp>
         <p:nvSpPr>
-          <p:cNvPr id="6" name="Pladsholder til slidenummer 5">
-            <a:extLst>
-              <a:ext uri="{FF2B5EF4-FFF2-40B4-BE49-F238E27FC236}">
-                <a16:creationId xmlns:a16="http://schemas.microsoft.com/office/drawing/2014/main" id="{2BA3A367-C8C4-48C8-9271-27471863A581}"/>
-              </a:ext>
-            </a:extLst>
-          </p:cNvPr>
+          <p:cNvPr id="6" name="Slide Number Placeholder 5"/>
           <p:cNvSpPr>
             <a:spLocks noGrp="1"/>
           </p:cNvSpPr>
@@ -727,7 +2852,7 @@
     </p:spTree>
     <p:extLst>
       <p:ext uri="{BB962C8B-B14F-4D97-AF65-F5344CB8AC3E}">
-        <p14:creationId xmlns:p14="http://schemas.microsoft.com/office/powerpoint/2010/main" val="2744113554"/>
+        <p14:creationId xmlns:p14="http://schemas.microsoft.com/office/powerpoint/2010/main" val="3456844230"/>
       </p:ext>
     </p:extLst>
   </p:cSld>
@@ -756,13 +2881,7 @@
       </p:grpSpPr>
       <p:sp>
         <p:nvSpPr>
-          <p:cNvPr id="2" name="Titel 1">
-            <a:extLst>
-              <a:ext uri="{FF2B5EF4-FFF2-40B4-BE49-F238E27FC236}">
-                <a16:creationId xmlns:a16="http://schemas.microsoft.com/office/drawing/2014/main" id="{E7F94B2E-311A-4B69-87D8-5AA0DEA69F00}"/>
-              </a:ext>
-            </a:extLst>
-          </p:cNvPr>
+          <p:cNvPr id="2" name="Title 1"/>
           <p:cNvSpPr>
             <a:spLocks noGrp="1"/>
           </p:cNvSpPr>
@@ -772,25 +2891,26 @@
         </p:nvSpPr>
         <p:spPr/>
         <p:txBody>
-          <a:bodyPr/>
-          <a:lstStyle/>
+          <a:bodyPr>
+            <a:normAutofit/>
+          </a:bodyPr>
+          <a:lstStyle>
+            <a:lvl1pPr>
+              <a:defRPr sz="3600"/>
+            </a:lvl1pPr>
+          </a:lstStyle>
           <a:p>
             <a:r>
               <a:rPr lang="da-DK"/>
               <a:t>Klik for at redigere titeltypografien i masteren</a:t>
             </a:r>
-          </a:p>
-        </p:txBody>
-      </p:sp>
-      <p:sp>
-        <p:nvSpPr>
-          <p:cNvPr id="3" name="Pladsholder til indhold 2">
-            <a:extLst>
-              <a:ext uri="{FF2B5EF4-FFF2-40B4-BE49-F238E27FC236}">
-                <a16:creationId xmlns:a16="http://schemas.microsoft.com/office/drawing/2014/main" id="{B118A722-CB3A-4A1D-907A-B6E8F2341665}"/>
-              </a:ext>
-            </a:extLst>
-          </p:cNvPr>
+            <a:endParaRPr lang="en-US" dirty="0"/>
+          </a:p>
+        </p:txBody>
+      </p:sp>
+      <p:sp>
+        <p:nvSpPr>
+          <p:cNvPr id="3" name="Content Placeholder 2"/>
           <p:cNvSpPr>
             <a:spLocks noGrp="1"/>
           </p:cNvSpPr>
@@ -836,18 +2956,13 @@
               <a:rPr lang="da-DK"/>
               <a:t>Femte niveau</a:t>
             </a:r>
-          </a:p>
-        </p:txBody>
-      </p:sp>
-      <p:sp>
-        <p:nvSpPr>
-          <p:cNvPr id="4" name="Pladsholder til dato 3">
-            <a:extLst>
-              <a:ext uri="{FF2B5EF4-FFF2-40B4-BE49-F238E27FC236}">
-                <a16:creationId xmlns:a16="http://schemas.microsoft.com/office/drawing/2014/main" id="{0217BBE1-2250-4581-9602-463D1EC457CE}"/>
-              </a:ext>
-            </a:extLst>
-          </p:cNvPr>
+            <a:endParaRPr lang="en-US" dirty="0"/>
+          </a:p>
+        </p:txBody>
+      </p:sp>
+      <p:sp>
+        <p:nvSpPr>
+          <p:cNvPr id="4" name="Date Placeholder 3"/>
           <p:cNvSpPr>
             <a:spLocks noGrp="1"/>
           </p:cNvSpPr>
@@ -870,13 +2985,7 @@
       </p:sp>
       <p:sp>
         <p:nvSpPr>
-          <p:cNvPr id="5" name="Pladsholder til sidefod 4">
-            <a:extLst>
-              <a:ext uri="{FF2B5EF4-FFF2-40B4-BE49-F238E27FC236}">
-                <a16:creationId xmlns:a16="http://schemas.microsoft.com/office/drawing/2014/main" id="{840DBC63-B7D7-44D0-BC2A-B148ACF0625E}"/>
-              </a:ext>
-            </a:extLst>
-          </p:cNvPr>
+          <p:cNvPr id="5" name="Footer Placeholder 4"/>
           <p:cNvSpPr>
             <a:spLocks noGrp="1"/>
           </p:cNvSpPr>
@@ -895,13 +3004,7 @@
       </p:sp>
       <p:sp>
         <p:nvSpPr>
-          <p:cNvPr id="6" name="Pladsholder til slidenummer 5">
-            <a:extLst>
-              <a:ext uri="{FF2B5EF4-FFF2-40B4-BE49-F238E27FC236}">
-                <a16:creationId xmlns:a16="http://schemas.microsoft.com/office/drawing/2014/main" id="{0F43CE53-47E8-4B55-AFF6-3C31AF1F3527}"/>
-              </a:ext>
-            </a:extLst>
-          </p:cNvPr>
+          <p:cNvPr id="6" name="Slide Number Placeholder 5"/>
           <p:cNvSpPr>
             <a:spLocks noGrp="1"/>
           </p:cNvSpPr>
@@ -925,7 +3028,7 @@
     </p:spTree>
     <p:extLst>
       <p:ext uri="{BB962C8B-B14F-4D97-AF65-F5344CB8AC3E}">
-        <p14:creationId xmlns:p14="http://schemas.microsoft.com/office/powerpoint/2010/main" val="3215479612"/>
+        <p14:creationId xmlns:p14="http://schemas.microsoft.com/office/powerpoint/2010/main" val="3208391788"/>
       </p:ext>
     </p:extLst>
   </p:cSld>
@@ -954,13 +3057,7 @@
       </p:grpSpPr>
       <p:sp>
         <p:nvSpPr>
-          <p:cNvPr id="2" name="Titel 1">
-            <a:extLst>
-              <a:ext uri="{FF2B5EF4-FFF2-40B4-BE49-F238E27FC236}">
-                <a16:creationId xmlns:a16="http://schemas.microsoft.com/office/drawing/2014/main" id="{28BEAB4E-E02D-46EB-A667-36F214C633DD}"/>
-              </a:ext>
-            </a:extLst>
-          </p:cNvPr>
+          <p:cNvPr id="2" name="Title 1"/>
           <p:cNvSpPr>
             <a:spLocks noGrp="1"/>
           </p:cNvSpPr>
@@ -970,15 +3067,15 @@
         </p:nvSpPr>
         <p:spPr>
           <a:xfrm>
-            <a:off x="831850" y="1709738"/>
-            <a:ext cx="10515600" cy="2852737"/>
+            <a:off x="677335" y="2700867"/>
+            <a:ext cx="8596668" cy="1826581"/>
           </a:xfrm>
         </p:spPr>
         <p:txBody>
           <a:bodyPr anchor="b"/>
           <a:lstStyle>
-            <a:lvl1pPr>
-              <a:defRPr sz="6000"/>
+            <a:lvl1pPr algn="l">
+              <a:defRPr sz="4000" b="0" cap="none"/>
             </a:lvl1pPr>
           </a:lstStyle>
           <a:p>
@@ -986,18 +3083,13 @@
               <a:rPr lang="da-DK"/>
               <a:t>Klik for at redigere titeltypografien i masteren</a:t>
             </a:r>
-          </a:p>
-        </p:txBody>
-      </p:sp>
-      <p:sp>
-        <p:nvSpPr>
-          <p:cNvPr id="3" name="Pladsholder til tekst 2">
-            <a:extLst>
-              <a:ext uri="{FF2B5EF4-FFF2-40B4-BE49-F238E27FC236}">
-                <a16:creationId xmlns:a16="http://schemas.microsoft.com/office/drawing/2014/main" id="{01930CAE-7D84-44DF-B3A3-D822FCE1310D}"/>
-              </a:ext>
-            </a:extLst>
-          </p:cNvPr>
+            <a:endParaRPr lang="en-US" dirty="0"/>
+          </a:p>
+        </p:txBody>
+      </p:sp>
+      <p:sp>
+        <p:nvSpPr>
+          <p:cNvPr id="3" name="Text Placeholder 2"/>
           <p:cNvSpPr>
             <a:spLocks noGrp="1"/>
           </p:cNvSpPr>
@@ -1007,26 +3099,27 @@
         </p:nvSpPr>
         <p:spPr>
           <a:xfrm>
-            <a:off x="831850" y="4589463"/>
-            <a:ext cx="10515600" cy="1500187"/>
+            <a:off x="677335" y="4527448"/>
+            <a:ext cx="8596668" cy="860400"/>
           </a:xfrm>
         </p:spPr>
         <p:txBody>
-          <a:bodyPr/>
+          <a:bodyPr anchor="t"/>
           <a:lstStyle>
-            <a:lvl1pPr marL="0" indent="0">
-              <a:buNone/>
-              <a:defRPr sz="2400">
+            <a:lvl1pPr marL="0" indent="0" algn="l">
+              <a:buNone/>
+              <a:defRPr sz="2000">
                 <a:solidFill>
                   <a:schemeClr val="tx1">
-                    <a:tint val="75000"/>
+                    <a:lumMod val="50000"/>
+                    <a:lumOff val="50000"/>
                   </a:schemeClr>
                 </a:solidFill>
               </a:defRPr>
             </a:lvl1pPr>
             <a:lvl2pPr marL="457200" indent="0">
               <a:buNone/>
-              <a:defRPr sz="2000">
+              <a:defRPr sz="1800">
                 <a:solidFill>
                   <a:schemeClr val="tx1">
                     <a:tint val="75000"/>
@@ -1036,7 +3129,7 @@
             </a:lvl2pPr>
             <a:lvl3pPr marL="914400" indent="0">
               <a:buNone/>
-              <a:defRPr sz="1800">
+              <a:defRPr sz="1600">
                 <a:solidFill>
                   <a:schemeClr val="tx1">
                     <a:tint val="75000"/>
@@ -1046,7 +3139,7 @@
             </a:lvl3pPr>
             <a:lvl4pPr marL="1371600" indent="0">
               <a:buNone/>
-              <a:defRPr sz="1600">
+              <a:defRPr sz="1400">
                 <a:solidFill>
                   <a:schemeClr val="tx1">
                     <a:tint val="75000"/>
@@ -1056,7 +3149,7 @@
             </a:lvl4pPr>
             <a:lvl5pPr marL="1828800" indent="0">
               <a:buNone/>
-              <a:defRPr sz="1600">
+              <a:defRPr sz="1400">
                 <a:solidFill>
                   <a:schemeClr val="tx1">
                     <a:tint val="75000"/>
@@ -1066,7 +3159,7 @@
             </a:lvl5pPr>
             <a:lvl6pPr marL="2286000" indent="0">
               <a:buNone/>
-              <a:defRPr sz="1600">
+              <a:defRPr sz="1400">
                 <a:solidFill>
                   <a:schemeClr val="tx1">
                     <a:tint val="75000"/>
@@ -1076,7 +3169,7 @@
             </a:lvl6pPr>
             <a:lvl7pPr marL="2743200" indent="0">
               <a:buNone/>
-              <a:defRPr sz="1600">
+              <a:defRPr sz="1400">
                 <a:solidFill>
                   <a:schemeClr val="tx1">
                     <a:tint val="75000"/>
@@ -1086,7 +3179,7 @@
             </a:lvl7pPr>
             <a:lvl8pPr marL="3200400" indent="0">
               <a:buNone/>
-              <a:defRPr sz="1600">
+              <a:defRPr sz="1400">
                 <a:solidFill>
                   <a:schemeClr val="tx1">
                     <a:tint val="75000"/>
@@ -1096,7 +3189,7 @@
             </a:lvl8pPr>
             <a:lvl9pPr marL="3657600" indent="0">
               <a:buNone/>
-              <a:defRPr sz="1600">
+              <a:defRPr sz="1400">
                 <a:solidFill>
                   <a:schemeClr val="tx1">
                     <a:tint val="75000"/>
@@ -1116,13 +3209,7 @@
       </p:sp>
       <p:sp>
         <p:nvSpPr>
-          <p:cNvPr id="4" name="Pladsholder til dato 3">
-            <a:extLst>
-              <a:ext uri="{FF2B5EF4-FFF2-40B4-BE49-F238E27FC236}">
-                <a16:creationId xmlns:a16="http://schemas.microsoft.com/office/drawing/2014/main" id="{92B9EA53-D5B8-48A7-8537-0DD064BFB61E}"/>
-              </a:ext>
-            </a:extLst>
-          </p:cNvPr>
+          <p:cNvPr id="4" name="Date Placeholder 3"/>
           <p:cNvSpPr>
             <a:spLocks noGrp="1"/>
           </p:cNvSpPr>
@@ -1145,13 +3232,7 @@
       </p:sp>
       <p:sp>
         <p:nvSpPr>
-          <p:cNvPr id="5" name="Pladsholder til sidefod 4">
-            <a:extLst>
-              <a:ext uri="{FF2B5EF4-FFF2-40B4-BE49-F238E27FC236}">
-                <a16:creationId xmlns:a16="http://schemas.microsoft.com/office/drawing/2014/main" id="{F542BB7B-F97B-4BF6-9002-DBC99F984318}"/>
-              </a:ext>
-            </a:extLst>
-          </p:cNvPr>
+          <p:cNvPr id="5" name="Footer Placeholder 4"/>
           <p:cNvSpPr>
             <a:spLocks noGrp="1"/>
           </p:cNvSpPr>
@@ -1170,13 +3251,7 @@
       </p:sp>
       <p:sp>
         <p:nvSpPr>
-          <p:cNvPr id="6" name="Pladsholder til slidenummer 5">
-            <a:extLst>
-              <a:ext uri="{FF2B5EF4-FFF2-40B4-BE49-F238E27FC236}">
-                <a16:creationId xmlns:a16="http://schemas.microsoft.com/office/drawing/2014/main" id="{749114DB-A1BD-40BA-8837-469496618779}"/>
-              </a:ext>
-            </a:extLst>
-          </p:cNvPr>
+          <p:cNvPr id="6" name="Slide Number Placeholder 5"/>
           <p:cNvSpPr>
             <a:spLocks noGrp="1"/>
           </p:cNvSpPr>
@@ -1200,7 +3275,7 @@
     </p:spTree>
     <p:extLst>
       <p:ext uri="{BB962C8B-B14F-4D97-AF65-F5344CB8AC3E}">
-        <p14:creationId xmlns:p14="http://schemas.microsoft.com/office/powerpoint/2010/main" val="3227730882"/>
+        <p14:creationId xmlns:p14="http://schemas.microsoft.com/office/powerpoint/2010/main" val="890229783"/>
       </p:ext>
     </p:extLst>
   </p:cSld>
@@ -1229,13 +3304,7 @@
       </p:grpSpPr>
       <p:sp>
         <p:nvSpPr>
-          <p:cNvPr id="2" name="Titel 1">
-            <a:extLst>
-              <a:ext uri="{FF2B5EF4-FFF2-40B4-BE49-F238E27FC236}">
-                <a16:creationId xmlns:a16="http://schemas.microsoft.com/office/drawing/2014/main" id="{10065472-5110-4113-853C-A9FD39E60C90}"/>
-              </a:ext>
-            </a:extLst>
-          </p:cNvPr>
+          <p:cNvPr id="2" name="Title 1"/>
           <p:cNvSpPr>
             <a:spLocks noGrp="1"/>
           </p:cNvSpPr>
@@ -1252,18 +3321,13 @@
               <a:rPr lang="da-DK"/>
               <a:t>Klik for at redigere titeltypografien i masteren</a:t>
             </a:r>
-          </a:p>
-        </p:txBody>
-      </p:sp>
-      <p:sp>
-        <p:nvSpPr>
-          <p:cNvPr id="3" name="Pladsholder til indhold 2">
-            <a:extLst>
-              <a:ext uri="{FF2B5EF4-FFF2-40B4-BE49-F238E27FC236}">
-                <a16:creationId xmlns:a16="http://schemas.microsoft.com/office/drawing/2014/main" id="{36C2B732-C77B-4835-9600-12191664128F}"/>
-              </a:ext>
-            </a:extLst>
-          </p:cNvPr>
+            <a:endParaRPr lang="en-US" dirty="0"/>
+          </a:p>
+        </p:txBody>
+      </p:sp>
+      <p:sp>
+        <p:nvSpPr>
+          <p:cNvPr id="3" name="Content Placeholder 2"/>
           <p:cNvSpPr>
             <a:spLocks noGrp="1"/>
           </p:cNvSpPr>
@@ -1273,8 +3337,8 @@
         </p:nvSpPr>
         <p:spPr>
           <a:xfrm>
-            <a:off x="838200" y="1825625"/>
-            <a:ext cx="5181600" cy="4351338"/>
+            <a:off x="677334" y="2160589"/>
+            <a:ext cx="4184035" cy="3880772"/>
           </a:xfrm>
         </p:spPr>
         <p:txBody>
@@ -1314,18 +3378,13 @@
               <a:rPr lang="da-DK"/>
               <a:t>Femte niveau</a:t>
             </a:r>
-          </a:p>
-        </p:txBody>
-      </p:sp>
-      <p:sp>
-        <p:nvSpPr>
-          <p:cNvPr id="4" name="Pladsholder til indhold 3">
-            <a:extLst>
-              <a:ext uri="{FF2B5EF4-FFF2-40B4-BE49-F238E27FC236}">
-                <a16:creationId xmlns:a16="http://schemas.microsoft.com/office/drawing/2014/main" id="{16F57170-2048-4036-B3F4-7799E33AA402}"/>
-              </a:ext>
-            </a:extLst>
-          </p:cNvPr>
+            <a:endParaRPr lang="en-US" dirty="0"/>
+          </a:p>
+        </p:txBody>
+      </p:sp>
+      <p:sp>
+        <p:nvSpPr>
+          <p:cNvPr id="4" name="Content Placeholder 3"/>
           <p:cNvSpPr>
             <a:spLocks noGrp="1"/>
           </p:cNvSpPr>
@@ -1335,8 +3394,8 @@
         </p:nvSpPr>
         <p:spPr>
           <a:xfrm>
-            <a:off x="6172200" y="1825625"/>
-            <a:ext cx="5181600" cy="4351338"/>
+            <a:off x="5089970" y="2160589"/>
+            <a:ext cx="4184034" cy="3880773"/>
           </a:xfrm>
         </p:spPr>
         <p:txBody>
@@ -1376,18 +3435,13 @@
               <a:rPr lang="da-DK"/>
               <a:t>Femte niveau</a:t>
             </a:r>
-          </a:p>
-        </p:txBody>
-      </p:sp>
-      <p:sp>
-        <p:nvSpPr>
-          <p:cNvPr id="5" name="Pladsholder til dato 4">
-            <a:extLst>
-              <a:ext uri="{FF2B5EF4-FFF2-40B4-BE49-F238E27FC236}">
-                <a16:creationId xmlns:a16="http://schemas.microsoft.com/office/drawing/2014/main" id="{E4F96013-8589-4AD3-8264-0A13AD2096EF}"/>
-              </a:ext>
-            </a:extLst>
-          </p:cNvPr>
+            <a:endParaRPr lang="en-US" dirty="0"/>
+          </a:p>
+        </p:txBody>
+      </p:sp>
+      <p:sp>
+        <p:nvSpPr>
+          <p:cNvPr id="5" name="Date Placeholder 4"/>
           <p:cNvSpPr>
             <a:spLocks noGrp="1"/>
           </p:cNvSpPr>
@@ -1410,13 +3464,7 @@
       </p:sp>
       <p:sp>
         <p:nvSpPr>
-          <p:cNvPr id="6" name="Pladsholder til sidefod 5">
-            <a:extLst>
-              <a:ext uri="{FF2B5EF4-FFF2-40B4-BE49-F238E27FC236}">
-                <a16:creationId xmlns:a16="http://schemas.microsoft.com/office/drawing/2014/main" id="{B9705799-8728-4280-A30B-2160CC5AB770}"/>
-              </a:ext>
-            </a:extLst>
-          </p:cNvPr>
+          <p:cNvPr id="6" name="Footer Placeholder 5"/>
           <p:cNvSpPr>
             <a:spLocks noGrp="1"/>
           </p:cNvSpPr>
@@ -1435,13 +3483,7 @@
       </p:sp>
       <p:sp>
         <p:nvSpPr>
-          <p:cNvPr id="7" name="Pladsholder til slidenummer 6">
-            <a:extLst>
-              <a:ext uri="{FF2B5EF4-FFF2-40B4-BE49-F238E27FC236}">
-                <a16:creationId xmlns:a16="http://schemas.microsoft.com/office/drawing/2014/main" id="{3D518F93-9733-48AE-ABC5-20CA18B93DC9}"/>
-              </a:ext>
-            </a:extLst>
-          </p:cNvPr>
+          <p:cNvPr id="7" name="Slide Number Placeholder 6"/>
           <p:cNvSpPr>
             <a:spLocks noGrp="1"/>
           </p:cNvSpPr>
@@ -1465,7 +3507,7 @@
     </p:spTree>
     <p:extLst>
       <p:ext uri="{BB962C8B-B14F-4D97-AF65-F5344CB8AC3E}">
-        <p14:creationId xmlns:p14="http://schemas.microsoft.com/office/powerpoint/2010/main" val="2906066721"/>
+        <p14:creationId xmlns:p14="http://schemas.microsoft.com/office/powerpoint/2010/main" val="4121064311"/>
       </p:ext>
     </p:extLst>
   </p:cSld>
@@ -1494,65 +3536,55 @@
       </p:grpSpPr>
       <p:sp>
         <p:nvSpPr>
-          <p:cNvPr id="2" name="Titel 1">
-            <a:extLst>
-              <a:ext uri="{FF2B5EF4-FFF2-40B4-BE49-F238E27FC236}">
-                <a16:creationId xmlns:a16="http://schemas.microsoft.com/office/drawing/2014/main" id="{2C1F8776-986F-4FF0-A2F9-EC0E6B3C3A35}"/>
-              </a:ext>
-            </a:extLst>
-          </p:cNvPr>
+          <p:cNvPr id="2" name="Title 1"/>
           <p:cNvSpPr>
             <a:spLocks noGrp="1"/>
           </p:cNvSpPr>
           <p:nvPr>
             <p:ph type="title"/>
+          </p:nvPr>
+        </p:nvSpPr>
+        <p:spPr/>
+        <p:txBody>
+          <a:bodyPr/>
+          <a:lstStyle>
+            <a:lvl1pPr>
+              <a:defRPr/>
+            </a:lvl1pPr>
+          </a:lstStyle>
+          <a:p>
+            <a:r>
+              <a:rPr lang="da-DK"/>
+              <a:t>Klik for at redigere titeltypografien i masteren</a:t>
+            </a:r>
+            <a:endParaRPr lang="en-US" dirty="0"/>
+          </a:p>
+        </p:txBody>
+      </p:sp>
+      <p:sp>
+        <p:nvSpPr>
+          <p:cNvPr id="3" name="Text Placeholder 2"/>
+          <p:cNvSpPr>
+            <a:spLocks noGrp="1"/>
+          </p:cNvSpPr>
+          <p:nvPr>
+            <p:ph type="body" idx="1"/>
           </p:nvPr>
         </p:nvSpPr>
         <p:spPr>
           <a:xfrm>
-            <a:off x="839788" y="365125"/>
-            <a:ext cx="10515600" cy="1325563"/>
+            <a:off x="675745" y="2160983"/>
+            <a:ext cx="4185623" cy="576262"/>
           </a:xfrm>
         </p:spPr>
         <p:txBody>
-          <a:bodyPr/>
-          <a:lstStyle/>
-          <a:p>
-            <a:r>
-              <a:rPr lang="da-DK"/>
-              <a:t>Klik for at redigere titeltypografien i masteren</a:t>
-            </a:r>
-          </a:p>
-        </p:txBody>
-      </p:sp>
-      <p:sp>
-        <p:nvSpPr>
-          <p:cNvPr id="3" name="Pladsholder til tekst 2">
-            <a:extLst>
-              <a:ext uri="{FF2B5EF4-FFF2-40B4-BE49-F238E27FC236}">
-                <a16:creationId xmlns:a16="http://schemas.microsoft.com/office/drawing/2014/main" id="{8251A83E-081F-4B26-8909-82FA8F2D2E76}"/>
-              </a:ext>
-            </a:extLst>
-          </p:cNvPr>
-          <p:cNvSpPr>
-            <a:spLocks noGrp="1"/>
-          </p:cNvSpPr>
-          <p:nvPr>
-            <p:ph type="body" idx="1"/>
-          </p:nvPr>
-        </p:nvSpPr>
-        <p:spPr>
-          <a:xfrm>
-            <a:off x="839788" y="1681163"/>
-            <a:ext cx="5157787" cy="823912"/>
-          </a:xfrm>
-        </p:spPr>
-        <p:txBody>
-          <a:bodyPr anchor="b"/>
+          <a:bodyPr anchor="b">
+            <a:noAutofit/>
+          </a:bodyPr>
           <a:lstStyle>
             <a:lvl1pPr marL="0" indent="0">
               <a:buNone/>
-              <a:defRPr sz="2400" b="1"/>
+              <a:defRPr sz="2400" b="0"/>
             </a:lvl1pPr>
             <a:lvl2pPr marL="457200" indent="0">
               <a:buNone/>
@@ -1598,13 +3630,7 @@
       </p:sp>
       <p:sp>
         <p:nvSpPr>
-          <p:cNvPr id="4" name="Pladsholder til indhold 3">
-            <a:extLst>
-              <a:ext uri="{FF2B5EF4-FFF2-40B4-BE49-F238E27FC236}">
-                <a16:creationId xmlns:a16="http://schemas.microsoft.com/office/drawing/2014/main" id="{10E9F355-11AA-4E6F-869E-B06BAFD92276}"/>
-              </a:ext>
-            </a:extLst>
-          </p:cNvPr>
+          <p:cNvPr id="4" name="Content Placeholder 3"/>
           <p:cNvSpPr>
             <a:spLocks noGrp="1"/>
           </p:cNvSpPr>
@@ -1614,12 +3640,14 @@
         </p:nvSpPr>
         <p:spPr>
           <a:xfrm>
-            <a:off x="839788" y="2505075"/>
-            <a:ext cx="5157787" cy="3684588"/>
+            <a:off x="675745" y="2737245"/>
+            <a:ext cx="4185623" cy="3304117"/>
           </a:xfrm>
         </p:spPr>
         <p:txBody>
-          <a:bodyPr/>
+          <a:bodyPr>
+            <a:normAutofit/>
+          </a:bodyPr>
           <a:lstStyle/>
           <a:p>
             <a:pPr lvl="0"/>
@@ -1655,18 +3683,13 @@
               <a:rPr lang="da-DK"/>
               <a:t>Femte niveau</a:t>
             </a:r>
-          </a:p>
-        </p:txBody>
-      </p:sp>
-      <p:sp>
-        <p:nvSpPr>
-          <p:cNvPr id="5" name="Pladsholder til tekst 4">
-            <a:extLst>
-              <a:ext uri="{FF2B5EF4-FFF2-40B4-BE49-F238E27FC236}">
-                <a16:creationId xmlns:a16="http://schemas.microsoft.com/office/drawing/2014/main" id="{BB73A4E3-0649-4827-B818-06AA7907B954}"/>
-              </a:ext>
-            </a:extLst>
-          </p:cNvPr>
+            <a:endParaRPr lang="en-US" dirty="0"/>
+          </a:p>
+        </p:txBody>
+      </p:sp>
+      <p:sp>
+        <p:nvSpPr>
+          <p:cNvPr id="5" name="Text Placeholder 4"/>
           <p:cNvSpPr>
             <a:spLocks noGrp="1"/>
           </p:cNvSpPr>
@@ -1676,16 +3699,18 @@
         </p:nvSpPr>
         <p:spPr>
           <a:xfrm>
-            <a:off x="6172200" y="1681163"/>
-            <a:ext cx="5183188" cy="823912"/>
+            <a:off x="5088383" y="2160983"/>
+            <a:ext cx="4185618" cy="576262"/>
           </a:xfrm>
         </p:spPr>
         <p:txBody>
-          <a:bodyPr anchor="b"/>
+          <a:bodyPr anchor="b">
+            <a:noAutofit/>
+          </a:bodyPr>
           <a:lstStyle>
             <a:lvl1pPr marL="0" indent="0">
               <a:buNone/>
-              <a:defRPr sz="2400" b="1"/>
+              <a:defRPr sz="2400" b="0"/>
             </a:lvl1pPr>
             <a:lvl2pPr marL="457200" indent="0">
               <a:buNone/>
@@ -1731,13 +3756,7 @@
       </p:sp>
       <p:sp>
         <p:nvSpPr>
-          <p:cNvPr id="6" name="Pladsholder til indhold 5">
-            <a:extLst>
-              <a:ext uri="{FF2B5EF4-FFF2-40B4-BE49-F238E27FC236}">
-                <a16:creationId xmlns:a16="http://schemas.microsoft.com/office/drawing/2014/main" id="{12238848-C429-4108-881F-C1041047C0D0}"/>
-              </a:ext>
-            </a:extLst>
-          </p:cNvPr>
+          <p:cNvPr id="6" name="Content Placeholder 5"/>
           <p:cNvSpPr>
             <a:spLocks noGrp="1"/>
           </p:cNvSpPr>
@@ -1747,12 +3766,14 @@
         </p:nvSpPr>
         <p:spPr>
           <a:xfrm>
-            <a:off x="6172200" y="2505075"/>
-            <a:ext cx="5183188" cy="3684588"/>
+            <a:off x="5088384" y="2737245"/>
+            <a:ext cx="4185617" cy="3304117"/>
           </a:xfrm>
         </p:spPr>
         <p:txBody>
-          <a:bodyPr/>
+          <a:bodyPr>
+            <a:normAutofit/>
+          </a:bodyPr>
           <a:lstStyle/>
           <a:p>
             <a:pPr lvl="0"/>
@@ -1788,18 +3809,13 @@
               <a:rPr lang="da-DK"/>
               <a:t>Femte niveau</a:t>
             </a:r>
-          </a:p>
-        </p:txBody>
-      </p:sp>
-      <p:sp>
-        <p:nvSpPr>
-          <p:cNvPr id="7" name="Pladsholder til dato 6">
-            <a:extLst>
-              <a:ext uri="{FF2B5EF4-FFF2-40B4-BE49-F238E27FC236}">
-                <a16:creationId xmlns:a16="http://schemas.microsoft.com/office/drawing/2014/main" id="{16453317-DA6E-4FBF-8E5A-7AD8C6A49AFF}"/>
-              </a:ext>
-            </a:extLst>
-          </p:cNvPr>
+            <a:endParaRPr lang="en-US" dirty="0"/>
+          </a:p>
+        </p:txBody>
+      </p:sp>
+      <p:sp>
+        <p:nvSpPr>
+          <p:cNvPr id="7" name="Date Placeholder 6"/>
           <p:cNvSpPr>
             <a:spLocks noGrp="1"/>
           </p:cNvSpPr>
@@ -1822,13 +3838,7 @@
       </p:sp>
       <p:sp>
         <p:nvSpPr>
-          <p:cNvPr id="8" name="Pladsholder til sidefod 7">
-            <a:extLst>
-              <a:ext uri="{FF2B5EF4-FFF2-40B4-BE49-F238E27FC236}">
-                <a16:creationId xmlns:a16="http://schemas.microsoft.com/office/drawing/2014/main" id="{5CE77845-0353-42CF-882F-606F3481E4B0}"/>
-              </a:ext>
-            </a:extLst>
-          </p:cNvPr>
+          <p:cNvPr id="8" name="Footer Placeholder 7"/>
           <p:cNvSpPr>
             <a:spLocks noGrp="1"/>
           </p:cNvSpPr>
@@ -1847,13 +3857,7 @@
       </p:sp>
       <p:sp>
         <p:nvSpPr>
-          <p:cNvPr id="9" name="Pladsholder til slidenummer 8">
-            <a:extLst>
-              <a:ext uri="{FF2B5EF4-FFF2-40B4-BE49-F238E27FC236}">
-                <a16:creationId xmlns:a16="http://schemas.microsoft.com/office/drawing/2014/main" id="{D779259E-D64C-4588-A2D7-AC505A5D0FD2}"/>
-              </a:ext>
-            </a:extLst>
-          </p:cNvPr>
+          <p:cNvPr id="9" name="Slide Number Placeholder 8"/>
           <p:cNvSpPr>
             <a:spLocks noGrp="1"/>
           </p:cNvSpPr>
@@ -1877,7 +3881,7 @@
     </p:spTree>
     <p:extLst>
       <p:ext uri="{BB962C8B-B14F-4D97-AF65-F5344CB8AC3E}">
-        <p14:creationId xmlns:p14="http://schemas.microsoft.com/office/powerpoint/2010/main" val="2881448783"/>
+        <p14:creationId xmlns:p14="http://schemas.microsoft.com/office/powerpoint/2010/main" val="2371270134"/>
       </p:ext>
     </p:extLst>
   </p:cSld>
@@ -1906,13 +3910,7 @@
       </p:grpSpPr>
       <p:sp>
         <p:nvSpPr>
-          <p:cNvPr id="2" name="Titel 1">
-            <a:extLst>
-              <a:ext uri="{FF2B5EF4-FFF2-40B4-BE49-F238E27FC236}">
-                <a16:creationId xmlns:a16="http://schemas.microsoft.com/office/drawing/2014/main" id="{22DBDE3A-C31C-4D37-9351-7FE95EBD2C67}"/>
-              </a:ext>
-            </a:extLst>
-          </p:cNvPr>
+          <p:cNvPr id="2" name="Title 1"/>
           <p:cNvSpPr>
             <a:spLocks noGrp="1"/>
           </p:cNvSpPr>
@@ -1920,7 +3918,12 @@
             <p:ph type="title"/>
           </p:nvPr>
         </p:nvSpPr>
-        <p:spPr/>
+        <p:spPr>
+          <a:xfrm>
+            <a:off x="677334" y="609600"/>
+            <a:ext cx="8596668" cy="1320800"/>
+          </a:xfrm>
+        </p:spPr>
         <p:txBody>
           <a:bodyPr/>
           <a:lstStyle/>
@@ -1929,18 +3932,13 @@
               <a:rPr lang="da-DK"/>
               <a:t>Klik for at redigere titeltypografien i masteren</a:t>
             </a:r>
-          </a:p>
-        </p:txBody>
-      </p:sp>
-      <p:sp>
-        <p:nvSpPr>
-          <p:cNvPr id="3" name="Pladsholder til dato 2">
-            <a:extLst>
-              <a:ext uri="{FF2B5EF4-FFF2-40B4-BE49-F238E27FC236}">
-                <a16:creationId xmlns:a16="http://schemas.microsoft.com/office/drawing/2014/main" id="{0374EFC3-C66E-463F-9973-F1A041F9A0FA}"/>
-              </a:ext>
-            </a:extLst>
-          </p:cNvPr>
+            <a:endParaRPr lang="en-US" dirty="0"/>
+          </a:p>
+        </p:txBody>
+      </p:sp>
+      <p:sp>
+        <p:nvSpPr>
+          <p:cNvPr id="3" name="Date Placeholder 2"/>
           <p:cNvSpPr>
             <a:spLocks noGrp="1"/>
           </p:cNvSpPr>
@@ -1963,13 +3961,7 @@
       </p:sp>
       <p:sp>
         <p:nvSpPr>
-          <p:cNvPr id="4" name="Pladsholder til sidefod 3">
-            <a:extLst>
-              <a:ext uri="{FF2B5EF4-FFF2-40B4-BE49-F238E27FC236}">
-                <a16:creationId xmlns:a16="http://schemas.microsoft.com/office/drawing/2014/main" id="{36B5FC44-8949-4640-BF8F-8F38DC4A018B}"/>
-              </a:ext>
-            </a:extLst>
-          </p:cNvPr>
+          <p:cNvPr id="4" name="Footer Placeholder 3"/>
           <p:cNvSpPr>
             <a:spLocks noGrp="1"/>
           </p:cNvSpPr>
@@ -1988,13 +3980,7 @@
       </p:sp>
       <p:sp>
         <p:nvSpPr>
-          <p:cNvPr id="5" name="Pladsholder til slidenummer 4">
-            <a:extLst>
-              <a:ext uri="{FF2B5EF4-FFF2-40B4-BE49-F238E27FC236}">
-                <a16:creationId xmlns:a16="http://schemas.microsoft.com/office/drawing/2014/main" id="{D2585AC9-8803-4720-BEF5-41BC81C7A585}"/>
-              </a:ext>
-            </a:extLst>
-          </p:cNvPr>
+          <p:cNvPr id="5" name="Slide Number Placeholder 4"/>
           <p:cNvSpPr>
             <a:spLocks noGrp="1"/>
           </p:cNvSpPr>
@@ -2018,7 +4004,7 @@
     </p:spTree>
     <p:extLst>
       <p:ext uri="{BB962C8B-B14F-4D97-AF65-F5344CB8AC3E}">
-        <p14:creationId xmlns:p14="http://schemas.microsoft.com/office/powerpoint/2010/main" val="3996831851"/>
+        <p14:creationId xmlns:p14="http://schemas.microsoft.com/office/powerpoint/2010/main" val="753402611"/>
       </p:ext>
     </p:extLst>
   </p:cSld>
@@ -2047,13 +4033,7 @@
       </p:grpSpPr>
       <p:sp>
         <p:nvSpPr>
-          <p:cNvPr id="2" name="Pladsholder til dato 1">
-            <a:extLst>
-              <a:ext uri="{FF2B5EF4-FFF2-40B4-BE49-F238E27FC236}">
-                <a16:creationId xmlns:a16="http://schemas.microsoft.com/office/drawing/2014/main" id="{6EE9491A-C533-4004-9E19-27CCCDCD834D}"/>
-              </a:ext>
-            </a:extLst>
-          </p:cNvPr>
+          <p:cNvPr id="2" name="Date Placeholder 1"/>
           <p:cNvSpPr>
             <a:spLocks noGrp="1"/>
           </p:cNvSpPr>
@@ -2076,13 +4056,7 @@
       </p:sp>
       <p:sp>
         <p:nvSpPr>
-          <p:cNvPr id="3" name="Pladsholder til sidefod 2">
-            <a:extLst>
-              <a:ext uri="{FF2B5EF4-FFF2-40B4-BE49-F238E27FC236}">
-                <a16:creationId xmlns:a16="http://schemas.microsoft.com/office/drawing/2014/main" id="{738271CA-409A-45B1-93A1-3B85E317F494}"/>
-              </a:ext>
-            </a:extLst>
-          </p:cNvPr>
+          <p:cNvPr id="3" name="Footer Placeholder 2"/>
           <p:cNvSpPr>
             <a:spLocks noGrp="1"/>
           </p:cNvSpPr>
@@ -2101,13 +4075,7 @@
       </p:sp>
       <p:sp>
         <p:nvSpPr>
-          <p:cNvPr id="4" name="Pladsholder til slidenummer 3">
-            <a:extLst>
-              <a:ext uri="{FF2B5EF4-FFF2-40B4-BE49-F238E27FC236}">
-                <a16:creationId xmlns:a16="http://schemas.microsoft.com/office/drawing/2014/main" id="{B421E167-54FC-4CDC-8CC3-5E78A6ADB245}"/>
-              </a:ext>
-            </a:extLst>
-          </p:cNvPr>
+          <p:cNvPr id="4" name="Slide Number Placeholder 3"/>
           <p:cNvSpPr>
             <a:spLocks noGrp="1"/>
           </p:cNvSpPr>
@@ -2131,7 +4099,7 @@
     </p:spTree>
     <p:extLst>
       <p:ext uri="{BB962C8B-B14F-4D97-AF65-F5344CB8AC3E}">
-        <p14:creationId xmlns:p14="http://schemas.microsoft.com/office/powerpoint/2010/main" val="942516413"/>
+        <p14:creationId xmlns:p14="http://schemas.microsoft.com/office/powerpoint/2010/main" val="1736100115"/>
       </p:ext>
     </p:extLst>
   </p:cSld>
@@ -2160,13 +4128,7 @@
       </p:grpSpPr>
       <p:sp>
         <p:nvSpPr>
-          <p:cNvPr id="2" name="Titel 1">
-            <a:extLst>
-              <a:ext uri="{FF2B5EF4-FFF2-40B4-BE49-F238E27FC236}">
-                <a16:creationId xmlns:a16="http://schemas.microsoft.com/office/drawing/2014/main" id="{3974E963-EC90-40B9-BF21-DABD6E068478}"/>
-              </a:ext>
-            </a:extLst>
-          </p:cNvPr>
+          <p:cNvPr id="2" name="Title 1"/>
           <p:cNvSpPr>
             <a:spLocks noGrp="1"/>
           </p:cNvSpPr>
@@ -2176,15 +4138,17 @@
         </p:nvSpPr>
         <p:spPr>
           <a:xfrm>
-            <a:off x="839788" y="457200"/>
-            <a:ext cx="3932237" cy="1600200"/>
+            <a:off x="677334" y="1498604"/>
+            <a:ext cx="3854528" cy="1278466"/>
           </a:xfrm>
         </p:spPr>
         <p:txBody>
-          <a:bodyPr anchor="b"/>
+          <a:bodyPr anchor="b">
+            <a:normAutofit/>
+          </a:bodyPr>
           <a:lstStyle>
             <a:lvl1pPr>
-              <a:defRPr sz="3200"/>
+              <a:defRPr sz="2000"/>
             </a:lvl1pPr>
           </a:lstStyle>
           <a:p>
@@ -2192,18 +4156,13 @@
               <a:rPr lang="da-DK"/>
               <a:t>Klik for at redigere titeltypografien i masteren</a:t>
             </a:r>
-          </a:p>
-        </p:txBody>
-      </p:sp>
-      <p:sp>
-        <p:nvSpPr>
-          <p:cNvPr id="3" name="Pladsholder til indhold 2">
-            <a:extLst>
-              <a:ext uri="{FF2B5EF4-FFF2-40B4-BE49-F238E27FC236}">
-                <a16:creationId xmlns:a16="http://schemas.microsoft.com/office/drawing/2014/main" id="{4427B702-0399-4873-A7F5-0B94B9310BA2}"/>
-              </a:ext>
-            </a:extLst>
-          </p:cNvPr>
+            <a:endParaRPr lang="en-US" dirty="0"/>
+          </a:p>
+        </p:txBody>
+      </p:sp>
+      <p:sp>
+        <p:nvSpPr>
+          <p:cNvPr id="3" name="Content Placeholder 2"/>
           <p:cNvSpPr>
             <a:spLocks noGrp="1"/>
           </p:cNvSpPr>
@@ -2213,41 +4172,15 @@
         </p:nvSpPr>
         <p:spPr>
           <a:xfrm>
-            <a:off x="5183188" y="987425"/>
-            <a:ext cx="6172200" cy="4873625"/>
+            <a:off x="4760461" y="514924"/>
+            <a:ext cx="4513541" cy="5526437"/>
           </a:xfrm>
         </p:spPr>
         <p:txBody>
-          <a:bodyPr/>
-          <a:lstStyle>
-            <a:lvl1pPr>
-              <a:defRPr sz="3200"/>
-            </a:lvl1pPr>
-            <a:lvl2pPr>
-              <a:defRPr sz="2800"/>
-            </a:lvl2pPr>
-            <a:lvl3pPr>
-              <a:defRPr sz="2400"/>
-            </a:lvl3pPr>
-            <a:lvl4pPr>
-              <a:defRPr sz="2000"/>
-            </a:lvl4pPr>
-            <a:lvl5pPr>
-              <a:defRPr sz="2000"/>
-            </a:lvl5pPr>
-            <a:lvl6pPr>
-              <a:defRPr sz="2000"/>
-            </a:lvl6pPr>
-            <a:lvl7pPr>
-              <a:defRPr sz="2000"/>
-            </a:lvl7pPr>
-            <a:lvl8pPr>
-              <a:defRPr sz="2000"/>
-            </a:lvl8pPr>
-            <a:lvl9pPr>
-              <a:defRPr sz="2000"/>
-            </a:lvl9pPr>
-          </a:lstStyle>
+          <a:bodyPr>
+            <a:normAutofit/>
+          </a:bodyPr>
+          <a:lstStyle/>
           <a:p>
             <a:pPr lvl="0"/>
             <a:r>
@@ -2282,18 +4215,13 @@
               <a:rPr lang="da-DK"/>
               <a:t>Femte niveau</a:t>
             </a:r>
-          </a:p>
-        </p:txBody>
-      </p:sp>
-      <p:sp>
-        <p:nvSpPr>
-          <p:cNvPr id="4" name="Pladsholder til tekst 3">
-            <a:extLst>
-              <a:ext uri="{FF2B5EF4-FFF2-40B4-BE49-F238E27FC236}">
-                <a16:creationId xmlns:a16="http://schemas.microsoft.com/office/drawing/2014/main" id="{756B586F-9489-4046-88C1-C956BB28A118}"/>
-              </a:ext>
-            </a:extLst>
-          </p:cNvPr>
+            <a:endParaRPr lang="en-US" dirty="0"/>
+          </a:p>
+        </p:txBody>
+      </p:sp>
+      <p:sp>
+        <p:nvSpPr>
+          <p:cNvPr id="4" name="Text Placeholder 3"/>
           <p:cNvSpPr>
             <a:spLocks noGrp="1"/>
           </p:cNvSpPr>
@@ -2303,46 +4231,48 @@
         </p:nvSpPr>
         <p:spPr>
           <a:xfrm>
-            <a:off x="839788" y="2057400"/>
-            <a:ext cx="3932237" cy="3811588"/>
+            <a:off x="677334" y="2777069"/>
+            <a:ext cx="3854528" cy="2584449"/>
           </a:xfrm>
         </p:spPr>
         <p:txBody>
-          <a:bodyPr/>
+          <a:bodyPr>
+            <a:normAutofit/>
+          </a:bodyPr>
           <a:lstStyle>
             <a:lvl1pPr marL="0" indent="0">
               <a:buNone/>
-              <a:defRPr sz="1600"/>
+              <a:defRPr sz="1400"/>
             </a:lvl1pPr>
-            <a:lvl2pPr marL="457200" indent="0">
+            <a:lvl2pPr marL="457063" indent="0">
               <a:buNone/>
               <a:defRPr sz="1400"/>
             </a:lvl2pPr>
-            <a:lvl3pPr marL="914400" indent="0">
+            <a:lvl3pPr marL="914126" indent="0">
               <a:buNone/>
               <a:defRPr sz="1200"/>
             </a:lvl3pPr>
-            <a:lvl4pPr marL="1371600" indent="0">
+            <a:lvl4pPr marL="1371189" indent="0">
               <a:buNone/>
               <a:defRPr sz="1000"/>
             </a:lvl4pPr>
-            <a:lvl5pPr marL="1828800" indent="0">
+            <a:lvl5pPr marL="1828251" indent="0">
               <a:buNone/>
               <a:defRPr sz="1000"/>
             </a:lvl5pPr>
-            <a:lvl6pPr marL="2286000" indent="0">
+            <a:lvl6pPr marL="2285314" indent="0">
               <a:buNone/>
               <a:defRPr sz="1000"/>
             </a:lvl6pPr>
-            <a:lvl7pPr marL="2743200" indent="0">
+            <a:lvl7pPr marL="2742377" indent="0">
               <a:buNone/>
               <a:defRPr sz="1000"/>
             </a:lvl7pPr>
-            <a:lvl8pPr marL="3200400" indent="0">
+            <a:lvl8pPr marL="3199440" indent="0">
               <a:buNone/>
               <a:defRPr sz="1000"/>
             </a:lvl8pPr>
-            <a:lvl9pPr marL="3657600" indent="0">
+            <a:lvl9pPr marL="3656503" indent="0">
               <a:buNone/>
               <a:defRPr sz="1000"/>
             </a:lvl9pPr>
@@ -2358,13 +4288,7 @@
       </p:sp>
       <p:sp>
         <p:nvSpPr>
-          <p:cNvPr id="5" name="Pladsholder til dato 4">
-            <a:extLst>
-              <a:ext uri="{FF2B5EF4-FFF2-40B4-BE49-F238E27FC236}">
-                <a16:creationId xmlns:a16="http://schemas.microsoft.com/office/drawing/2014/main" id="{6C073DCD-2830-4DDE-8770-C17780351A7A}"/>
-              </a:ext>
-            </a:extLst>
-          </p:cNvPr>
+          <p:cNvPr id="5" name="Date Placeholder 4"/>
           <p:cNvSpPr>
             <a:spLocks noGrp="1"/>
           </p:cNvSpPr>
@@ -2387,13 +4311,7 @@
       </p:sp>
       <p:sp>
         <p:nvSpPr>
-          <p:cNvPr id="6" name="Pladsholder til sidefod 5">
-            <a:extLst>
-              <a:ext uri="{FF2B5EF4-FFF2-40B4-BE49-F238E27FC236}">
-                <a16:creationId xmlns:a16="http://schemas.microsoft.com/office/drawing/2014/main" id="{3A95A96B-AE23-4261-B082-F5005CF571FF}"/>
-              </a:ext>
-            </a:extLst>
-          </p:cNvPr>
+          <p:cNvPr id="6" name="Footer Placeholder 5"/>
           <p:cNvSpPr>
             <a:spLocks noGrp="1"/>
           </p:cNvSpPr>
@@ -2412,13 +4330,7 @@
       </p:sp>
       <p:sp>
         <p:nvSpPr>
-          <p:cNvPr id="7" name="Pladsholder til slidenummer 6">
-            <a:extLst>
-              <a:ext uri="{FF2B5EF4-FFF2-40B4-BE49-F238E27FC236}">
-                <a16:creationId xmlns:a16="http://schemas.microsoft.com/office/drawing/2014/main" id="{4457B72F-A9FB-4343-A59B-771C2949C33F}"/>
-              </a:ext>
-            </a:extLst>
-          </p:cNvPr>
+          <p:cNvPr id="7" name="Slide Number Placeholder 6"/>
           <p:cNvSpPr>
             <a:spLocks noGrp="1"/>
           </p:cNvSpPr>
@@ -2442,7 +4354,7 @@
     </p:spTree>
     <p:extLst>
       <p:ext uri="{BB962C8B-B14F-4D97-AF65-F5344CB8AC3E}">
-        <p14:creationId xmlns:p14="http://schemas.microsoft.com/office/powerpoint/2010/main" val="264333763"/>
+        <p14:creationId xmlns:p14="http://schemas.microsoft.com/office/powerpoint/2010/main" val="346009413"/>
       </p:ext>
     </p:extLst>
   </p:cSld>
@@ -2471,13 +4383,7 @@
       </p:grpSpPr>
       <p:sp>
         <p:nvSpPr>
-          <p:cNvPr id="2" name="Titel 1">
-            <a:extLst>
-              <a:ext uri="{FF2B5EF4-FFF2-40B4-BE49-F238E27FC236}">
-                <a16:creationId xmlns:a16="http://schemas.microsoft.com/office/drawing/2014/main" id="{FA64C7E2-5523-4550-BAF5-283C601A4DAA}"/>
-              </a:ext>
-            </a:extLst>
-          </p:cNvPr>
+          <p:cNvPr id="2" name="Title 1"/>
           <p:cNvSpPr>
             <a:spLocks noGrp="1"/>
           </p:cNvSpPr>
@@ -2487,15 +4393,17 @@
         </p:nvSpPr>
         <p:spPr>
           <a:xfrm>
-            <a:off x="839788" y="457200"/>
-            <a:ext cx="3932237" cy="1600200"/>
+            <a:off x="677334" y="4800600"/>
+            <a:ext cx="8596667" cy="566738"/>
           </a:xfrm>
         </p:spPr>
         <p:txBody>
-          <a:bodyPr anchor="b"/>
+          <a:bodyPr anchor="b">
+            <a:normAutofit/>
+          </a:bodyPr>
           <a:lstStyle>
-            <a:lvl1pPr>
-              <a:defRPr sz="3200"/>
+            <a:lvl1pPr algn="l">
+              <a:defRPr sz="2400" b="0"/>
             </a:lvl1pPr>
           </a:lstStyle>
           <a:p>
@@ -2503,20 +4411,15 @@
               <a:rPr lang="da-DK"/>
               <a:t>Klik for at redigere titeltypografien i masteren</a:t>
             </a:r>
-          </a:p>
-        </p:txBody>
-      </p:sp>
-      <p:sp>
-        <p:nvSpPr>
-          <p:cNvPr id="3" name="Pladsholder til billede 2">
-            <a:extLst>
-              <a:ext uri="{FF2B5EF4-FFF2-40B4-BE49-F238E27FC236}">
-                <a16:creationId xmlns:a16="http://schemas.microsoft.com/office/drawing/2014/main" id="{271A925C-60FC-42C3-9BB5-2406CEEF74E3}"/>
-              </a:ext>
-            </a:extLst>
-          </p:cNvPr>
-          <p:cNvSpPr>
-            <a:spLocks noGrp="1"/>
+            <a:endParaRPr lang="en-US" dirty="0"/>
+          </a:p>
+        </p:txBody>
+      </p:sp>
+      <p:sp>
+        <p:nvSpPr>
+          <p:cNvPr id="3" name="Picture Placeholder 2"/>
+          <p:cNvSpPr>
+            <a:spLocks noGrp="1" noChangeAspect="1"/>
           </p:cNvSpPr>
           <p:nvPr>
             <p:ph type="pic" idx="1"/>
@@ -2524,118 +4427,120 @@
         </p:nvSpPr>
         <p:spPr>
           <a:xfrm>
-            <a:off x="5183188" y="987425"/>
-            <a:ext cx="6172200" cy="4873625"/>
+            <a:off x="677334" y="609600"/>
+            <a:ext cx="8596668" cy="3845718"/>
           </a:xfrm>
         </p:spPr>
         <p:txBody>
-          <a:bodyPr/>
+          <a:bodyPr anchor="t">
+            <a:normAutofit/>
+          </a:bodyPr>
           <a:lstStyle>
-            <a:lvl1pPr marL="0" indent="0">
-              <a:buNone/>
-              <a:defRPr sz="3200"/>
-            </a:lvl1pPr>
-            <a:lvl2pPr marL="457200" indent="0">
-              <a:buNone/>
-              <a:defRPr sz="2800"/>
-            </a:lvl2pPr>
-            <a:lvl3pPr marL="914400" indent="0">
-              <a:buNone/>
-              <a:defRPr sz="2400"/>
-            </a:lvl3pPr>
-            <a:lvl4pPr marL="1371600" indent="0">
-              <a:buNone/>
-              <a:defRPr sz="2000"/>
-            </a:lvl4pPr>
-            <a:lvl5pPr marL="1828800" indent="0">
-              <a:buNone/>
-              <a:defRPr sz="2000"/>
-            </a:lvl5pPr>
-            <a:lvl6pPr marL="2286000" indent="0">
-              <a:buNone/>
-              <a:defRPr sz="2000"/>
-            </a:lvl6pPr>
-            <a:lvl7pPr marL="2743200" indent="0">
-              <a:buNone/>
-              <a:defRPr sz="2000"/>
-            </a:lvl7pPr>
-            <a:lvl8pPr marL="3200400" indent="0">
-              <a:buNone/>
-              <a:defRPr sz="2000"/>
-            </a:lvl8pPr>
-            <a:lvl9pPr marL="3657600" indent="0">
-              <a:buNone/>
-              <a:defRPr sz="2000"/>
-            </a:lvl9pPr>
-          </a:lstStyle>
-          <a:p>
-            <a:endParaRPr lang="da-DK"/>
-          </a:p>
-        </p:txBody>
-      </p:sp>
-      <p:sp>
-        <p:nvSpPr>
-          <p:cNvPr id="4" name="Pladsholder til tekst 3">
-            <a:extLst>
-              <a:ext uri="{FF2B5EF4-FFF2-40B4-BE49-F238E27FC236}">
-                <a16:creationId xmlns:a16="http://schemas.microsoft.com/office/drawing/2014/main" id="{CB1D9DBE-FA58-4CA3-8FED-9608539C46DB}"/>
-              </a:ext>
-            </a:extLst>
-          </p:cNvPr>
-          <p:cNvSpPr>
-            <a:spLocks noGrp="1"/>
-          </p:cNvSpPr>
-          <p:nvPr>
-            <p:ph type="body" sz="half" idx="2"/>
-          </p:nvPr>
-        </p:nvSpPr>
-        <p:spPr>
-          <a:xfrm>
-            <a:off x="839788" y="2057400"/>
-            <a:ext cx="3932237" cy="3811588"/>
-          </a:xfrm>
-        </p:spPr>
-        <p:txBody>
-          <a:bodyPr/>
-          <a:lstStyle>
-            <a:lvl1pPr marL="0" indent="0">
+            <a:lvl1pPr marL="0" indent="0" algn="ctr">
               <a:buNone/>
               <a:defRPr sz="1600"/>
             </a:lvl1pPr>
             <a:lvl2pPr marL="457200" indent="0">
               <a:buNone/>
-              <a:defRPr sz="1400"/>
+              <a:defRPr sz="1600"/>
             </a:lvl2pPr>
             <a:lvl3pPr marL="914400" indent="0">
               <a:buNone/>
-              <a:defRPr sz="1200"/>
+              <a:defRPr sz="1600"/>
             </a:lvl3pPr>
             <a:lvl4pPr marL="1371600" indent="0">
               <a:buNone/>
-              <a:defRPr sz="1000"/>
+              <a:defRPr sz="1600"/>
             </a:lvl4pPr>
             <a:lvl5pPr marL="1828800" indent="0">
               <a:buNone/>
-              <a:defRPr sz="1000"/>
+              <a:defRPr sz="1600"/>
             </a:lvl5pPr>
             <a:lvl6pPr marL="2286000" indent="0">
               <a:buNone/>
-              <a:defRPr sz="1000"/>
+              <a:defRPr sz="1600"/>
             </a:lvl6pPr>
             <a:lvl7pPr marL="2743200" indent="0">
               <a:buNone/>
-              <a:defRPr sz="1000"/>
+              <a:defRPr sz="1600"/>
             </a:lvl7pPr>
             <a:lvl8pPr marL="3200400" indent="0">
               <a:buNone/>
-              <a:defRPr sz="1000"/>
+              <a:defRPr sz="1600"/>
             </a:lvl8pPr>
             <a:lvl9pPr marL="3657600" indent="0">
               <a:buNone/>
-              <a:defRPr sz="1000"/>
+              <a:defRPr sz="1600"/>
             </a:lvl9pPr>
           </a:lstStyle>
           <a:p>
+            <a:r>
+              <a:rPr lang="da-DK"/>
+              <a:t>Klik på ikonet for at tilføje et billede</a:t>
+            </a:r>
+            <a:endParaRPr lang="en-US" dirty="0"/>
+          </a:p>
+        </p:txBody>
+      </p:sp>
+      <p:sp>
+        <p:nvSpPr>
+          <p:cNvPr id="4" name="Text Placeholder 3"/>
+          <p:cNvSpPr>
+            <a:spLocks noGrp="1"/>
+          </p:cNvSpPr>
+          <p:nvPr>
+            <p:ph type="body" sz="half" idx="2"/>
+          </p:nvPr>
+        </p:nvSpPr>
+        <p:spPr>
+          <a:xfrm>
+            <a:off x="677334" y="5367338"/>
+            <a:ext cx="8596667" cy="674024"/>
+          </a:xfrm>
+        </p:spPr>
+        <p:txBody>
+          <a:bodyPr>
+            <a:normAutofit/>
+          </a:bodyPr>
+          <a:lstStyle>
+            <a:lvl1pPr marL="0" indent="0">
+              <a:buNone/>
+              <a:defRPr sz="1200"/>
+            </a:lvl1pPr>
+            <a:lvl2pPr marL="457200" indent="0">
+              <a:buNone/>
+              <a:defRPr sz="1200"/>
+            </a:lvl2pPr>
+            <a:lvl3pPr marL="914400" indent="0">
+              <a:buNone/>
+              <a:defRPr sz="1000"/>
+            </a:lvl3pPr>
+            <a:lvl4pPr marL="1371600" indent="0">
+              <a:buNone/>
+              <a:defRPr sz="900"/>
+            </a:lvl4pPr>
+            <a:lvl5pPr marL="1828800" indent="0">
+              <a:buNone/>
+              <a:defRPr sz="900"/>
+            </a:lvl5pPr>
+            <a:lvl6pPr marL="2286000" indent="0">
+              <a:buNone/>
+              <a:defRPr sz="900"/>
+            </a:lvl6pPr>
+            <a:lvl7pPr marL="2743200" indent="0">
+              <a:buNone/>
+              <a:defRPr sz="900"/>
+            </a:lvl7pPr>
+            <a:lvl8pPr marL="3200400" indent="0">
+              <a:buNone/>
+              <a:defRPr sz="900"/>
+            </a:lvl8pPr>
+            <a:lvl9pPr marL="3657600" indent="0">
+              <a:buNone/>
+              <a:defRPr sz="900"/>
+            </a:lvl9pPr>
+          </a:lstStyle>
+          <a:p>
             <a:pPr lvl="0"/>
             <a:r>
               <a:rPr lang="da-DK"/>
@@ -2646,13 +4551,7 @@
       </p:sp>
       <p:sp>
         <p:nvSpPr>
-          <p:cNvPr id="5" name="Pladsholder til dato 4">
-            <a:extLst>
-              <a:ext uri="{FF2B5EF4-FFF2-40B4-BE49-F238E27FC236}">
-                <a16:creationId xmlns:a16="http://schemas.microsoft.com/office/drawing/2014/main" id="{85A9A713-58B8-42D9-A07F-26BB899383D3}"/>
-              </a:ext>
-            </a:extLst>
-          </p:cNvPr>
+          <p:cNvPr id="5" name="Date Placeholder 4"/>
           <p:cNvSpPr>
             <a:spLocks noGrp="1"/>
           </p:cNvSpPr>
@@ -2675,13 +4574,7 @@
       </p:sp>
       <p:sp>
         <p:nvSpPr>
-          <p:cNvPr id="6" name="Pladsholder til sidefod 5">
-            <a:extLst>
-              <a:ext uri="{FF2B5EF4-FFF2-40B4-BE49-F238E27FC236}">
-                <a16:creationId xmlns:a16="http://schemas.microsoft.com/office/drawing/2014/main" id="{D808B847-F399-40F9-9776-1E4E32735EEA}"/>
-              </a:ext>
-            </a:extLst>
-          </p:cNvPr>
+          <p:cNvPr id="6" name="Footer Placeholder 5"/>
           <p:cNvSpPr>
             <a:spLocks noGrp="1"/>
           </p:cNvSpPr>
@@ -2700,13 +4593,7 @@
       </p:sp>
       <p:sp>
         <p:nvSpPr>
-          <p:cNvPr id="7" name="Pladsholder til slidenummer 6">
-            <a:extLst>
-              <a:ext uri="{FF2B5EF4-FFF2-40B4-BE49-F238E27FC236}">
-                <a16:creationId xmlns:a16="http://schemas.microsoft.com/office/drawing/2014/main" id="{9CAB7889-2035-45A9-BA7E-A61E76BDEAE8}"/>
-              </a:ext>
-            </a:extLst>
-          </p:cNvPr>
+          <p:cNvPr id="7" name="Slide Number Placeholder 6"/>
           <p:cNvSpPr>
             <a:spLocks noGrp="1"/>
           </p:cNvSpPr>
@@ -2730,7 +4617,7 @@
     </p:spTree>
     <p:extLst>
       <p:ext uri="{BB962C8B-B14F-4D97-AF65-F5344CB8AC3E}">
-        <p14:creationId xmlns:p14="http://schemas.microsoft.com/office/powerpoint/2010/main" val="3625393873"/>
+        <p14:creationId xmlns:p14="http://schemas.microsoft.com/office/powerpoint/2010/main" val="3499546895"/>
       </p:ext>
     </p:extLst>
   </p:cSld>
@@ -2762,15 +4649,539 @@
           <a:chExt cx="0" cy="0"/>
         </a:xfrm>
       </p:grpSpPr>
-      <p:sp>
-        <p:nvSpPr>
-          <p:cNvPr id="2" name="Pladsholder til titel 1">
-            <a:extLst>
-              <a:ext uri="{FF2B5EF4-FFF2-40B4-BE49-F238E27FC236}">
-                <a16:creationId xmlns:a16="http://schemas.microsoft.com/office/drawing/2014/main" id="{87798385-AA9E-4941-98BA-39939D7BE91F}"/>
-              </a:ext>
-            </a:extLst>
-          </p:cNvPr>
+      <p:grpSp>
+        <p:nvGrpSpPr>
+          <p:cNvPr id="7" name="Group 6"/>
+          <p:cNvGrpSpPr/>
+          <p:nvPr/>
+        </p:nvGrpSpPr>
+        <p:grpSpPr>
+          <a:xfrm>
+            <a:off x="0" y="-8467"/>
+            <a:ext cx="12192000" cy="6866467"/>
+            <a:chOff x="0" y="-8467"/>
+            <a:chExt cx="12192000" cy="6866467"/>
+          </a:xfrm>
+        </p:grpSpPr>
+        <p:cxnSp>
+          <p:nvCxnSpPr>
+            <p:cNvPr id="20" name="Straight Connector 19"/>
+            <p:cNvCxnSpPr/>
+            <p:nvPr/>
+          </p:nvCxnSpPr>
+          <p:spPr>
+            <a:xfrm>
+              <a:off x="9371012" y="0"/>
+              <a:ext cx="1219200" cy="6858000"/>
+            </a:xfrm>
+            <a:prstGeom prst="line">
+              <a:avLst/>
+            </a:prstGeom>
+            <a:ln w="9525">
+              <a:solidFill>
+                <a:schemeClr val="bg1">
+                  <a:lumMod val="75000"/>
+                </a:schemeClr>
+              </a:solidFill>
+            </a:ln>
+          </p:spPr>
+          <p:style>
+            <a:lnRef idx="2">
+              <a:schemeClr val="accent1"/>
+            </a:lnRef>
+            <a:fillRef idx="0">
+              <a:schemeClr val="accent1"/>
+            </a:fillRef>
+            <a:effectRef idx="1">
+              <a:schemeClr val="accent1"/>
+            </a:effectRef>
+            <a:fontRef idx="minor">
+              <a:schemeClr val="tx1"/>
+            </a:fontRef>
+          </p:style>
+        </p:cxnSp>
+        <p:cxnSp>
+          <p:nvCxnSpPr>
+            <p:cNvPr id="21" name="Straight Connector 20"/>
+            <p:cNvCxnSpPr/>
+            <p:nvPr/>
+          </p:nvCxnSpPr>
+          <p:spPr>
+            <a:xfrm flipH="1">
+              <a:off x="7425267" y="3681413"/>
+              <a:ext cx="4763558" cy="3176587"/>
+            </a:xfrm>
+            <a:prstGeom prst="line">
+              <a:avLst/>
+            </a:prstGeom>
+            <a:ln w="9525">
+              <a:solidFill>
+                <a:schemeClr val="bg1">
+                  <a:lumMod val="85000"/>
+                </a:schemeClr>
+              </a:solidFill>
+            </a:ln>
+          </p:spPr>
+          <p:style>
+            <a:lnRef idx="2">
+              <a:schemeClr val="accent1"/>
+            </a:lnRef>
+            <a:fillRef idx="0">
+              <a:schemeClr val="accent1"/>
+            </a:fillRef>
+            <a:effectRef idx="1">
+              <a:schemeClr val="accent1"/>
+            </a:effectRef>
+            <a:fontRef idx="minor">
+              <a:schemeClr val="tx1"/>
+            </a:fontRef>
+          </p:style>
+        </p:cxnSp>
+        <p:sp>
+          <p:nvSpPr>
+            <p:cNvPr id="22" name="Rectangle 23"/>
+            <p:cNvSpPr/>
+            <p:nvPr/>
+          </p:nvSpPr>
+          <p:spPr>
+            <a:xfrm>
+              <a:off x="9181476" y="-8467"/>
+              <a:ext cx="3007349" cy="6866467"/>
+            </a:xfrm>
+            <a:custGeom>
+              <a:avLst/>
+              <a:gdLst/>
+              <a:ahLst/>
+              <a:cxnLst/>
+              <a:rect l="l" t="t" r="r" b="b"/>
+              <a:pathLst>
+                <a:path w="3007349" h="6866467">
+                  <a:moveTo>
+                    <a:pt x="2045532" y="0"/>
+                  </a:moveTo>
+                  <a:lnTo>
+                    <a:pt x="3007349" y="0"/>
+                  </a:lnTo>
+                  <a:lnTo>
+                    <a:pt x="3007349" y="6866467"/>
+                  </a:lnTo>
+                  <a:lnTo>
+                    <a:pt x="0" y="6866467"/>
+                  </a:lnTo>
+                  <a:lnTo>
+                    <a:pt x="2045532" y="0"/>
+                  </a:lnTo>
+                  <a:close/>
+                </a:path>
+              </a:pathLst>
+            </a:custGeom>
+            <a:solidFill>
+              <a:schemeClr val="accent1">
+                <a:alpha val="30000"/>
+              </a:schemeClr>
+            </a:solidFill>
+            <a:ln>
+              <a:noFill/>
+            </a:ln>
+            <a:effectLst/>
+          </p:spPr>
+          <p:style>
+            <a:lnRef idx="1">
+              <a:schemeClr val="accent1"/>
+            </a:lnRef>
+            <a:fillRef idx="3">
+              <a:schemeClr val="accent1"/>
+            </a:fillRef>
+            <a:effectRef idx="2">
+              <a:schemeClr val="accent1"/>
+            </a:effectRef>
+            <a:fontRef idx="minor">
+              <a:schemeClr val="lt1"/>
+            </a:fontRef>
+          </p:style>
+        </p:sp>
+        <p:sp>
+          <p:nvSpPr>
+            <p:cNvPr id="23" name="Rectangle 25"/>
+            <p:cNvSpPr/>
+            <p:nvPr/>
+          </p:nvSpPr>
+          <p:spPr>
+            <a:xfrm>
+              <a:off x="9603442" y="-8467"/>
+              <a:ext cx="2588558" cy="6866467"/>
+            </a:xfrm>
+            <a:custGeom>
+              <a:avLst/>
+              <a:gdLst/>
+              <a:ahLst/>
+              <a:cxnLst/>
+              <a:rect l="l" t="t" r="r" b="b"/>
+              <a:pathLst>
+                <a:path w="2573311" h="6866467">
+                  <a:moveTo>
+                    <a:pt x="0" y="0"/>
+                  </a:moveTo>
+                  <a:lnTo>
+                    <a:pt x="2573311" y="0"/>
+                  </a:lnTo>
+                  <a:lnTo>
+                    <a:pt x="2573311" y="6866467"/>
+                  </a:lnTo>
+                  <a:lnTo>
+                    <a:pt x="1202336" y="6866467"/>
+                  </a:lnTo>
+                  <a:lnTo>
+                    <a:pt x="0" y="0"/>
+                  </a:lnTo>
+                  <a:close/>
+                </a:path>
+              </a:pathLst>
+            </a:custGeom>
+            <a:solidFill>
+              <a:schemeClr val="accent1">
+                <a:alpha val="20000"/>
+              </a:schemeClr>
+            </a:solidFill>
+            <a:ln>
+              <a:noFill/>
+            </a:ln>
+            <a:effectLst/>
+          </p:spPr>
+          <p:style>
+            <a:lnRef idx="1">
+              <a:schemeClr val="accent1"/>
+            </a:lnRef>
+            <a:fillRef idx="3">
+              <a:schemeClr val="accent1"/>
+            </a:fillRef>
+            <a:effectRef idx="2">
+              <a:schemeClr val="accent1"/>
+            </a:effectRef>
+            <a:fontRef idx="minor">
+              <a:schemeClr val="lt1"/>
+            </a:fontRef>
+          </p:style>
+        </p:sp>
+        <p:sp>
+          <p:nvSpPr>
+            <p:cNvPr id="24" name="Isosceles Triangle 23"/>
+            <p:cNvSpPr/>
+            <p:nvPr/>
+          </p:nvSpPr>
+          <p:spPr>
+            <a:xfrm>
+              <a:off x="8932333" y="3048000"/>
+              <a:ext cx="3259667" cy="3810000"/>
+            </a:xfrm>
+            <a:prstGeom prst="triangle">
+              <a:avLst>
+                <a:gd name="adj" fmla="val 100000"/>
+              </a:avLst>
+            </a:prstGeom>
+            <a:solidFill>
+              <a:schemeClr val="accent2">
+                <a:alpha val="72000"/>
+              </a:schemeClr>
+            </a:solidFill>
+            <a:ln>
+              <a:noFill/>
+            </a:ln>
+            <a:effectLst/>
+          </p:spPr>
+          <p:style>
+            <a:lnRef idx="1">
+              <a:schemeClr val="accent1"/>
+            </a:lnRef>
+            <a:fillRef idx="3">
+              <a:schemeClr val="accent1"/>
+            </a:fillRef>
+            <a:effectRef idx="2">
+              <a:schemeClr val="accent1"/>
+            </a:effectRef>
+            <a:fontRef idx="minor">
+              <a:schemeClr val="lt1"/>
+            </a:fontRef>
+          </p:style>
+        </p:sp>
+        <p:sp>
+          <p:nvSpPr>
+            <p:cNvPr id="25" name="Rectangle 27"/>
+            <p:cNvSpPr/>
+            <p:nvPr/>
+          </p:nvSpPr>
+          <p:spPr>
+            <a:xfrm>
+              <a:off x="9334500" y="-8467"/>
+              <a:ext cx="2854326" cy="6866467"/>
+            </a:xfrm>
+            <a:custGeom>
+              <a:avLst/>
+              <a:gdLst/>
+              <a:ahLst/>
+              <a:cxnLst/>
+              <a:rect l="l" t="t" r="r" b="b"/>
+              <a:pathLst>
+                <a:path w="2858013" h="6866467">
+                  <a:moveTo>
+                    <a:pt x="0" y="0"/>
+                  </a:moveTo>
+                  <a:lnTo>
+                    <a:pt x="2858013" y="0"/>
+                  </a:lnTo>
+                  <a:lnTo>
+                    <a:pt x="2858013" y="6866467"/>
+                  </a:lnTo>
+                  <a:lnTo>
+                    <a:pt x="2473942" y="6866467"/>
+                  </a:lnTo>
+                  <a:lnTo>
+                    <a:pt x="0" y="0"/>
+                  </a:lnTo>
+                  <a:close/>
+                </a:path>
+              </a:pathLst>
+            </a:custGeom>
+            <a:solidFill>
+              <a:schemeClr val="accent2">
+                <a:lumMod val="75000"/>
+                <a:alpha val="70000"/>
+              </a:schemeClr>
+            </a:solidFill>
+            <a:ln>
+              <a:noFill/>
+            </a:ln>
+            <a:effectLst/>
+          </p:spPr>
+          <p:style>
+            <a:lnRef idx="1">
+              <a:schemeClr val="accent1"/>
+            </a:lnRef>
+            <a:fillRef idx="3">
+              <a:schemeClr val="accent1"/>
+            </a:fillRef>
+            <a:effectRef idx="2">
+              <a:schemeClr val="accent1"/>
+            </a:effectRef>
+            <a:fontRef idx="minor">
+              <a:schemeClr val="lt1"/>
+            </a:fontRef>
+          </p:style>
+        </p:sp>
+        <p:sp>
+          <p:nvSpPr>
+            <p:cNvPr id="26" name="Rectangle 28"/>
+            <p:cNvSpPr/>
+            <p:nvPr/>
+          </p:nvSpPr>
+          <p:spPr>
+            <a:xfrm>
+              <a:off x="10898730" y="-8467"/>
+              <a:ext cx="1290094" cy="6866467"/>
+            </a:xfrm>
+            <a:custGeom>
+              <a:avLst/>
+              <a:gdLst/>
+              <a:ahLst/>
+              <a:cxnLst/>
+              <a:rect l="l" t="t" r="r" b="b"/>
+              <a:pathLst>
+                <a:path w="1290094" h="6858000">
+                  <a:moveTo>
+                    <a:pt x="1019735" y="0"/>
+                  </a:moveTo>
+                  <a:lnTo>
+                    <a:pt x="1290094" y="0"/>
+                  </a:lnTo>
+                  <a:lnTo>
+                    <a:pt x="1290094" y="6858000"/>
+                  </a:lnTo>
+                  <a:lnTo>
+                    <a:pt x="0" y="6858000"/>
+                  </a:lnTo>
+                  <a:lnTo>
+                    <a:pt x="1019735" y="0"/>
+                  </a:lnTo>
+                  <a:close/>
+                </a:path>
+              </a:pathLst>
+            </a:custGeom>
+            <a:solidFill>
+              <a:schemeClr val="accent1">
+                <a:lumMod val="60000"/>
+                <a:lumOff val="40000"/>
+                <a:alpha val="70000"/>
+              </a:schemeClr>
+            </a:solidFill>
+            <a:ln>
+              <a:noFill/>
+            </a:ln>
+            <a:effectLst/>
+          </p:spPr>
+          <p:style>
+            <a:lnRef idx="1">
+              <a:schemeClr val="accent1"/>
+            </a:lnRef>
+            <a:fillRef idx="3">
+              <a:schemeClr val="accent1"/>
+            </a:fillRef>
+            <a:effectRef idx="2">
+              <a:schemeClr val="accent1"/>
+            </a:effectRef>
+            <a:fontRef idx="minor">
+              <a:schemeClr val="lt1"/>
+            </a:fontRef>
+          </p:style>
+        </p:sp>
+        <p:sp>
+          <p:nvSpPr>
+            <p:cNvPr id="27" name="Rectangle 29"/>
+            <p:cNvSpPr/>
+            <p:nvPr/>
+          </p:nvSpPr>
+          <p:spPr>
+            <a:xfrm>
+              <a:off x="10938999" y="-8467"/>
+              <a:ext cx="1249825" cy="6866467"/>
+            </a:xfrm>
+            <a:custGeom>
+              <a:avLst/>
+              <a:gdLst/>
+              <a:ahLst/>
+              <a:cxnLst/>
+              <a:rect l="l" t="t" r="r" b="b"/>
+              <a:pathLst>
+                <a:path w="1249825" h="6858000">
+                  <a:moveTo>
+                    <a:pt x="0" y="0"/>
+                  </a:moveTo>
+                  <a:lnTo>
+                    <a:pt x="1249825" y="0"/>
+                  </a:lnTo>
+                  <a:lnTo>
+                    <a:pt x="1249825" y="6858000"/>
+                  </a:lnTo>
+                  <a:lnTo>
+                    <a:pt x="1109382" y="6858000"/>
+                  </a:lnTo>
+                  <a:lnTo>
+                    <a:pt x="0" y="0"/>
+                  </a:lnTo>
+                  <a:close/>
+                </a:path>
+              </a:pathLst>
+            </a:custGeom>
+            <a:solidFill>
+              <a:schemeClr val="accent1">
+                <a:alpha val="65000"/>
+              </a:schemeClr>
+            </a:solidFill>
+            <a:ln>
+              <a:noFill/>
+            </a:ln>
+            <a:effectLst/>
+          </p:spPr>
+          <p:style>
+            <a:lnRef idx="1">
+              <a:schemeClr val="accent1"/>
+            </a:lnRef>
+            <a:fillRef idx="3">
+              <a:schemeClr val="accent1"/>
+            </a:fillRef>
+            <a:effectRef idx="2">
+              <a:schemeClr val="accent1"/>
+            </a:effectRef>
+            <a:fontRef idx="minor">
+              <a:schemeClr val="lt1"/>
+            </a:fontRef>
+          </p:style>
+        </p:sp>
+        <p:sp>
+          <p:nvSpPr>
+            <p:cNvPr id="28" name="Isosceles Triangle 27"/>
+            <p:cNvSpPr/>
+            <p:nvPr/>
+          </p:nvSpPr>
+          <p:spPr>
+            <a:xfrm>
+              <a:off x="10371666" y="3589867"/>
+              <a:ext cx="1817159" cy="3268133"/>
+            </a:xfrm>
+            <a:prstGeom prst="triangle">
+              <a:avLst>
+                <a:gd name="adj" fmla="val 100000"/>
+              </a:avLst>
+            </a:prstGeom>
+            <a:solidFill>
+              <a:schemeClr val="accent1">
+                <a:alpha val="80000"/>
+              </a:schemeClr>
+            </a:solidFill>
+            <a:ln>
+              <a:noFill/>
+            </a:ln>
+            <a:effectLst/>
+          </p:spPr>
+          <p:style>
+            <a:lnRef idx="1">
+              <a:schemeClr val="accent1"/>
+            </a:lnRef>
+            <a:fillRef idx="3">
+              <a:schemeClr val="accent1"/>
+            </a:fillRef>
+            <a:effectRef idx="2">
+              <a:schemeClr val="accent1"/>
+            </a:effectRef>
+            <a:fontRef idx="minor">
+              <a:schemeClr val="lt1"/>
+            </a:fontRef>
+          </p:style>
+        </p:sp>
+        <p:sp>
+          <p:nvSpPr>
+            <p:cNvPr id="29" name="Isosceles Triangle 28"/>
+            <p:cNvSpPr/>
+            <p:nvPr/>
+          </p:nvSpPr>
+          <p:spPr>
+            <a:xfrm>
+              <a:off x="0" y="4013200"/>
+              <a:ext cx="448733" cy="2844800"/>
+            </a:xfrm>
+            <a:prstGeom prst="triangle">
+              <a:avLst>
+                <a:gd name="adj" fmla="val 0"/>
+              </a:avLst>
+            </a:prstGeom>
+            <a:solidFill>
+              <a:schemeClr val="accent1">
+                <a:alpha val="85000"/>
+              </a:schemeClr>
+            </a:solidFill>
+            <a:ln>
+              <a:noFill/>
+            </a:ln>
+            <a:effectLst/>
+          </p:spPr>
+          <p:style>
+            <a:lnRef idx="1">
+              <a:schemeClr val="accent1"/>
+            </a:lnRef>
+            <a:fillRef idx="3">
+              <a:schemeClr val="accent1"/>
+            </a:fillRef>
+            <a:effectRef idx="2">
+              <a:schemeClr val="accent1"/>
+            </a:effectRef>
+            <a:fontRef idx="minor">
+              <a:schemeClr val="lt1"/>
+            </a:fontRef>
+          </p:style>
+        </p:sp>
+      </p:grpSp>
+      <p:sp>
+        <p:nvSpPr>
+          <p:cNvPr id="2" name="Title Placeholder 1"/>
           <p:cNvSpPr>
             <a:spLocks noGrp="1"/>
           </p:cNvSpPr>
@@ -2780,15 +5191,15 @@
         </p:nvSpPr>
         <p:spPr>
           <a:xfrm>
-            <a:off x="838200" y="365125"/>
-            <a:ext cx="10515600" cy="1325563"/>
+            <a:off x="677334" y="609600"/>
+            <a:ext cx="8596668" cy="1320800"/>
           </a:xfrm>
           <a:prstGeom prst="rect">
             <a:avLst/>
           </a:prstGeom>
         </p:spPr>
         <p:txBody>
-          <a:bodyPr vert="horz" lIns="91440" tIns="45720" rIns="91440" bIns="45720" rtlCol="0" anchor="ctr">
+          <a:bodyPr vert="horz" lIns="91440" tIns="45720" rIns="91440" bIns="45720" rtlCol="0" anchor="t">
             <a:normAutofit/>
           </a:bodyPr>
           <a:lstStyle/>
@@ -2797,18 +5208,13 @@
               <a:rPr lang="da-DK"/>
               <a:t>Klik for at redigere titeltypografien i masteren</a:t>
             </a:r>
-          </a:p>
-        </p:txBody>
-      </p:sp>
-      <p:sp>
-        <p:nvSpPr>
-          <p:cNvPr id="3" name="Pladsholder til tekst 2">
-            <a:extLst>
-              <a:ext uri="{FF2B5EF4-FFF2-40B4-BE49-F238E27FC236}">
-                <a16:creationId xmlns:a16="http://schemas.microsoft.com/office/drawing/2014/main" id="{52365FDF-EFB4-410E-B330-C4955074665D}"/>
-              </a:ext>
-            </a:extLst>
-          </p:cNvPr>
+            <a:endParaRPr lang="en-US" dirty="0"/>
+          </a:p>
+        </p:txBody>
+      </p:sp>
+      <p:sp>
+        <p:nvSpPr>
+          <p:cNvPr id="3" name="Text Placeholder 2"/>
           <p:cNvSpPr>
             <a:spLocks noGrp="1"/>
           </p:cNvSpPr>
@@ -2818,8 +5224,8 @@
         </p:nvSpPr>
         <p:spPr>
           <a:xfrm>
-            <a:off x="838200" y="1825625"/>
-            <a:ext cx="10515600" cy="4351338"/>
+            <a:off x="677334" y="2160589"/>
+            <a:ext cx="8596668" cy="3880773"/>
           </a:xfrm>
           <a:prstGeom prst="rect">
             <a:avLst/>
@@ -2864,18 +5270,13 @@
               <a:rPr lang="da-DK"/>
               <a:t>Femte niveau</a:t>
             </a:r>
-          </a:p>
-        </p:txBody>
-      </p:sp>
-      <p:sp>
-        <p:nvSpPr>
-          <p:cNvPr id="4" name="Pladsholder til dato 3">
-            <a:extLst>
-              <a:ext uri="{FF2B5EF4-FFF2-40B4-BE49-F238E27FC236}">
-                <a16:creationId xmlns:a16="http://schemas.microsoft.com/office/drawing/2014/main" id="{756FA532-306C-40A7-A72E-24CEA0E8FADE}"/>
-              </a:ext>
-            </a:extLst>
-          </p:cNvPr>
+            <a:endParaRPr lang="en-US" dirty="0"/>
+          </a:p>
+        </p:txBody>
+      </p:sp>
+      <p:sp>
+        <p:nvSpPr>
+          <p:cNvPr id="4" name="Date Placeholder 3"/>
           <p:cNvSpPr>
             <a:spLocks noGrp="1"/>
           </p:cNvSpPr>
@@ -2885,8 +5286,8 @@
         </p:nvSpPr>
         <p:spPr>
           <a:xfrm>
-            <a:off x="838200" y="6356350"/>
-            <a:ext cx="2743200" cy="365125"/>
+            <a:off x="7205133" y="6041362"/>
+            <a:ext cx="911939" cy="365125"/>
           </a:xfrm>
           <a:prstGeom prst="rect">
             <a:avLst/>
@@ -2895,8 +5296,8 @@
         <p:txBody>
           <a:bodyPr vert="horz" lIns="91440" tIns="45720" rIns="91440" bIns="45720" rtlCol="0" anchor="ctr"/>
           <a:lstStyle>
-            <a:lvl1pPr algn="l">
-              <a:defRPr sz="1200">
+            <a:lvl1pPr algn="r">
+              <a:defRPr sz="900">
                 <a:solidFill>
                   <a:schemeClr val="tx1">
                     <a:tint val="75000"/>
@@ -2916,13 +5317,7 @@
       </p:sp>
       <p:sp>
         <p:nvSpPr>
-          <p:cNvPr id="5" name="Pladsholder til sidefod 4">
-            <a:extLst>
-              <a:ext uri="{FF2B5EF4-FFF2-40B4-BE49-F238E27FC236}">
-                <a16:creationId xmlns:a16="http://schemas.microsoft.com/office/drawing/2014/main" id="{49740200-BDB6-4B50-9C3F-50EC5D4127ED}"/>
-              </a:ext>
-            </a:extLst>
-          </p:cNvPr>
+          <p:cNvPr id="5" name="Footer Placeholder 4"/>
           <p:cNvSpPr>
             <a:spLocks noGrp="1"/>
           </p:cNvSpPr>
@@ -2932,8 +5327,8 @@
         </p:nvSpPr>
         <p:spPr>
           <a:xfrm>
-            <a:off x="4038600" y="6356350"/>
-            <a:ext cx="4114800" cy="365125"/>
+            <a:off x="677334" y="6041362"/>
+            <a:ext cx="6297612" cy="365125"/>
           </a:xfrm>
           <a:prstGeom prst="rect">
             <a:avLst/>
@@ -2942,8 +5337,8 @@
         <p:txBody>
           <a:bodyPr vert="horz" lIns="91440" tIns="45720" rIns="91440" bIns="45720" rtlCol="0" anchor="ctr"/>
           <a:lstStyle>
-            <a:lvl1pPr algn="ctr">
-              <a:defRPr sz="1200">
+            <a:lvl1pPr algn="l">
+              <a:defRPr sz="900">
                 <a:solidFill>
                   <a:schemeClr val="tx1">
                     <a:tint val="75000"/>
@@ -2959,13 +5354,7 @@
       </p:sp>
       <p:sp>
         <p:nvSpPr>
-          <p:cNvPr id="6" name="Pladsholder til slidenummer 5">
-            <a:extLst>
-              <a:ext uri="{FF2B5EF4-FFF2-40B4-BE49-F238E27FC236}">
-                <a16:creationId xmlns:a16="http://schemas.microsoft.com/office/drawing/2014/main" id="{F5FF075A-E855-40DF-84EE-3EE22FF56113}"/>
-              </a:ext>
-            </a:extLst>
-          </p:cNvPr>
+          <p:cNvPr id="6" name="Slide Number Placeholder 5"/>
           <p:cNvSpPr>
             <a:spLocks noGrp="1"/>
           </p:cNvSpPr>
@@ -2975,8 +5364,8 @@
         </p:nvSpPr>
         <p:spPr>
           <a:xfrm>
-            <a:off x="8610600" y="6356350"/>
-            <a:ext cx="2743200" cy="365125"/>
+            <a:off x="8590663" y="6041362"/>
+            <a:ext cx="683339" cy="365125"/>
           </a:xfrm>
           <a:prstGeom prst="rect">
             <a:avLst/>
@@ -2986,11 +5375,9 @@
           <a:bodyPr vert="horz" lIns="91440" tIns="45720" rIns="91440" bIns="45720" rtlCol="0" anchor="ctr"/>
           <a:lstStyle>
             <a:lvl1pPr algn="r">
-              <a:defRPr sz="1200">
+              <a:defRPr sz="900">
                 <a:solidFill>
-                  <a:schemeClr val="tx1">
-                    <a:tint val="75000"/>
-                  </a:schemeClr>
+                  <a:schemeClr val="accent1"/>
                 </a:solidFill>
               </a:defRPr>
             </a:lvl1pPr>
@@ -3007,55 +5394,335 @@
     </p:spTree>
     <p:extLst>
       <p:ext uri="{BB962C8B-B14F-4D97-AF65-F5344CB8AC3E}">
-        <p14:creationId xmlns:p14="http://schemas.microsoft.com/office/powerpoint/2010/main" val="4208396409"/>
+        <p14:creationId xmlns:p14="http://schemas.microsoft.com/office/powerpoint/2010/main" val="3905900910"/>
       </p:ext>
     </p:extLst>
   </p:cSld>
   <p:clrMap bg1="lt1" tx1="dk1" bg2="lt2" tx2="dk2" accent1="accent1" accent2="accent2" accent3="accent3" accent4="accent4" accent5="accent5" accent6="accent6" hlink="hlink" folHlink="folHlink"/>
   <p:sldLayoutIdLst>
-    <p:sldLayoutId id="2147483649" r:id="rId1"/>
-    <p:sldLayoutId id="2147483650" r:id="rId2"/>
-    <p:sldLayoutId id="2147483651" r:id="rId3"/>
-    <p:sldLayoutId id="2147483652" r:id="rId4"/>
-    <p:sldLayoutId id="2147483653" r:id="rId5"/>
-    <p:sldLayoutId id="2147483654" r:id="rId6"/>
-    <p:sldLayoutId id="2147483655" r:id="rId7"/>
-    <p:sldLayoutId id="2147483656" r:id="rId8"/>
-    <p:sldLayoutId id="2147483657" r:id="rId9"/>
-    <p:sldLayoutId id="2147483658" r:id="rId10"/>
-    <p:sldLayoutId id="2147483659" r:id="rId11"/>
+    <p:sldLayoutId id="2147483661" r:id="rId1"/>
+    <p:sldLayoutId id="2147483662" r:id="rId2"/>
+    <p:sldLayoutId id="2147483663" r:id="rId3"/>
+    <p:sldLayoutId id="2147483664" r:id="rId4"/>
+    <p:sldLayoutId id="2147483665" r:id="rId5"/>
+    <p:sldLayoutId id="2147483666" r:id="rId6"/>
+    <p:sldLayoutId id="2147483667" r:id="rId7"/>
+    <p:sldLayoutId id="2147483668" r:id="rId8"/>
+    <p:sldLayoutId id="2147483669" r:id="rId9"/>
+    <p:sldLayoutId id="2147483670" r:id="rId10"/>
+    <p:sldLayoutId id="2147483671" r:id="rId11"/>
+    <p:sldLayoutId id="2147483672" r:id="rId12"/>
+    <p:sldLayoutId id="2147483673" r:id="rId13"/>
+    <p:sldLayoutId id="2147483674" r:id="rId14"/>
+    <p:sldLayoutId id="2147483675" r:id="rId15"/>
+    <p:sldLayoutId id="2147483676" r:id="rId16"/>
   </p:sldLayoutIdLst>
   <p:txStyles>
     <p:titleStyle>
-      <a:lvl1pPr algn="l" defTabSz="914400" rtl="0" eaLnBrk="1" latinLnBrk="0" hangingPunct="1">
-        <a:lnSpc>
-          <a:spcPct val="90000"/>
-        </a:lnSpc>
+      <a:lvl1pPr algn="l" defTabSz="457200" rtl="0" eaLnBrk="1" latinLnBrk="0" hangingPunct="1">
         <a:spcBef>
           <a:spcPct val="0"/>
         </a:spcBef>
         <a:buNone/>
-        <a:defRPr sz="4400" kern="1200">
+        <a:defRPr sz="3600" kern="1200">
           <a:solidFill>
-            <a:schemeClr val="tx1"/>
+            <a:schemeClr val="accent1"/>
           </a:solidFill>
           <a:latin typeface="+mj-lt"/>
           <a:ea typeface="+mj-ea"/>
           <a:cs typeface="+mj-cs"/>
         </a:defRPr>
       </a:lvl1pPr>
+      <a:lvl2pPr eaLnBrk="1" hangingPunct="1">
+        <a:defRPr>
+          <a:solidFill>
+            <a:schemeClr val="tx2"/>
+          </a:solidFill>
+        </a:defRPr>
+      </a:lvl2pPr>
+      <a:lvl3pPr eaLnBrk="1" hangingPunct="1">
+        <a:defRPr>
+          <a:solidFill>
+            <a:schemeClr val="tx2"/>
+          </a:solidFill>
+        </a:defRPr>
+      </a:lvl3pPr>
+      <a:lvl4pPr eaLnBrk="1" hangingPunct="1">
+        <a:defRPr>
+          <a:solidFill>
+            <a:schemeClr val="tx2"/>
+          </a:solidFill>
+        </a:defRPr>
+      </a:lvl4pPr>
+      <a:lvl5pPr eaLnBrk="1" hangingPunct="1">
+        <a:defRPr>
+          <a:solidFill>
+            <a:schemeClr val="tx2"/>
+          </a:solidFill>
+        </a:defRPr>
+      </a:lvl5pPr>
+      <a:lvl6pPr eaLnBrk="1" hangingPunct="1">
+        <a:defRPr>
+          <a:solidFill>
+            <a:schemeClr val="tx2"/>
+          </a:solidFill>
+        </a:defRPr>
+      </a:lvl6pPr>
+      <a:lvl7pPr eaLnBrk="1" hangingPunct="1">
+        <a:defRPr>
+          <a:solidFill>
+            <a:schemeClr val="tx2"/>
+          </a:solidFill>
+        </a:defRPr>
+      </a:lvl7pPr>
+      <a:lvl8pPr eaLnBrk="1" hangingPunct="1">
+        <a:defRPr>
+          <a:solidFill>
+            <a:schemeClr val="tx2"/>
+          </a:solidFill>
+        </a:defRPr>
+      </a:lvl8pPr>
+      <a:lvl9pPr eaLnBrk="1" hangingPunct="1">
+        <a:defRPr>
+          <a:solidFill>
+            <a:schemeClr val="tx2"/>
+          </a:solidFill>
+        </a:defRPr>
+      </a:lvl9pPr>
     </p:titleStyle>
     <p:bodyStyle>
-      <a:lvl1pPr marL="228600" indent="-228600" algn="l" defTabSz="914400" rtl="0" eaLnBrk="1" latinLnBrk="0" hangingPunct="1">
-        <a:lnSpc>
-          <a:spcPct val="90000"/>
-        </a:lnSpc>
+      <a:lvl1pPr marL="342900" indent="-342900" algn="l" defTabSz="457200" rtl="0" eaLnBrk="1" latinLnBrk="0" hangingPunct="1">
         <a:spcBef>
           <a:spcPts val="1000"/>
         </a:spcBef>
-        <a:buFont typeface="Arial" panose="020B0604020202020204" pitchFamily="34" charset="0"/>
-        <a:buChar char="•"/>
-        <a:defRPr sz="2800" kern="1200">
+        <a:spcAft>
+          <a:spcPts val="0"/>
+        </a:spcAft>
+        <a:buClr>
+          <a:schemeClr val="accent1"/>
+        </a:buClr>
+        <a:buSzPct val="80000"/>
+        <a:buFont typeface="Wingdings 3" charset="2"/>
+        <a:buChar char=""/>
+        <a:defRPr sz="1800" kern="1200">
+          <a:solidFill>
+            <a:schemeClr val="tx1">
+              <a:lumMod val="75000"/>
+              <a:lumOff val="25000"/>
+            </a:schemeClr>
+          </a:solidFill>
+          <a:latin typeface="+mn-lt"/>
+          <a:ea typeface="+mn-ea"/>
+          <a:cs typeface="+mn-cs"/>
+        </a:defRPr>
+      </a:lvl1pPr>
+      <a:lvl2pPr marL="742950" indent="-285750" algn="l" defTabSz="457200" rtl="0" eaLnBrk="1" latinLnBrk="0" hangingPunct="1">
+        <a:spcBef>
+          <a:spcPts val="1000"/>
+        </a:spcBef>
+        <a:spcAft>
+          <a:spcPts val="0"/>
+        </a:spcAft>
+        <a:buClr>
+          <a:schemeClr val="accent1"/>
+        </a:buClr>
+        <a:buSzPct val="80000"/>
+        <a:buFont typeface="Wingdings 3" charset="2"/>
+        <a:buChar char=""/>
+        <a:defRPr sz="1600" kern="1200">
+          <a:solidFill>
+            <a:schemeClr val="tx1">
+              <a:lumMod val="75000"/>
+              <a:lumOff val="25000"/>
+            </a:schemeClr>
+          </a:solidFill>
+          <a:latin typeface="+mn-lt"/>
+          <a:ea typeface="+mn-ea"/>
+          <a:cs typeface="+mn-cs"/>
+        </a:defRPr>
+      </a:lvl2pPr>
+      <a:lvl3pPr marL="1143000" indent="-228600" algn="l" defTabSz="457200" rtl="0" eaLnBrk="1" latinLnBrk="0" hangingPunct="1">
+        <a:spcBef>
+          <a:spcPts val="1000"/>
+        </a:spcBef>
+        <a:spcAft>
+          <a:spcPts val="0"/>
+        </a:spcAft>
+        <a:buClr>
+          <a:schemeClr val="accent1"/>
+        </a:buClr>
+        <a:buSzPct val="80000"/>
+        <a:buFont typeface="Wingdings 3" charset="2"/>
+        <a:buChar char=""/>
+        <a:defRPr sz="1400" kern="1200">
+          <a:solidFill>
+            <a:schemeClr val="tx1">
+              <a:lumMod val="75000"/>
+              <a:lumOff val="25000"/>
+            </a:schemeClr>
+          </a:solidFill>
+          <a:latin typeface="+mn-lt"/>
+          <a:ea typeface="+mn-ea"/>
+          <a:cs typeface="+mn-cs"/>
+        </a:defRPr>
+      </a:lvl3pPr>
+      <a:lvl4pPr marL="1600200" indent="-228600" algn="l" defTabSz="457200" rtl="0" eaLnBrk="1" latinLnBrk="0" hangingPunct="1">
+        <a:spcBef>
+          <a:spcPts val="1000"/>
+        </a:spcBef>
+        <a:spcAft>
+          <a:spcPts val="0"/>
+        </a:spcAft>
+        <a:buClr>
+          <a:schemeClr val="accent1"/>
+        </a:buClr>
+        <a:buSzPct val="80000"/>
+        <a:buFont typeface="Wingdings 3" charset="2"/>
+        <a:buChar char=""/>
+        <a:defRPr sz="1200" kern="1200">
+          <a:solidFill>
+            <a:schemeClr val="tx1">
+              <a:lumMod val="75000"/>
+              <a:lumOff val="25000"/>
+            </a:schemeClr>
+          </a:solidFill>
+          <a:latin typeface="+mn-lt"/>
+          <a:ea typeface="+mn-ea"/>
+          <a:cs typeface="+mn-cs"/>
+        </a:defRPr>
+      </a:lvl4pPr>
+      <a:lvl5pPr marL="2057400" indent="-228600" algn="l" defTabSz="457200" rtl="0" eaLnBrk="1" latinLnBrk="0" hangingPunct="1">
+        <a:spcBef>
+          <a:spcPts val="1000"/>
+        </a:spcBef>
+        <a:spcAft>
+          <a:spcPts val="0"/>
+        </a:spcAft>
+        <a:buClr>
+          <a:schemeClr val="accent1"/>
+        </a:buClr>
+        <a:buSzPct val="80000"/>
+        <a:buFont typeface="Wingdings 3" charset="2"/>
+        <a:buChar char=""/>
+        <a:defRPr sz="1200" kern="1200">
+          <a:solidFill>
+            <a:schemeClr val="tx1">
+              <a:lumMod val="75000"/>
+              <a:lumOff val="25000"/>
+            </a:schemeClr>
+          </a:solidFill>
+          <a:latin typeface="+mn-lt"/>
+          <a:ea typeface="+mn-ea"/>
+          <a:cs typeface="+mn-cs"/>
+        </a:defRPr>
+      </a:lvl5pPr>
+      <a:lvl6pPr marL="2514600" indent="-228600" algn="l" defTabSz="457200" rtl="0" eaLnBrk="1" latinLnBrk="0" hangingPunct="1">
+        <a:spcBef>
+          <a:spcPts val="1000"/>
+        </a:spcBef>
+        <a:spcAft>
+          <a:spcPts val="0"/>
+        </a:spcAft>
+        <a:buClr>
+          <a:schemeClr val="accent1"/>
+        </a:buClr>
+        <a:buSzPct val="80000"/>
+        <a:buFont typeface="Wingdings 3" charset="2"/>
+        <a:buChar char=""/>
+        <a:defRPr sz="1200" kern="1200">
+          <a:solidFill>
+            <a:schemeClr val="tx1">
+              <a:lumMod val="75000"/>
+              <a:lumOff val="25000"/>
+            </a:schemeClr>
+          </a:solidFill>
+          <a:latin typeface="+mn-lt"/>
+          <a:ea typeface="+mn-ea"/>
+          <a:cs typeface="+mn-cs"/>
+        </a:defRPr>
+      </a:lvl6pPr>
+      <a:lvl7pPr marL="2971800" indent="-228600" algn="l" defTabSz="457200" rtl="0" eaLnBrk="1" latinLnBrk="0" hangingPunct="1">
+        <a:spcBef>
+          <a:spcPts val="1000"/>
+        </a:spcBef>
+        <a:spcAft>
+          <a:spcPts val="0"/>
+        </a:spcAft>
+        <a:buClr>
+          <a:schemeClr val="accent1"/>
+        </a:buClr>
+        <a:buSzPct val="80000"/>
+        <a:buFont typeface="Wingdings 3" charset="2"/>
+        <a:buChar char=""/>
+        <a:defRPr sz="1200" kern="1200">
+          <a:solidFill>
+            <a:schemeClr val="tx1">
+              <a:lumMod val="75000"/>
+              <a:lumOff val="25000"/>
+            </a:schemeClr>
+          </a:solidFill>
+          <a:latin typeface="+mn-lt"/>
+          <a:ea typeface="+mn-ea"/>
+          <a:cs typeface="+mn-cs"/>
+        </a:defRPr>
+      </a:lvl7pPr>
+      <a:lvl8pPr marL="3429000" indent="-228600" algn="l" defTabSz="457200" rtl="0" eaLnBrk="1" latinLnBrk="0" hangingPunct="1">
+        <a:spcBef>
+          <a:spcPts val="1000"/>
+        </a:spcBef>
+        <a:spcAft>
+          <a:spcPts val="0"/>
+        </a:spcAft>
+        <a:buClr>
+          <a:schemeClr val="accent1"/>
+        </a:buClr>
+        <a:buSzPct val="80000"/>
+        <a:buFont typeface="Wingdings 3" charset="2"/>
+        <a:buChar char=""/>
+        <a:defRPr sz="1200" kern="1200">
+          <a:solidFill>
+            <a:schemeClr val="tx1">
+              <a:lumMod val="75000"/>
+              <a:lumOff val="25000"/>
+            </a:schemeClr>
+          </a:solidFill>
+          <a:latin typeface="+mn-lt"/>
+          <a:ea typeface="+mn-ea"/>
+          <a:cs typeface="+mn-cs"/>
+        </a:defRPr>
+      </a:lvl8pPr>
+      <a:lvl9pPr marL="3886200" indent="-228600" algn="l" defTabSz="457200" rtl="0" eaLnBrk="1" latinLnBrk="0" hangingPunct="1">
+        <a:spcBef>
+          <a:spcPts val="1000"/>
+        </a:spcBef>
+        <a:spcAft>
+          <a:spcPts val="0"/>
+        </a:spcAft>
+        <a:buClr>
+          <a:schemeClr val="accent1"/>
+        </a:buClr>
+        <a:buSzPct val="80000"/>
+        <a:buFont typeface="Wingdings 3" charset="2"/>
+        <a:buChar char=""/>
+        <a:defRPr sz="1200" kern="1200">
+          <a:solidFill>
+            <a:schemeClr val="tx1">
+              <a:lumMod val="75000"/>
+              <a:lumOff val="25000"/>
+            </a:schemeClr>
+          </a:solidFill>
+          <a:latin typeface="+mn-lt"/>
+          <a:ea typeface="+mn-ea"/>
+          <a:cs typeface="+mn-cs"/>
+        </a:defRPr>
+      </a:lvl9pPr>
+    </p:bodyStyle>
+    <p:otherStyle>
+      <a:defPPr>
+        <a:defRPr lang="en-US"/>
+      </a:defPPr>
+      <a:lvl1pPr marL="0" algn="l" defTabSz="457200" rtl="0" eaLnBrk="1" latinLnBrk="0" hangingPunct="1">
+        <a:defRPr sz="1800" kern="1200">
           <a:solidFill>
             <a:schemeClr val="tx1"/>
           </a:solidFill>
@@ -3064,16 +5731,8 @@
           <a:cs typeface="+mn-cs"/>
         </a:defRPr>
       </a:lvl1pPr>
-      <a:lvl2pPr marL="685800" indent="-228600" algn="l" defTabSz="914400" rtl="0" eaLnBrk="1" latinLnBrk="0" hangingPunct="1">
-        <a:lnSpc>
-          <a:spcPct val="90000"/>
-        </a:lnSpc>
-        <a:spcBef>
-          <a:spcPts val="500"/>
-        </a:spcBef>
-        <a:buFont typeface="Arial" panose="020B0604020202020204" pitchFamily="34" charset="0"/>
-        <a:buChar char="•"/>
-        <a:defRPr sz="2400" kern="1200">
+      <a:lvl2pPr marL="457200" algn="l" defTabSz="457200" rtl="0" eaLnBrk="1" latinLnBrk="0" hangingPunct="1">
+        <a:defRPr sz="1800" kern="1200">
           <a:solidFill>
             <a:schemeClr val="tx1"/>
           </a:solidFill>
@@ -3082,16 +5741,8 @@
           <a:cs typeface="+mn-cs"/>
         </a:defRPr>
       </a:lvl2pPr>
-      <a:lvl3pPr marL="1143000" indent="-228600" algn="l" defTabSz="914400" rtl="0" eaLnBrk="1" latinLnBrk="0" hangingPunct="1">
-        <a:lnSpc>
-          <a:spcPct val="90000"/>
-        </a:lnSpc>
-        <a:spcBef>
-          <a:spcPts val="500"/>
-        </a:spcBef>
-        <a:buFont typeface="Arial" panose="020B0604020202020204" pitchFamily="34" charset="0"/>
-        <a:buChar char="•"/>
-        <a:defRPr sz="2000" kern="1200">
+      <a:lvl3pPr marL="914400" algn="l" defTabSz="457200" rtl="0" eaLnBrk="1" latinLnBrk="0" hangingPunct="1">
+        <a:defRPr sz="1800" kern="1200">
           <a:solidFill>
             <a:schemeClr val="tx1"/>
           </a:solidFill>
@@ -3100,15 +5751,7 @@
           <a:cs typeface="+mn-cs"/>
         </a:defRPr>
       </a:lvl3pPr>
-      <a:lvl4pPr marL="1600200" indent="-228600" algn="l" defTabSz="914400" rtl="0" eaLnBrk="1" latinLnBrk="0" hangingPunct="1">
-        <a:lnSpc>
-          <a:spcPct val="90000"/>
-        </a:lnSpc>
-        <a:spcBef>
-          <a:spcPts val="500"/>
-        </a:spcBef>
-        <a:buFont typeface="Arial" panose="020B0604020202020204" pitchFamily="34" charset="0"/>
-        <a:buChar char="•"/>
+      <a:lvl4pPr marL="1371600" algn="l" defTabSz="457200" rtl="0" eaLnBrk="1" latinLnBrk="0" hangingPunct="1">
         <a:defRPr sz="1800" kern="1200">
           <a:solidFill>
             <a:schemeClr val="tx1"/>
@@ -3118,15 +5761,7 @@
           <a:cs typeface="+mn-cs"/>
         </a:defRPr>
       </a:lvl4pPr>
-      <a:lvl5pPr marL="2057400" indent="-228600" algn="l" defTabSz="914400" rtl="0" eaLnBrk="1" latinLnBrk="0" hangingPunct="1">
-        <a:lnSpc>
-          <a:spcPct val="90000"/>
-        </a:lnSpc>
-        <a:spcBef>
-          <a:spcPts val="500"/>
-        </a:spcBef>
-        <a:buFont typeface="Arial" panose="020B0604020202020204" pitchFamily="34" charset="0"/>
-        <a:buChar char="•"/>
+      <a:lvl5pPr marL="1828800" algn="l" defTabSz="457200" rtl="0" eaLnBrk="1" latinLnBrk="0" hangingPunct="1">
         <a:defRPr sz="1800" kern="1200">
           <a:solidFill>
             <a:schemeClr val="tx1"/>
@@ -3136,15 +5771,7 @@
           <a:cs typeface="+mn-cs"/>
         </a:defRPr>
       </a:lvl5pPr>
-      <a:lvl6pPr marL="2514600" indent="-228600" algn="l" defTabSz="914400" rtl="0" eaLnBrk="1" latinLnBrk="0" hangingPunct="1">
-        <a:lnSpc>
-          <a:spcPct val="90000"/>
-        </a:lnSpc>
-        <a:spcBef>
-          <a:spcPts val="500"/>
-        </a:spcBef>
-        <a:buFont typeface="Arial" panose="020B0604020202020204" pitchFamily="34" charset="0"/>
-        <a:buChar char="•"/>
+      <a:lvl6pPr marL="2286000" algn="l" defTabSz="457200" rtl="0" eaLnBrk="1" latinLnBrk="0" hangingPunct="1">
         <a:defRPr sz="1800" kern="1200">
           <a:solidFill>
             <a:schemeClr val="tx1"/>
@@ -3154,15 +5781,7 @@
           <a:cs typeface="+mn-cs"/>
         </a:defRPr>
       </a:lvl6pPr>
-      <a:lvl7pPr marL="2971800" indent="-228600" algn="l" defTabSz="914400" rtl="0" eaLnBrk="1" latinLnBrk="0" hangingPunct="1">
-        <a:lnSpc>
-          <a:spcPct val="90000"/>
-        </a:lnSpc>
-        <a:spcBef>
-          <a:spcPts val="500"/>
-        </a:spcBef>
-        <a:buFont typeface="Arial" panose="020B0604020202020204" pitchFamily="34" charset="0"/>
-        <a:buChar char="•"/>
+      <a:lvl7pPr marL="2743200" algn="l" defTabSz="457200" rtl="0" eaLnBrk="1" latinLnBrk="0" hangingPunct="1">
         <a:defRPr sz="1800" kern="1200">
           <a:solidFill>
             <a:schemeClr val="tx1"/>
@@ -3172,15 +5791,7 @@
           <a:cs typeface="+mn-cs"/>
         </a:defRPr>
       </a:lvl7pPr>
-      <a:lvl8pPr marL="3429000" indent="-228600" algn="l" defTabSz="914400" rtl="0" eaLnBrk="1" latinLnBrk="0" hangingPunct="1">
-        <a:lnSpc>
-          <a:spcPct val="90000"/>
-        </a:lnSpc>
-        <a:spcBef>
-          <a:spcPts val="500"/>
-        </a:spcBef>
-        <a:buFont typeface="Arial" panose="020B0604020202020204" pitchFamily="34" charset="0"/>
-        <a:buChar char="•"/>
+      <a:lvl8pPr marL="3200400" algn="l" defTabSz="457200" rtl="0" eaLnBrk="1" latinLnBrk="0" hangingPunct="1">
         <a:defRPr sz="1800" kern="1200">
           <a:solidFill>
             <a:schemeClr val="tx1"/>
@@ -3190,110 +5801,7 @@
           <a:cs typeface="+mn-cs"/>
         </a:defRPr>
       </a:lvl8pPr>
-      <a:lvl9pPr marL="3886200" indent="-228600" algn="l" defTabSz="914400" rtl="0" eaLnBrk="1" latinLnBrk="0" hangingPunct="1">
-        <a:lnSpc>
-          <a:spcPct val="90000"/>
-        </a:lnSpc>
-        <a:spcBef>
-          <a:spcPts val="500"/>
-        </a:spcBef>
-        <a:buFont typeface="Arial" panose="020B0604020202020204" pitchFamily="34" charset="0"/>
-        <a:buChar char="•"/>
-        <a:defRPr sz="1800" kern="1200">
-          <a:solidFill>
-            <a:schemeClr val="tx1"/>
-          </a:solidFill>
-          <a:latin typeface="+mn-lt"/>
-          <a:ea typeface="+mn-ea"/>
-          <a:cs typeface="+mn-cs"/>
-        </a:defRPr>
-      </a:lvl9pPr>
-    </p:bodyStyle>
-    <p:otherStyle>
-      <a:defPPr>
-        <a:defRPr lang="da-DK"/>
-      </a:defPPr>
-      <a:lvl1pPr marL="0" algn="l" defTabSz="914400" rtl="0" eaLnBrk="1" latinLnBrk="0" hangingPunct="1">
-        <a:defRPr sz="1800" kern="1200">
-          <a:solidFill>
-            <a:schemeClr val="tx1"/>
-          </a:solidFill>
-          <a:latin typeface="+mn-lt"/>
-          <a:ea typeface="+mn-ea"/>
-          <a:cs typeface="+mn-cs"/>
-        </a:defRPr>
-      </a:lvl1pPr>
-      <a:lvl2pPr marL="457200" algn="l" defTabSz="914400" rtl="0" eaLnBrk="1" latinLnBrk="0" hangingPunct="1">
-        <a:defRPr sz="1800" kern="1200">
-          <a:solidFill>
-            <a:schemeClr val="tx1"/>
-          </a:solidFill>
-          <a:latin typeface="+mn-lt"/>
-          <a:ea typeface="+mn-ea"/>
-          <a:cs typeface="+mn-cs"/>
-        </a:defRPr>
-      </a:lvl2pPr>
-      <a:lvl3pPr marL="914400" algn="l" defTabSz="914400" rtl="0" eaLnBrk="1" latinLnBrk="0" hangingPunct="1">
-        <a:defRPr sz="1800" kern="1200">
-          <a:solidFill>
-            <a:schemeClr val="tx1"/>
-          </a:solidFill>
-          <a:latin typeface="+mn-lt"/>
-          <a:ea typeface="+mn-ea"/>
-          <a:cs typeface="+mn-cs"/>
-        </a:defRPr>
-      </a:lvl3pPr>
-      <a:lvl4pPr marL="1371600" algn="l" defTabSz="914400" rtl="0" eaLnBrk="1" latinLnBrk="0" hangingPunct="1">
-        <a:defRPr sz="1800" kern="1200">
-          <a:solidFill>
-            <a:schemeClr val="tx1"/>
-          </a:solidFill>
-          <a:latin typeface="+mn-lt"/>
-          <a:ea typeface="+mn-ea"/>
-          <a:cs typeface="+mn-cs"/>
-        </a:defRPr>
-      </a:lvl4pPr>
-      <a:lvl5pPr marL="1828800" algn="l" defTabSz="914400" rtl="0" eaLnBrk="1" latinLnBrk="0" hangingPunct="1">
-        <a:defRPr sz="1800" kern="1200">
-          <a:solidFill>
-            <a:schemeClr val="tx1"/>
-          </a:solidFill>
-          <a:latin typeface="+mn-lt"/>
-          <a:ea typeface="+mn-ea"/>
-          <a:cs typeface="+mn-cs"/>
-        </a:defRPr>
-      </a:lvl5pPr>
-      <a:lvl6pPr marL="2286000" algn="l" defTabSz="914400" rtl="0" eaLnBrk="1" latinLnBrk="0" hangingPunct="1">
-        <a:defRPr sz="1800" kern="1200">
-          <a:solidFill>
-            <a:schemeClr val="tx1"/>
-          </a:solidFill>
-          <a:latin typeface="+mn-lt"/>
-          <a:ea typeface="+mn-ea"/>
-          <a:cs typeface="+mn-cs"/>
-        </a:defRPr>
-      </a:lvl6pPr>
-      <a:lvl7pPr marL="2743200" algn="l" defTabSz="914400" rtl="0" eaLnBrk="1" latinLnBrk="0" hangingPunct="1">
-        <a:defRPr sz="1800" kern="1200">
-          <a:solidFill>
-            <a:schemeClr val="tx1"/>
-          </a:solidFill>
-          <a:latin typeface="+mn-lt"/>
-          <a:ea typeface="+mn-ea"/>
-          <a:cs typeface="+mn-cs"/>
-        </a:defRPr>
-      </a:lvl7pPr>
-      <a:lvl8pPr marL="3200400" algn="l" defTabSz="914400" rtl="0" eaLnBrk="1" latinLnBrk="0" hangingPunct="1">
-        <a:defRPr sz="1800" kern="1200">
-          <a:solidFill>
-            <a:schemeClr val="tx1"/>
-          </a:solidFill>
-          <a:latin typeface="+mn-lt"/>
-          <a:ea typeface="+mn-ea"/>
-          <a:cs typeface="+mn-cs"/>
-        </a:defRPr>
-      </a:lvl8pPr>
-      <a:lvl9pPr marL="3657600" algn="l" defTabSz="914400" rtl="0" eaLnBrk="1" latinLnBrk="0" hangingPunct="1">
+      <a:lvl9pPr marL="3657600" algn="l" defTabSz="457200" rtl="0" eaLnBrk="1" latinLnBrk="0" hangingPunct="1">
         <a:defRPr sz="1800" kern="1200">
           <a:solidFill>
             <a:schemeClr val="tx1"/>
@@ -3348,7 +5856,7 @@
           <a:p>
             <a:r>
               <a:rPr lang="en-US" dirty="0"/>
-              <a:t>Mongo</a:t>
+              <a:t>Mongo for C#</a:t>
             </a:r>
             <a:endParaRPr lang="da-DK" dirty="0"/>
           </a:p>
@@ -3377,7 +5885,7 @@
           <a:p>
             <a:r>
               <a:rPr lang="en-US" dirty="0"/>
-              <a:t>Does it live up to the hype?</a:t>
+              <a:t>Does it live up to the hype, in a C# environment?</a:t>
             </a:r>
             <a:endParaRPr lang="da-DK" dirty="0"/>
           </a:p>
@@ -3387,6 +5895,93 @@
     <p:extLst>
       <p:ext uri="{BB962C8B-B14F-4D97-AF65-F5344CB8AC3E}">
         <p14:creationId xmlns:p14="http://schemas.microsoft.com/office/powerpoint/2010/main" val="1238958105"/>
+      </p:ext>
+    </p:extLst>
+  </p:cSld>
+  <p:clrMapOvr>
+    <a:masterClrMapping/>
+  </p:clrMapOvr>
+</p:sld>
+</file>
+
+<file path=ppt/slides/slide10.xml><?xml version="1.0" encoding="utf-8"?>
+<p:sld xmlns:a="http://schemas.openxmlformats.org/drawingml/2006/main" xmlns:r="http://schemas.openxmlformats.org/officeDocument/2006/relationships" xmlns:p="http://schemas.openxmlformats.org/presentationml/2006/main">
+  <p:cSld>
+    <p:spTree>
+      <p:nvGrpSpPr>
+        <p:cNvPr id="1" name=""/>
+        <p:cNvGrpSpPr/>
+        <p:nvPr/>
+      </p:nvGrpSpPr>
+      <p:grpSpPr>
+        <a:xfrm>
+          <a:off x="0" y="0"/>
+          <a:ext cx="0" cy="0"/>
+          <a:chOff x="0" y="0"/>
+          <a:chExt cx="0" cy="0"/>
+        </a:xfrm>
+      </p:grpSpPr>
+      <p:sp>
+        <p:nvSpPr>
+          <p:cNvPr id="2" name="Titel 1">
+            <a:extLst>
+              <a:ext uri="{FF2B5EF4-FFF2-40B4-BE49-F238E27FC236}">
+                <a16:creationId xmlns:a16="http://schemas.microsoft.com/office/drawing/2014/main" id="{1A5B4525-D19C-4532-BA22-2E21B4E7208F}"/>
+              </a:ext>
+            </a:extLst>
+          </p:cNvPr>
+          <p:cNvSpPr>
+            <a:spLocks noGrp="1"/>
+          </p:cNvSpPr>
+          <p:nvPr>
+            <p:ph type="title"/>
+          </p:nvPr>
+        </p:nvSpPr>
+        <p:spPr/>
+        <p:txBody>
+          <a:bodyPr/>
+          <a:lstStyle/>
+          <a:p>
+            <a:r>
+              <a:rPr lang="da-DK" dirty="0"/>
+              <a:t>Migrations</a:t>
+            </a:r>
+          </a:p>
+        </p:txBody>
+      </p:sp>
+      <p:sp>
+        <p:nvSpPr>
+          <p:cNvPr id="3" name="Pladsholder til indhold 2">
+            <a:extLst>
+              <a:ext uri="{FF2B5EF4-FFF2-40B4-BE49-F238E27FC236}">
+                <a16:creationId xmlns:a16="http://schemas.microsoft.com/office/drawing/2014/main" id="{F669B46B-6934-47CF-89CA-251E73C6A78B}"/>
+              </a:ext>
+            </a:extLst>
+          </p:cNvPr>
+          <p:cNvSpPr>
+            <a:spLocks noGrp="1"/>
+          </p:cNvSpPr>
+          <p:nvPr>
+            <p:ph idx="1"/>
+          </p:nvPr>
+        </p:nvSpPr>
+        <p:spPr/>
+        <p:txBody>
+          <a:bodyPr/>
+          <a:lstStyle/>
+          <a:p>
+            <a:r>
+              <a:rPr lang="da-DK" dirty="0" err="1"/>
+              <a:t>Schem</a:t>
+            </a:r>
+            <a:endParaRPr lang="da-DK" dirty="0"/>
+          </a:p>
+        </p:txBody>
+      </p:sp>
+    </p:spTree>
+    <p:extLst>
+      <p:ext uri="{BB962C8B-B14F-4D97-AF65-F5344CB8AC3E}">
+        <p14:creationId xmlns:p14="http://schemas.microsoft.com/office/powerpoint/2010/main" val="1950257606"/>
       </p:ext>
     </p:extLst>
   </p:cSld>
@@ -3418,7 +6013,7 @@
           <p:cNvPr id="2" name="Titel 1">
             <a:extLst>
               <a:ext uri="{FF2B5EF4-FFF2-40B4-BE49-F238E27FC236}">
-                <a16:creationId xmlns:a16="http://schemas.microsoft.com/office/drawing/2014/main" id="{E602BCFA-EB29-48DD-AFD9-1A4BBD18161E}"/>
+                <a16:creationId xmlns:a16="http://schemas.microsoft.com/office/drawing/2014/main" id="{BD3BEE42-C841-445D-8E40-DBCADC63805B}"/>
               </a:ext>
             </a:extLst>
           </p:cNvPr>
@@ -3435,8 +6030,8 @@
           <a:lstStyle/>
           <a:p>
             <a:r>
-              <a:rPr lang="en-US" dirty="0"/>
-              <a:t>Creating a single object</a:t>
+              <a:rPr lang="da-DK" dirty="0" err="1"/>
+              <a:t>Disclaimer</a:t>
             </a:r>
             <a:endParaRPr lang="da-DK" dirty="0"/>
           </a:p>
@@ -3447,7 +6042,7 @@
           <p:cNvPr id="3" name="Pladsholder til indhold 2">
             <a:extLst>
               <a:ext uri="{FF2B5EF4-FFF2-40B4-BE49-F238E27FC236}">
-                <a16:creationId xmlns:a16="http://schemas.microsoft.com/office/drawing/2014/main" id="{33819EE6-7555-43EB-9487-B7AD074656E6}"/>
+                <a16:creationId xmlns:a16="http://schemas.microsoft.com/office/drawing/2014/main" id="{17C92E67-7031-4267-9BD4-CBE6014BBE14}"/>
               </a:ext>
             </a:extLst>
           </p:cNvPr>
@@ -3463,17 +6058,22 @@
           <a:bodyPr/>
           <a:lstStyle/>
           <a:p>
-            <a:pPr marL="0" indent="0">
-              <a:buNone/>
-            </a:pPr>
-            <a:endParaRPr lang="en-US" dirty="0"/>
+            <a:r>
+              <a:rPr lang="da-DK" dirty="0"/>
+              <a:t>Highly </a:t>
+            </a:r>
+            <a:r>
+              <a:rPr lang="da-DK" dirty="0" err="1"/>
+              <a:t>opinionated</a:t>
+            </a:r>
+            <a:endParaRPr lang="da-DK" dirty="0"/>
           </a:p>
         </p:txBody>
       </p:sp>
     </p:spTree>
     <p:extLst>
       <p:ext uri="{BB962C8B-B14F-4D97-AF65-F5344CB8AC3E}">
-        <p14:creationId xmlns:p14="http://schemas.microsoft.com/office/powerpoint/2010/main" val="2023782577"/>
+        <p14:creationId xmlns:p14="http://schemas.microsoft.com/office/powerpoint/2010/main" val="1436991879"/>
       </p:ext>
     </p:extLst>
   </p:cSld>
@@ -3505,7 +6105,7 @@
           <p:cNvPr id="2" name="Titel 1">
             <a:extLst>
               <a:ext uri="{FF2B5EF4-FFF2-40B4-BE49-F238E27FC236}">
-                <a16:creationId xmlns:a16="http://schemas.microsoft.com/office/drawing/2014/main" id="{6F44E594-8CAE-4C7D-800D-6661B06BC5F4}"/>
+                <a16:creationId xmlns:a16="http://schemas.microsoft.com/office/drawing/2014/main" id="{B56B1976-3FF4-4EBE-8BC1-C6178FFB7653}"/>
               </a:ext>
             </a:extLst>
           </p:cNvPr>
@@ -3522,10 +6122,21 @@
           <a:lstStyle/>
           <a:p>
             <a:r>
-              <a:rPr lang="en-US" dirty="0"/>
-              <a:t>Creating a relational object</a:t>
-            </a:r>
-            <a:endParaRPr lang="da-DK" dirty="0"/>
+              <a:rPr lang="da-DK" dirty="0" err="1"/>
+              <a:t>Mongo</a:t>
+            </a:r>
+            <a:r>
+              <a:rPr lang="da-DK" dirty="0"/>
+              <a:t> </a:t>
+            </a:r>
+            <a:r>
+              <a:rPr lang="da-DK" dirty="0" err="1"/>
+              <a:t>vs</a:t>
+            </a:r>
+            <a:r>
+              <a:rPr lang="da-DK" dirty="0"/>
+              <a:t> MS SQL</a:t>
+            </a:r>
           </a:p>
         </p:txBody>
       </p:sp>
@@ -3534,7 +6145,7 @@
           <p:cNvPr id="3" name="Pladsholder til indhold 2">
             <a:extLst>
               <a:ext uri="{FF2B5EF4-FFF2-40B4-BE49-F238E27FC236}">
-                <a16:creationId xmlns:a16="http://schemas.microsoft.com/office/drawing/2014/main" id="{9FAC034B-6AC9-4FD6-B355-9539051EDD78}"/>
+                <a16:creationId xmlns:a16="http://schemas.microsoft.com/office/drawing/2014/main" id="{BEB19BFA-2039-497A-9E62-0D2FD33E8323}"/>
               </a:ext>
             </a:extLst>
           </p:cNvPr>
@@ -3550,6 +6161,131 @@
           <a:bodyPr/>
           <a:lstStyle/>
           <a:p>
+            <a:r>
+              <a:rPr lang="da-DK" dirty="0" err="1"/>
+              <a:t>Mongo</a:t>
+            </a:r>
+            <a:r>
+              <a:rPr lang="da-DK" dirty="0"/>
+              <a:t> is </a:t>
+            </a:r>
+            <a:r>
+              <a:rPr lang="da-DK" dirty="0" err="1"/>
+              <a:t>NoSQL</a:t>
+            </a:r>
+            <a:r>
+              <a:rPr lang="da-DK" dirty="0"/>
+              <a:t>, MS SQL is </a:t>
+            </a:r>
+            <a:r>
+              <a:rPr lang="da-DK" dirty="0" err="1"/>
+              <a:t>relational</a:t>
+            </a:r>
+            <a:endParaRPr lang="da-DK" dirty="0"/>
+          </a:p>
+          <a:p>
+            <a:r>
+              <a:rPr lang="da-DK" dirty="0" err="1"/>
+              <a:t>Mongo</a:t>
+            </a:r>
+            <a:r>
+              <a:rPr lang="da-DK" dirty="0"/>
+              <a:t> is </a:t>
+            </a:r>
+            <a:r>
+              <a:rPr lang="da-DK" dirty="0" err="1"/>
+              <a:t>schemaless</a:t>
+            </a:r>
+            <a:r>
+              <a:rPr lang="da-DK" dirty="0"/>
+              <a:t>, MS SQL has a </a:t>
+            </a:r>
+            <a:r>
+              <a:rPr lang="da-DK" dirty="0" err="1"/>
+              <a:t>schema</a:t>
+            </a:r>
+            <a:endParaRPr lang="da-DK" dirty="0"/>
+          </a:p>
+          <a:p>
+            <a:r>
+              <a:rPr lang="da-DK" dirty="0" err="1"/>
+              <a:t>Mongo</a:t>
+            </a:r>
+            <a:r>
+              <a:rPr lang="da-DK" dirty="0"/>
+              <a:t> is </a:t>
+            </a:r>
+            <a:r>
+              <a:rPr lang="da-DK" dirty="0" err="1"/>
+              <a:t>scale</a:t>
+            </a:r>
+            <a:r>
+              <a:rPr lang="da-DK" dirty="0"/>
+              <a:t>-out, MS SQL is </a:t>
+            </a:r>
+            <a:r>
+              <a:rPr lang="da-DK" dirty="0" err="1"/>
+              <a:t>scale</a:t>
+            </a:r>
+            <a:r>
+              <a:rPr lang="da-DK" dirty="0"/>
+              <a:t>-up</a:t>
+            </a:r>
+          </a:p>
+          <a:p>
+            <a:r>
+              <a:rPr lang="da-DK" dirty="0" err="1"/>
+              <a:t>Both</a:t>
+            </a:r>
+            <a:r>
+              <a:rPr lang="da-DK" dirty="0"/>
+              <a:t> have support for </a:t>
+            </a:r>
+            <a:r>
+              <a:rPr lang="da-DK" dirty="0" err="1"/>
+              <a:t>transactions</a:t>
+            </a:r>
+            <a:endParaRPr lang="da-DK" dirty="0"/>
+          </a:p>
+          <a:p>
+            <a:r>
+              <a:rPr lang="da-DK" dirty="0" err="1"/>
+              <a:t>Both</a:t>
+            </a:r>
+            <a:r>
+              <a:rPr lang="da-DK" dirty="0"/>
+              <a:t> have support for indices</a:t>
+            </a:r>
+          </a:p>
+          <a:p>
+            <a:r>
+              <a:rPr lang="da-DK" dirty="0" err="1"/>
+              <a:t>Both</a:t>
+            </a:r>
+            <a:r>
+              <a:rPr lang="da-DK" dirty="0"/>
+              <a:t> </a:t>
+            </a:r>
+            <a:r>
+              <a:rPr lang="da-DK" dirty="0" err="1"/>
+              <a:t>are</a:t>
+            </a:r>
+            <a:r>
+              <a:rPr lang="da-DK" dirty="0"/>
+              <a:t> vulnerable to </a:t>
+            </a:r>
+            <a:r>
+              <a:rPr lang="da-DK" dirty="0" err="1"/>
+              <a:t>injection</a:t>
+            </a:r>
+            <a:r>
+              <a:rPr lang="da-DK" dirty="0"/>
+              <a:t> </a:t>
+            </a:r>
+            <a:r>
+              <a:rPr lang="da-DK" dirty="0" err="1"/>
+              <a:t>attacks</a:t>
+            </a:r>
             <a:endParaRPr lang="da-DK" dirty="0"/>
           </a:p>
         </p:txBody>
@@ -3557,7 +6293,7 @@
     </p:spTree>
     <p:extLst>
       <p:ext uri="{BB962C8B-B14F-4D97-AF65-F5344CB8AC3E}">
-        <p14:creationId xmlns:p14="http://schemas.microsoft.com/office/powerpoint/2010/main" val="3224612647"/>
+        <p14:creationId xmlns:p14="http://schemas.microsoft.com/office/powerpoint/2010/main" val="3189359757"/>
       </p:ext>
     </p:extLst>
   </p:cSld>
@@ -3589,7 +6325,7 @@
           <p:cNvPr id="2" name="Titel 1">
             <a:extLst>
               <a:ext uri="{FF2B5EF4-FFF2-40B4-BE49-F238E27FC236}">
-                <a16:creationId xmlns:a16="http://schemas.microsoft.com/office/drawing/2014/main" id="{032C5F01-0528-4FA5-93E7-334328AA0281}"/>
+                <a16:creationId xmlns:a16="http://schemas.microsoft.com/office/drawing/2014/main" id="{E602BCFA-EB29-48DD-AFD9-1A4BBD18161E}"/>
               </a:ext>
             </a:extLst>
           </p:cNvPr>
@@ -3607,7 +6343,7 @@
           <a:p>
             <a:r>
               <a:rPr lang="en-US" dirty="0"/>
-              <a:t>Fetching</a:t>
+              <a:t>MongoDB’s performance</a:t>
             </a:r>
             <a:endParaRPr lang="da-DK" dirty="0"/>
           </a:p>
@@ -3618,7 +6354,7 @@
           <p:cNvPr id="3" name="Pladsholder til indhold 2">
             <a:extLst>
               <a:ext uri="{FF2B5EF4-FFF2-40B4-BE49-F238E27FC236}">
-                <a16:creationId xmlns:a16="http://schemas.microsoft.com/office/drawing/2014/main" id="{56D1F9E9-6777-4DCE-925D-E6482E9E10BC}"/>
+                <a16:creationId xmlns:a16="http://schemas.microsoft.com/office/drawing/2014/main" id="{33819EE6-7555-43EB-9487-B7AD074656E6}"/>
               </a:ext>
             </a:extLst>
           </p:cNvPr>
@@ -3634,14 +6370,259 @@
           <a:bodyPr/>
           <a:lstStyle/>
           <a:p>
-            <a:endParaRPr lang="da-DK"/>
+            <a:pPr>
+              <a:buFontTx/>
+              <a:buChar char="-"/>
+            </a:pPr>
+            <a:r>
+              <a:rPr lang="da-DK" dirty="0"/>
+              <a:t>The </a:t>
+            </a:r>
+            <a:r>
+              <a:rPr lang="da-DK" dirty="0" err="1"/>
+              <a:t>haystack</a:t>
+            </a:r>
+            <a:r>
+              <a:rPr lang="da-DK" dirty="0"/>
+              <a:t> </a:t>
+            </a:r>
+            <a:r>
+              <a:rPr lang="da-DK" dirty="0" err="1"/>
+              <a:t>example</a:t>
+            </a:r>
+            <a:endParaRPr lang="da-DK" dirty="0"/>
+          </a:p>
+          <a:p>
+            <a:pPr>
+              <a:buFontTx/>
+              <a:buChar char="-"/>
+            </a:pPr>
+            <a:endParaRPr lang="da-DK" dirty="0"/>
+          </a:p>
+          <a:p>
+            <a:pPr>
+              <a:buFontTx/>
+              <a:buChar char="-"/>
+            </a:pPr>
+            <a:r>
+              <a:rPr lang="da-DK" dirty="0">
+                <a:hlinkClick r:id="rId2"/>
+              </a:rPr>
+              <a:t>You have to design </a:t>
+            </a:r>
+            <a:r>
+              <a:rPr lang="da-DK" dirty="0" err="1">
+                <a:hlinkClick r:id="rId2"/>
+              </a:rPr>
+              <a:t>your</a:t>
+            </a:r>
+            <a:r>
+              <a:rPr lang="da-DK" dirty="0">
+                <a:hlinkClick r:id="rId2"/>
+              </a:rPr>
+              <a:t> </a:t>
+            </a:r>
+            <a:r>
+              <a:rPr lang="da-DK" dirty="0" err="1">
+                <a:hlinkClick r:id="rId2"/>
+              </a:rPr>
+              <a:t>relational</a:t>
+            </a:r>
+            <a:r>
+              <a:rPr lang="da-DK" dirty="0">
+                <a:hlinkClick r:id="rId2"/>
+              </a:rPr>
+              <a:t> data </a:t>
+            </a:r>
+            <a:r>
+              <a:rPr lang="da-DK" dirty="0" err="1">
+                <a:hlinkClick r:id="rId2"/>
+              </a:rPr>
+              <a:t>around</a:t>
+            </a:r>
+            <a:r>
+              <a:rPr lang="da-DK" dirty="0">
+                <a:hlinkClick r:id="rId2"/>
+              </a:rPr>
+              <a:t> </a:t>
+            </a:r>
+            <a:r>
+              <a:rPr lang="da-DK" dirty="0" err="1">
+                <a:hlinkClick r:id="rId2"/>
+              </a:rPr>
+              <a:t>your</a:t>
+            </a:r>
+            <a:r>
+              <a:rPr lang="da-DK" dirty="0">
+                <a:hlinkClick r:id="rId2"/>
+              </a:rPr>
+              <a:t> database</a:t>
+            </a:r>
+            <a:endParaRPr lang="da-DK" dirty="0"/>
+          </a:p>
+          <a:p>
+            <a:pPr lvl="1">
+              <a:buFontTx/>
+              <a:buChar char="-"/>
+            </a:pPr>
+            <a:r>
+              <a:rPr lang="da-DK" dirty="0"/>
+              <a:t>One-to-</a:t>
+            </a:r>
+            <a:r>
+              <a:rPr lang="da-DK" dirty="0" err="1"/>
+              <a:t>few</a:t>
+            </a:r>
+            <a:r>
+              <a:rPr lang="da-DK" dirty="0"/>
+              <a:t>: Arrays of </a:t>
+            </a:r>
+            <a:r>
+              <a:rPr lang="da-DK" dirty="0" err="1"/>
+              <a:t>documents</a:t>
+            </a:r>
+            <a:r>
+              <a:rPr lang="da-DK" dirty="0"/>
+              <a:t> </a:t>
+            </a:r>
+            <a:r>
+              <a:rPr lang="da-DK" dirty="0" err="1"/>
+              <a:t>within</a:t>
+            </a:r>
+            <a:r>
+              <a:rPr lang="da-DK" dirty="0"/>
+              <a:t> the </a:t>
+            </a:r>
+            <a:r>
+              <a:rPr lang="da-DK" dirty="0" err="1"/>
+              <a:t>root</a:t>
+            </a:r>
+            <a:r>
+              <a:rPr lang="da-DK" dirty="0"/>
+              <a:t> </a:t>
+            </a:r>
+            <a:r>
+              <a:rPr lang="da-DK" dirty="0" err="1"/>
+              <a:t>document</a:t>
+            </a:r>
+            <a:endParaRPr lang="da-DK" dirty="0"/>
+          </a:p>
+          <a:p>
+            <a:pPr lvl="1">
+              <a:buFontTx/>
+              <a:buChar char="-"/>
+            </a:pPr>
+            <a:r>
+              <a:rPr lang="da-DK" dirty="0"/>
+              <a:t>One-to-</a:t>
+            </a:r>
+            <a:r>
+              <a:rPr lang="da-DK" dirty="0" err="1"/>
+              <a:t>few</a:t>
+            </a:r>
+            <a:r>
+              <a:rPr lang="da-DK" dirty="0"/>
+              <a:t>-</a:t>
+            </a:r>
+            <a:r>
+              <a:rPr lang="da-DK" dirty="0" err="1"/>
+              <a:t>thousands</a:t>
+            </a:r>
+            <a:r>
+              <a:rPr lang="da-DK" dirty="0"/>
+              <a:t>: Arrays of </a:t>
+            </a:r>
+            <a:r>
+              <a:rPr lang="da-DK" dirty="0" err="1"/>
+              <a:t>IDs</a:t>
+            </a:r>
+            <a:r>
+              <a:rPr lang="da-DK" dirty="0"/>
+              <a:t> </a:t>
+            </a:r>
+            <a:r>
+              <a:rPr lang="da-DK" dirty="0" err="1"/>
+              <a:t>within</a:t>
+            </a:r>
+            <a:r>
+              <a:rPr lang="da-DK" dirty="0"/>
+              <a:t> the </a:t>
+            </a:r>
+            <a:r>
+              <a:rPr lang="da-DK" dirty="0" err="1"/>
+              <a:t>root</a:t>
+            </a:r>
+            <a:r>
+              <a:rPr lang="da-DK" dirty="0"/>
+              <a:t> </a:t>
+            </a:r>
+            <a:r>
+              <a:rPr lang="da-DK" dirty="0" err="1"/>
+              <a:t>document</a:t>
+            </a:r>
+            <a:endParaRPr lang="da-DK" dirty="0"/>
+          </a:p>
+          <a:p>
+            <a:pPr lvl="1">
+              <a:buFontTx/>
+              <a:buChar char="-"/>
+            </a:pPr>
+            <a:r>
+              <a:rPr lang="da-DK" dirty="0"/>
+              <a:t>One-to-</a:t>
+            </a:r>
+            <a:r>
+              <a:rPr lang="da-DK" dirty="0" err="1"/>
+              <a:t>squillions</a:t>
+            </a:r>
+            <a:r>
+              <a:rPr lang="da-DK" dirty="0"/>
+              <a:t>: Go </a:t>
+            </a:r>
+            <a:r>
+              <a:rPr lang="da-DK" dirty="0" err="1"/>
+              <a:t>full</a:t>
+            </a:r>
+            <a:r>
+              <a:rPr lang="da-DK" dirty="0"/>
+              <a:t> ”</a:t>
+            </a:r>
+            <a:r>
+              <a:rPr lang="da-DK" dirty="0" err="1"/>
+              <a:t>relational</a:t>
+            </a:r>
+            <a:r>
+              <a:rPr lang="da-DK" dirty="0"/>
+              <a:t>”</a:t>
+            </a:r>
+          </a:p>
+          <a:p>
+            <a:pPr lvl="1">
+              <a:buFontTx/>
+              <a:buChar char="-"/>
+            </a:pPr>
+            <a:endParaRPr lang="da-DK" dirty="0"/>
+          </a:p>
+          <a:p>
+            <a:pPr>
+              <a:buFontTx/>
+              <a:buChar char="-"/>
+            </a:pPr>
+            <a:r>
+              <a:rPr lang="da-DK" dirty="0" err="1"/>
+              <a:t>Scale</a:t>
+            </a:r>
+            <a:r>
+              <a:rPr lang="da-DK" dirty="0"/>
+              <a:t>-out</a:t>
+            </a:r>
           </a:p>
         </p:txBody>
       </p:sp>
     </p:spTree>
     <p:extLst>
       <p:ext uri="{BB962C8B-B14F-4D97-AF65-F5344CB8AC3E}">
-        <p14:creationId xmlns:p14="http://schemas.microsoft.com/office/powerpoint/2010/main" val="2432276276"/>
+        <p14:creationId xmlns:p14="http://schemas.microsoft.com/office/powerpoint/2010/main" val="2023782577"/>
       </p:ext>
     </p:extLst>
   </p:cSld>
@@ -3673,6 +6654,656 @@
           <p:cNvPr id="2" name="Titel 1">
             <a:extLst>
               <a:ext uri="{FF2B5EF4-FFF2-40B4-BE49-F238E27FC236}">
+                <a16:creationId xmlns:a16="http://schemas.microsoft.com/office/drawing/2014/main" id="{EB312356-7D1C-4EAF-B49D-EF97B183F27F}"/>
+              </a:ext>
+            </a:extLst>
+          </p:cNvPr>
+          <p:cNvSpPr>
+            <a:spLocks noGrp="1"/>
+          </p:cNvSpPr>
+          <p:nvPr>
+            <p:ph type="title"/>
+          </p:nvPr>
+        </p:nvSpPr>
+        <p:spPr/>
+        <p:txBody>
+          <a:bodyPr/>
+          <a:lstStyle/>
+          <a:p>
+            <a:r>
+              <a:rPr lang="da-DK" dirty="0"/>
+              <a:t>SQL </a:t>
+            </a:r>
+            <a:r>
+              <a:rPr lang="da-DK" dirty="0" err="1"/>
+              <a:t>Server’s</a:t>
+            </a:r>
+            <a:r>
+              <a:rPr lang="da-DK" dirty="0"/>
+              <a:t> performance</a:t>
+            </a:r>
+          </a:p>
+        </p:txBody>
+      </p:sp>
+      <p:sp>
+        <p:nvSpPr>
+          <p:cNvPr id="3" name="Pladsholder til indhold 2">
+            <a:extLst>
+              <a:ext uri="{FF2B5EF4-FFF2-40B4-BE49-F238E27FC236}">
+                <a16:creationId xmlns:a16="http://schemas.microsoft.com/office/drawing/2014/main" id="{63646471-0CC8-4595-A5B4-0221E446879D}"/>
+              </a:ext>
+            </a:extLst>
+          </p:cNvPr>
+          <p:cNvSpPr>
+            <a:spLocks noGrp="1"/>
+          </p:cNvSpPr>
+          <p:nvPr>
+            <p:ph idx="1"/>
+          </p:nvPr>
+        </p:nvSpPr>
+        <p:spPr/>
+        <p:txBody>
+          <a:bodyPr/>
+          <a:lstStyle/>
+          <a:p>
+            <a:r>
+              <a:rPr lang="da-DK" dirty="0"/>
+              <a:t>Opinion/</a:t>
+            </a:r>
+            <a:r>
+              <a:rPr lang="da-DK" dirty="0" err="1"/>
+              <a:t>impression</a:t>
+            </a:r>
+            <a:r>
+              <a:rPr lang="da-DK" dirty="0"/>
+              <a:t>: </a:t>
+            </a:r>
+            <a:r>
+              <a:rPr lang="da-DK" dirty="0" err="1"/>
+              <a:t>Less</a:t>
+            </a:r>
+            <a:r>
+              <a:rPr lang="da-DK" dirty="0"/>
+              <a:t> ”</a:t>
+            </a:r>
+            <a:r>
+              <a:rPr lang="da-DK" dirty="0" err="1"/>
+              <a:t>picky</a:t>
+            </a:r>
+            <a:r>
+              <a:rPr lang="da-DK" dirty="0"/>
+              <a:t>” in terms of performance</a:t>
+            </a:r>
+          </a:p>
+          <a:p>
+            <a:pPr lvl="1"/>
+            <a:r>
+              <a:rPr lang="da-DK" dirty="0"/>
+              <a:t>Best </a:t>
+            </a:r>
+            <a:r>
+              <a:rPr lang="da-DK" dirty="0" err="1"/>
+              <a:t>practises</a:t>
+            </a:r>
+            <a:r>
+              <a:rPr lang="da-DK" dirty="0"/>
+              <a:t> </a:t>
+            </a:r>
+            <a:r>
+              <a:rPr lang="da-DK" dirty="0" err="1"/>
+              <a:t>are</a:t>
+            </a:r>
+            <a:r>
+              <a:rPr lang="da-DK" dirty="0"/>
+              <a:t> still </a:t>
+            </a:r>
+            <a:r>
+              <a:rPr lang="da-DK" dirty="0" err="1"/>
+              <a:t>needed</a:t>
+            </a:r>
+            <a:endParaRPr lang="da-DK" dirty="0"/>
+          </a:p>
+          <a:p>
+            <a:pPr lvl="1"/>
+            <a:endParaRPr lang="da-DK" dirty="0"/>
+          </a:p>
+          <a:p>
+            <a:r>
+              <a:rPr lang="da-DK" dirty="0" err="1"/>
+              <a:t>Scale</a:t>
+            </a:r>
+            <a:r>
+              <a:rPr lang="da-DK" dirty="0"/>
+              <a:t>-up</a:t>
+            </a:r>
+          </a:p>
+        </p:txBody>
+      </p:sp>
+    </p:spTree>
+    <p:extLst>
+      <p:ext uri="{BB962C8B-B14F-4D97-AF65-F5344CB8AC3E}">
+        <p14:creationId xmlns:p14="http://schemas.microsoft.com/office/powerpoint/2010/main" val="3118587297"/>
+      </p:ext>
+    </p:extLst>
+  </p:cSld>
+  <p:clrMapOvr>
+    <a:masterClrMapping/>
+  </p:clrMapOvr>
+</p:sld>
+</file>
+
+<file path=ppt/slides/slide6.xml><?xml version="1.0" encoding="utf-8"?>
+<p:sld xmlns:a="http://schemas.openxmlformats.org/drawingml/2006/main" xmlns:r="http://schemas.openxmlformats.org/officeDocument/2006/relationships" xmlns:p="http://schemas.openxmlformats.org/presentationml/2006/main">
+  <p:cSld>
+    <p:spTree>
+      <p:nvGrpSpPr>
+        <p:cNvPr id="1" name=""/>
+        <p:cNvGrpSpPr/>
+        <p:nvPr/>
+      </p:nvGrpSpPr>
+      <p:grpSpPr>
+        <a:xfrm>
+          <a:off x="0" y="0"/>
+          <a:ext cx="0" cy="0"/>
+          <a:chOff x="0" y="0"/>
+          <a:chExt cx="0" cy="0"/>
+        </a:xfrm>
+      </p:grpSpPr>
+      <p:sp>
+        <p:nvSpPr>
+          <p:cNvPr id="2" name="Titel 1">
+            <a:extLst>
+              <a:ext uri="{FF2B5EF4-FFF2-40B4-BE49-F238E27FC236}">
+                <a16:creationId xmlns:a16="http://schemas.microsoft.com/office/drawing/2014/main" id="{6F44E594-8CAE-4C7D-800D-6661B06BC5F4}"/>
+              </a:ext>
+            </a:extLst>
+          </p:cNvPr>
+          <p:cNvSpPr>
+            <a:spLocks noGrp="1"/>
+          </p:cNvSpPr>
+          <p:nvPr>
+            <p:ph type="title"/>
+          </p:nvPr>
+        </p:nvSpPr>
+        <p:spPr/>
+        <p:txBody>
+          <a:bodyPr/>
+          <a:lstStyle/>
+          <a:p>
+            <a:r>
+              <a:rPr lang="en-US" dirty="0"/>
+              <a:t>Is </a:t>
+            </a:r>
+            <a:r>
+              <a:rPr lang="en-US" dirty="0" err="1"/>
+              <a:t>schemaless</a:t>
+            </a:r>
+            <a:r>
+              <a:rPr lang="en-US" dirty="0"/>
+              <a:t> really that cool?</a:t>
+            </a:r>
+            <a:endParaRPr lang="da-DK" dirty="0"/>
+          </a:p>
+        </p:txBody>
+      </p:sp>
+      <p:sp>
+        <p:nvSpPr>
+          <p:cNvPr id="3" name="Pladsholder til indhold 2">
+            <a:extLst>
+              <a:ext uri="{FF2B5EF4-FFF2-40B4-BE49-F238E27FC236}">
+                <a16:creationId xmlns:a16="http://schemas.microsoft.com/office/drawing/2014/main" id="{9FAC034B-6AC9-4FD6-B355-9539051EDD78}"/>
+              </a:ext>
+            </a:extLst>
+          </p:cNvPr>
+          <p:cNvSpPr>
+            <a:spLocks noGrp="1"/>
+          </p:cNvSpPr>
+          <p:nvPr>
+            <p:ph idx="1"/>
+          </p:nvPr>
+        </p:nvSpPr>
+        <p:spPr/>
+        <p:txBody>
+          <a:bodyPr/>
+          <a:lstStyle/>
+          <a:p>
+            <a:r>
+              <a:rPr lang="da-DK" dirty="0" err="1"/>
+              <a:t>Schemaless</a:t>
+            </a:r>
+            <a:r>
+              <a:rPr lang="da-DK" dirty="0"/>
+              <a:t> is </a:t>
+            </a:r>
+            <a:r>
+              <a:rPr lang="da-DK" dirty="0" err="1"/>
+              <a:t>great</a:t>
+            </a:r>
+            <a:r>
+              <a:rPr lang="da-DK" dirty="0"/>
+              <a:t> for </a:t>
+            </a:r>
+            <a:r>
+              <a:rPr lang="da-DK" dirty="0" err="1"/>
+              <a:t>flexible</a:t>
+            </a:r>
+            <a:r>
+              <a:rPr lang="da-DK" dirty="0"/>
+              <a:t> data</a:t>
+            </a:r>
+          </a:p>
+          <a:p>
+            <a:pPr lvl="1"/>
+            <a:r>
+              <a:rPr lang="da-DK" dirty="0" err="1"/>
+              <a:t>Polymorphic</a:t>
+            </a:r>
+            <a:r>
+              <a:rPr lang="da-DK" dirty="0"/>
+              <a:t> data</a:t>
+            </a:r>
+          </a:p>
+          <a:p>
+            <a:pPr lvl="1"/>
+            <a:r>
+              <a:rPr lang="da-DK" dirty="0"/>
+              <a:t>Implicit </a:t>
+            </a:r>
+            <a:r>
+              <a:rPr lang="da-DK" dirty="0" err="1"/>
+              <a:t>schema</a:t>
+            </a:r>
+            <a:r>
+              <a:rPr lang="da-DK" dirty="0"/>
+              <a:t> </a:t>
+            </a:r>
+            <a:r>
+              <a:rPr lang="da-DK" dirty="0" err="1"/>
+              <a:t>based</a:t>
+            </a:r>
+            <a:r>
+              <a:rPr lang="da-DK" dirty="0"/>
+              <a:t> on </a:t>
+            </a:r>
+            <a:r>
+              <a:rPr lang="da-DK" dirty="0" err="1"/>
+              <a:t>language</a:t>
+            </a:r>
+            <a:r>
+              <a:rPr lang="da-DK" dirty="0"/>
+              <a:t> of </a:t>
+            </a:r>
+            <a:r>
+              <a:rPr lang="da-DK" dirty="0" err="1"/>
+              <a:t>choice</a:t>
+            </a:r>
+            <a:endParaRPr lang="da-DK" dirty="0"/>
+          </a:p>
+          <a:p>
+            <a:r>
+              <a:rPr lang="da-DK" dirty="0"/>
+              <a:t>Indices </a:t>
+            </a:r>
+            <a:r>
+              <a:rPr lang="da-DK" dirty="0" err="1"/>
+              <a:t>work</a:t>
+            </a:r>
+            <a:r>
+              <a:rPr lang="da-DK" dirty="0"/>
+              <a:t> </a:t>
+            </a:r>
+            <a:r>
+              <a:rPr lang="da-DK" dirty="0" err="1"/>
+              <a:t>quite</a:t>
+            </a:r>
+            <a:r>
+              <a:rPr lang="da-DK" dirty="0"/>
+              <a:t> </a:t>
+            </a:r>
+            <a:r>
+              <a:rPr lang="da-DK" dirty="0" err="1"/>
+              <a:t>well</a:t>
+            </a:r>
+            <a:r>
+              <a:rPr lang="da-DK" dirty="0"/>
+              <a:t> with </a:t>
+            </a:r>
+            <a:r>
+              <a:rPr lang="da-DK" dirty="0" err="1"/>
+              <a:t>schemaless</a:t>
+            </a:r>
+            <a:endParaRPr lang="da-DK" dirty="0"/>
+          </a:p>
+          <a:p>
+            <a:r>
+              <a:rPr lang="da-DK" dirty="0"/>
+              <a:t>Super </a:t>
+            </a:r>
+            <a:r>
+              <a:rPr lang="da-DK" dirty="0" err="1"/>
+              <a:t>easy</a:t>
+            </a:r>
+            <a:r>
+              <a:rPr lang="da-DK" dirty="0"/>
+              <a:t> to </a:t>
+            </a:r>
+            <a:r>
+              <a:rPr lang="da-DK" dirty="0" err="1"/>
+              <a:t>get</a:t>
+            </a:r>
+            <a:r>
+              <a:rPr lang="da-DK" dirty="0"/>
+              <a:t> </a:t>
+            </a:r>
+            <a:r>
+              <a:rPr lang="da-DK" dirty="0" err="1"/>
+              <a:t>started</a:t>
+            </a:r>
+            <a:r>
+              <a:rPr lang="da-DK" dirty="0"/>
+              <a:t> with</a:t>
+            </a:r>
+          </a:p>
+          <a:p>
+            <a:r>
+              <a:rPr lang="da-DK" dirty="0" err="1"/>
+              <a:t>Tempting</a:t>
+            </a:r>
+            <a:r>
+              <a:rPr lang="da-DK" dirty="0"/>
+              <a:t>, but </a:t>
+            </a:r>
+            <a:r>
+              <a:rPr lang="da-DK" dirty="0" err="1"/>
+              <a:t>comes</a:t>
+            </a:r>
+            <a:r>
+              <a:rPr lang="da-DK" dirty="0"/>
+              <a:t> with a </a:t>
+            </a:r>
+            <a:r>
+              <a:rPr lang="da-DK" dirty="0" err="1"/>
+              <a:t>responsibility</a:t>
+            </a:r>
+            <a:endParaRPr lang="da-DK" dirty="0"/>
+          </a:p>
+          <a:p>
+            <a:r>
+              <a:rPr lang="da-DK" dirty="0" err="1"/>
+              <a:t>Schemaless</a:t>
+            </a:r>
+            <a:r>
+              <a:rPr lang="da-DK" dirty="0"/>
+              <a:t> </a:t>
+            </a:r>
+            <a:r>
+              <a:rPr lang="da-DK" dirty="0" err="1"/>
+              <a:t>does</a:t>
+            </a:r>
+            <a:r>
+              <a:rPr lang="da-DK" dirty="0"/>
+              <a:t> not </a:t>
+            </a:r>
+            <a:r>
+              <a:rPr lang="da-DK" dirty="0" err="1"/>
+              <a:t>mean</a:t>
+            </a:r>
+            <a:r>
+              <a:rPr lang="da-DK" dirty="0"/>
+              <a:t> </a:t>
+            </a:r>
+            <a:r>
+              <a:rPr lang="da-DK" dirty="0" err="1"/>
+              <a:t>less</a:t>
+            </a:r>
+            <a:r>
+              <a:rPr lang="da-DK" dirty="0"/>
+              <a:t> migrations</a:t>
+            </a:r>
+          </a:p>
+          <a:p>
+            <a:endParaRPr lang="da-DK" dirty="0"/>
+          </a:p>
+        </p:txBody>
+      </p:sp>
+    </p:spTree>
+    <p:extLst>
+      <p:ext uri="{BB962C8B-B14F-4D97-AF65-F5344CB8AC3E}">
+        <p14:creationId xmlns:p14="http://schemas.microsoft.com/office/powerpoint/2010/main" val="3224612647"/>
+      </p:ext>
+    </p:extLst>
+  </p:cSld>
+  <p:clrMapOvr>
+    <a:masterClrMapping/>
+  </p:clrMapOvr>
+</p:sld>
+</file>
+
+<file path=ppt/slides/slide7.xml><?xml version="1.0" encoding="utf-8"?>
+<p:sld xmlns:a="http://schemas.openxmlformats.org/drawingml/2006/main" xmlns:r="http://schemas.openxmlformats.org/officeDocument/2006/relationships" xmlns:p="http://schemas.openxmlformats.org/presentationml/2006/main">
+  <p:cSld>
+    <p:spTree>
+      <p:nvGrpSpPr>
+        <p:cNvPr id="1" name=""/>
+        <p:cNvGrpSpPr/>
+        <p:nvPr/>
+      </p:nvGrpSpPr>
+      <p:grpSpPr>
+        <a:xfrm>
+          <a:off x="0" y="0"/>
+          <a:ext cx="0" cy="0"/>
+          <a:chOff x="0" y="0"/>
+          <a:chExt cx="0" cy="0"/>
+        </a:xfrm>
+      </p:grpSpPr>
+      <p:sp>
+        <p:nvSpPr>
+          <p:cNvPr id="2" name="Titel 1">
+            <a:extLst>
+              <a:ext uri="{FF2B5EF4-FFF2-40B4-BE49-F238E27FC236}">
+                <a16:creationId xmlns:a16="http://schemas.microsoft.com/office/drawing/2014/main" id="{4F8B92FC-7108-4121-A871-DB5C35468752}"/>
+              </a:ext>
+            </a:extLst>
+          </p:cNvPr>
+          <p:cNvSpPr>
+            <a:spLocks noGrp="1"/>
+          </p:cNvSpPr>
+          <p:nvPr>
+            <p:ph type="title"/>
+          </p:nvPr>
+        </p:nvSpPr>
+        <p:spPr/>
+        <p:txBody>
+          <a:bodyPr/>
+          <a:lstStyle/>
+          <a:p>
+            <a:r>
+              <a:rPr lang="da-DK" dirty="0" err="1"/>
+              <a:t>Mongo</a:t>
+            </a:r>
+            <a:r>
+              <a:rPr lang="da-DK" dirty="0"/>
+              <a:t> and SQL Server in C#</a:t>
+            </a:r>
+          </a:p>
+        </p:txBody>
+      </p:sp>
+      <p:sp>
+        <p:nvSpPr>
+          <p:cNvPr id="3" name="Pladsholder til indhold 2">
+            <a:extLst>
+              <a:ext uri="{FF2B5EF4-FFF2-40B4-BE49-F238E27FC236}">
+                <a16:creationId xmlns:a16="http://schemas.microsoft.com/office/drawing/2014/main" id="{FD619880-7D4F-4373-9090-4DB846CA9ED6}"/>
+              </a:ext>
+            </a:extLst>
+          </p:cNvPr>
+          <p:cNvSpPr>
+            <a:spLocks noGrp="1"/>
+          </p:cNvSpPr>
+          <p:nvPr>
+            <p:ph idx="1"/>
+          </p:nvPr>
+        </p:nvSpPr>
+        <p:spPr/>
+        <p:txBody>
+          <a:bodyPr/>
+          <a:lstStyle/>
+          <a:p>
+            <a:r>
+              <a:rPr lang="da-DK" dirty="0" err="1"/>
+              <a:t>Entity</a:t>
+            </a:r>
+            <a:r>
+              <a:rPr lang="da-DK" dirty="0"/>
+              <a:t> Framework has </a:t>
+            </a:r>
+            <a:r>
+              <a:rPr lang="da-DK" dirty="0" err="1"/>
+              <a:t>less</a:t>
+            </a:r>
+            <a:r>
+              <a:rPr lang="da-DK" dirty="0"/>
+              <a:t> </a:t>
+            </a:r>
+            <a:r>
+              <a:rPr lang="da-DK" dirty="0" err="1"/>
+              <a:t>quirks</a:t>
+            </a:r>
+            <a:r>
+              <a:rPr lang="da-DK" dirty="0"/>
+              <a:t> and </a:t>
+            </a:r>
+            <a:r>
+              <a:rPr lang="da-DK" dirty="0" err="1"/>
+              <a:t>feels</a:t>
+            </a:r>
+            <a:r>
+              <a:rPr lang="da-DK" dirty="0"/>
+              <a:t> more </a:t>
+            </a:r>
+            <a:r>
+              <a:rPr lang="da-DK" dirty="0" err="1"/>
+              <a:t>natural</a:t>
+            </a:r>
+            <a:endParaRPr lang="da-DK" dirty="0"/>
+          </a:p>
+          <a:p>
+            <a:r>
+              <a:rPr lang="da-DK" dirty="0" err="1"/>
+              <a:t>Mongo</a:t>
+            </a:r>
+            <a:r>
+              <a:rPr lang="da-DK" dirty="0"/>
+              <a:t> has a WET </a:t>
+            </a:r>
+            <a:r>
+              <a:rPr lang="da-DK" dirty="0" err="1"/>
+              <a:t>syntax</a:t>
+            </a:r>
+            <a:endParaRPr lang="da-DK" dirty="0"/>
+          </a:p>
+          <a:p>
+            <a:r>
+              <a:rPr lang="da-DK" dirty="0" err="1"/>
+              <a:t>Mongo</a:t>
+            </a:r>
+            <a:r>
+              <a:rPr lang="da-DK" dirty="0"/>
+              <a:t> + LINQ is not </a:t>
+            </a:r>
+            <a:r>
+              <a:rPr lang="da-DK" dirty="0" err="1"/>
+              <a:t>usable</a:t>
+            </a:r>
+            <a:r>
+              <a:rPr lang="da-DK" dirty="0"/>
+              <a:t> for more </a:t>
+            </a:r>
+            <a:r>
+              <a:rPr lang="da-DK" dirty="0" err="1"/>
+              <a:t>than</a:t>
+            </a:r>
+            <a:r>
+              <a:rPr lang="da-DK" dirty="0"/>
+              <a:t> the basics</a:t>
+            </a:r>
+          </a:p>
+          <a:p>
+            <a:r>
+              <a:rPr lang="da-DK" dirty="0"/>
+              <a:t>Transactions </a:t>
+            </a:r>
+            <a:r>
+              <a:rPr lang="da-DK" dirty="0" err="1"/>
+              <a:t>are</a:t>
+            </a:r>
+            <a:r>
+              <a:rPr lang="da-DK" dirty="0"/>
+              <a:t> </a:t>
+            </a:r>
+            <a:r>
+              <a:rPr lang="da-DK" dirty="0" err="1"/>
+              <a:t>insanely</a:t>
+            </a:r>
+            <a:r>
+              <a:rPr lang="da-DK" dirty="0"/>
+              <a:t> </a:t>
+            </a:r>
+            <a:r>
+              <a:rPr lang="da-DK" dirty="0" err="1"/>
+              <a:t>hard</a:t>
+            </a:r>
+            <a:r>
+              <a:rPr lang="da-DK" dirty="0"/>
+              <a:t> to </a:t>
+            </a:r>
+            <a:r>
+              <a:rPr lang="da-DK" dirty="0" err="1"/>
+              <a:t>get</a:t>
+            </a:r>
+            <a:r>
+              <a:rPr lang="da-DK"/>
+              <a:t> right</a:t>
+            </a:r>
+            <a:endParaRPr lang="da-DK" dirty="0"/>
+          </a:p>
+        </p:txBody>
+      </p:sp>
+    </p:spTree>
+    <p:extLst>
+      <p:ext uri="{BB962C8B-B14F-4D97-AF65-F5344CB8AC3E}">
+        <p14:creationId xmlns:p14="http://schemas.microsoft.com/office/powerpoint/2010/main" val="1848209330"/>
+      </p:ext>
+    </p:extLst>
+  </p:cSld>
+  <p:clrMapOvr>
+    <a:masterClrMapping/>
+  </p:clrMapOvr>
+</p:sld>
+</file>
+
+<file path=ppt/slides/slide8.xml><?xml version="1.0" encoding="utf-8"?>
+<p:sld xmlns:a="http://schemas.openxmlformats.org/drawingml/2006/main" xmlns:r="http://schemas.openxmlformats.org/officeDocument/2006/relationships" xmlns:p="http://schemas.openxmlformats.org/presentationml/2006/main">
+  <p:cSld>
+    <p:spTree>
+      <p:nvGrpSpPr>
+        <p:cNvPr id="1" name=""/>
+        <p:cNvGrpSpPr/>
+        <p:nvPr/>
+      </p:nvGrpSpPr>
+      <p:grpSpPr>
+        <a:xfrm>
+          <a:off x="0" y="0"/>
+          <a:ext cx="0" cy="0"/>
+          <a:chOff x="0" y="0"/>
+          <a:chExt cx="0" cy="0"/>
+        </a:xfrm>
+      </p:grpSpPr>
+      <p:sp>
+        <p:nvSpPr>
+          <p:cNvPr id="2" name="Titel 1">
+            <a:extLst>
+              <a:ext uri="{FF2B5EF4-FFF2-40B4-BE49-F238E27FC236}">
                 <a16:creationId xmlns:a16="http://schemas.microsoft.com/office/drawing/2014/main" id="{59E30A42-42AA-43B6-AC77-BB014AC8A8A8}"/>
               </a:ext>
             </a:extLst>
@@ -3684,40 +7315,20 @@
             <p:ph type="title"/>
           </p:nvPr>
         </p:nvSpPr>
-        <p:spPr/>
+        <p:spPr>
+          <a:xfrm>
+            <a:off x="2639484" y="2768600"/>
+            <a:ext cx="8596668" cy="1320800"/>
+          </a:xfrm>
+        </p:spPr>
         <p:txBody>
           <a:bodyPr/>
           <a:lstStyle/>
           <a:p>
             <a:r>
               <a:rPr lang="en-US" dirty="0"/>
-              <a:t>Mongo is web scale 😏</a:t>
-            </a:r>
-            <a:endParaRPr lang="da-DK" dirty="0"/>
-          </a:p>
-        </p:txBody>
-      </p:sp>
-      <p:sp>
-        <p:nvSpPr>
-          <p:cNvPr id="3" name="Pladsholder til indhold 2">
-            <a:extLst>
-              <a:ext uri="{FF2B5EF4-FFF2-40B4-BE49-F238E27FC236}">
-                <a16:creationId xmlns:a16="http://schemas.microsoft.com/office/drawing/2014/main" id="{59ADA04E-272D-48FC-AFDF-2913255E8C7E}"/>
-              </a:ext>
-            </a:extLst>
-          </p:cNvPr>
-          <p:cNvSpPr>
-            <a:spLocks noGrp="1"/>
-          </p:cNvSpPr>
-          <p:nvPr>
-            <p:ph idx="1"/>
-          </p:nvPr>
-        </p:nvSpPr>
-        <p:spPr/>
-        <p:txBody>
-          <a:bodyPr/>
-          <a:lstStyle/>
-          <a:p>
+              <a:t>“Mongo is web scale” 😏</a:t>
+            </a:r>
             <a:endParaRPr lang="da-DK" dirty="0"/>
           </a:p>
         </p:txBody>
@@ -3735,10 +7346,73 @@
 </p:sld>
 </file>
 
+<file path=ppt/slides/slide9.xml><?xml version="1.0" encoding="utf-8"?>
+<p:sld xmlns:a="http://schemas.openxmlformats.org/drawingml/2006/main" xmlns:r="http://schemas.openxmlformats.org/officeDocument/2006/relationships" xmlns:p="http://schemas.openxmlformats.org/presentationml/2006/main">
+  <p:cSld>
+    <p:spTree>
+      <p:nvGrpSpPr>
+        <p:cNvPr id="1" name=""/>
+        <p:cNvGrpSpPr/>
+        <p:nvPr/>
+      </p:nvGrpSpPr>
+      <p:grpSpPr>
+        <a:xfrm>
+          <a:off x="0" y="0"/>
+          <a:ext cx="0" cy="0"/>
+          <a:chOff x="0" y="0"/>
+          <a:chExt cx="0" cy="0"/>
+        </a:xfrm>
+      </p:grpSpPr>
+      <p:sp>
+        <p:nvSpPr>
+          <p:cNvPr id="2" name="Titel 1">
+            <a:extLst>
+              <a:ext uri="{FF2B5EF4-FFF2-40B4-BE49-F238E27FC236}">
+                <a16:creationId xmlns:a16="http://schemas.microsoft.com/office/drawing/2014/main" id="{1CD889E8-BDDB-4CBD-A405-530C9A2C2A9B}"/>
+              </a:ext>
+            </a:extLst>
+          </p:cNvPr>
+          <p:cNvSpPr>
+            <a:spLocks noGrp="1"/>
+          </p:cNvSpPr>
+          <p:nvPr>
+            <p:ph type="title"/>
+          </p:nvPr>
+        </p:nvSpPr>
+        <p:spPr>
+          <a:xfrm>
+            <a:off x="3979334" y="2768600"/>
+            <a:ext cx="8596668" cy="1320800"/>
+          </a:xfrm>
+        </p:spPr>
+        <p:txBody>
+          <a:bodyPr/>
+          <a:lstStyle/>
+          <a:p>
+            <a:r>
+              <a:rPr lang="da-DK" dirty="0"/>
+              <a:t>Demo time</a:t>
+            </a:r>
+          </a:p>
+        </p:txBody>
+      </p:sp>
+    </p:spTree>
+    <p:extLst>
+      <p:ext uri="{BB962C8B-B14F-4D97-AF65-F5344CB8AC3E}">
+        <p14:creationId xmlns:p14="http://schemas.microsoft.com/office/powerpoint/2010/main" val="4057763458"/>
+      </p:ext>
+    </p:extLst>
+  </p:cSld>
+  <p:clrMapOvr>
+    <a:masterClrMapping/>
+  </p:clrMapOvr>
+</p:sld>
+</file>
+
 <file path=ppt/theme/theme1.xml><?xml version="1.0" encoding="utf-8"?>
-<a:theme xmlns:a="http://schemas.openxmlformats.org/drawingml/2006/main" name="Office-tema">
+<a:theme xmlns:a="http://schemas.openxmlformats.org/drawingml/2006/main" name="Facet">
   <a:themeElements>
-    <a:clrScheme name="Office">
+    <a:clrScheme name="Blå II">
       <a:dk1>
         <a:sysClr val="windowText" lastClr="000000"/>
       </a:dk1>
@@ -3746,52 +7420,52 @@
         <a:sysClr val="window" lastClr="FFFFFF"/>
       </a:lt1>
       <a:dk2>
-        <a:srgbClr val="44546A"/>
+        <a:srgbClr val="335B74"/>
       </a:dk2>
       <a:lt2>
-        <a:srgbClr val="E7E6E6"/>
+        <a:srgbClr val="DFE3E5"/>
       </a:lt2>
       <a:accent1>
-        <a:srgbClr val="4472C4"/>
+        <a:srgbClr val="1CADE4"/>
       </a:accent1>
       <a:accent2>
-        <a:srgbClr val="ED7D31"/>
+        <a:srgbClr val="2683C6"/>
       </a:accent2>
       <a:accent3>
-        <a:srgbClr val="A5A5A5"/>
+        <a:srgbClr val="27CED7"/>
       </a:accent3>
       <a:accent4>
-        <a:srgbClr val="FFC000"/>
+        <a:srgbClr val="42BA97"/>
       </a:accent4>
       <a:accent5>
-        <a:srgbClr val="5B9BD5"/>
+        <a:srgbClr val="3E8853"/>
       </a:accent5>
       <a:accent6>
-        <a:srgbClr val="70AD47"/>
+        <a:srgbClr val="62A39F"/>
       </a:accent6>
       <a:hlink>
-        <a:srgbClr val="0563C1"/>
+        <a:srgbClr val="6EAC1C"/>
       </a:hlink>
       <a:folHlink>
-        <a:srgbClr val="954F72"/>
+        <a:srgbClr val="B26B02"/>
       </a:folHlink>
     </a:clrScheme>
-    <a:fontScheme name="Office">
+    <a:fontScheme name="Facet">
       <a:majorFont>
-        <a:latin typeface="Calibri Light" panose="020F0302020204030204"/>
+        <a:latin typeface="Trebuchet MS" panose="020B0603020202020204"/>
         <a:ea typeface=""/>
         <a:cs typeface=""/>
-        <a:font script="Jpan" typeface="游ゴシック Light"/>
+        <a:font script="Jpan" typeface="メイリオ"/>
         <a:font script="Hang" typeface="맑은 고딕"/>
-        <a:font script="Hans" typeface="等线 Light"/>
-        <a:font script="Hant" typeface="新細明體"/>
-        <a:font script="Arab" typeface="Times New Roman"/>
-        <a:font script="Hebr" typeface="Times New Roman"/>
-        <a:font script="Thai" typeface="Angsana New"/>
+        <a:font script="Hans" typeface="方正姚体"/>
+        <a:font script="Hant" typeface="微軟正黑體"/>
+        <a:font script="Arab" typeface="Tahoma"/>
+        <a:font script="Hebr" typeface="Arial"/>
+        <a:font script="Thai" typeface="Cordia New"/>
         <a:font script="Ethi" typeface="Nyala"/>
         <a:font script="Beng" typeface="Vrinda"/>
         <a:font script="Gujr" typeface="Shruti"/>
-        <a:font script="Khmr" typeface="MoolBoran"/>
+        <a:font script="Khmr" typeface="DaunPenh"/>
         <a:font script="Knda" typeface="Tunga"/>
         <a:font script="Guru" typeface="Raavi"/>
         <a:font script="Cans" typeface="Euphemia"/>
@@ -3808,38 +7482,21 @@
         <a:font script="Laoo" typeface="DokChampa"/>
         <a:font script="Sinh" typeface="Iskoola Pota"/>
         <a:font script="Mong" typeface="Mongolian Baiti"/>
-        <a:font script="Viet" typeface="Times New Roman"/>
+        <a:font script="Viet" typeface="Tahoma"/>
         <a:font script="Uigh" typeface="Microsoft Uighur"/>
         <a:font script="Geor" typeface="Sylfaen"/>
-        <a:font script="Armn" typeface="Arial"/>
-        <a:font script="Bugi" typeface="Leelawadee UI"/>
-        <a:font script="Bopo" typeface="Microsoft JhengHei"/>
-        <a:font script="Java" typeface="Javanese Text"/>
-        <a:font script="Lisu" typeface="Segoe UI"/>
-        <a:font script="Mymr" typeface="Myanmar Text"/>
-        <a:font script="Nkoo" typeface="Ebrima"/>
-        <a:font script="Olck" typeface="Nirmala UI"/>
-        <a:font script="Osma" typeface="Ebrima"/>
-        <a:font script="Phag" typeface="Phagspa"/>
-        <a:font script="Syrn" typeface="Estrangelo Edessa"/>
-        <a:font script="Syrj" typeface="Estrangelo Edessa"/>
-        <a:font script="Syre" typeface="Estrangelo Edessa"/>
-        <a:font script="Sora" typeface="Nirmala UI"/>
-        <a:font script="Tale" typeface="Microsoft Tai Le"/>
-        <a:font script="Talu" typeface="Microsoft New Tai Lue"/>
-        <a:font script="Tfng" typeface="Ebrima"/>
       </a:majorFont>
       <a:minorFont>
-        <a:latin typeface="Calibri" panose="020F0502020204030204"/>
+        <a:latin typeface="Trebuchet MS" panose="020B0603020202020204"/>
         <a:ea typeface=""/>
         <a:cs typeface=""/>
-        <a:font script="Jpan" typeface="游ゴシック"/>
-        <a:font script="Hang" typeface="맑은 고딕"/>
-        <a:font script="Hans" typeface="等线"/>
-        <a:font script="Hant" typeface="新細明體"/>
-        <a:font script="Arab" typeface="Arial"/>
-        <a:font script="Hebr" typeface="Arial"/>
-        <a:font script="Thai" typeface="Cordia New"/>
+        <a:font script="Jpan" typeface="メイリオ"/>
+        <a:font script="Hang" typeface="HY그래픽M"/>
+        <a:font script="Hans" typeface="华文新魏"/>
+        <a:font script="Hant" typeface="微軟正黑體"/>
+        <a:font script="Arab" typeface="Tahoma"/>
+        <a:font script="Hebr" typeface="Gisha"/>
+        <a:font script="Thai" typeface="IrisUPC"/>
         <a:font script="Ethi" typeface="Nyala"/>
         <a:font script="Beng" typeface="Vrinda"/>
         <a:font script="Gujr" typeface="Shruti"/>
@@ -3863,26 +7520,9 @@
         <a:font script="Viet" typeface="Arial"/>
         <a:font script="Uigh" typeface="Microsoft Uighur"/>
         <a:font script="Geor" typeface="Sylfaen"/>
-        <a:font script="Armn" typeface="Arial"/>
-        <a:font script="Bugi" typeface="Leelawadee UI"/>
-        <a:font script="Bopo" typeface="Microsoft JhengHei"/>
-        <a:font script="Java" typeface="Javanese Text"/>
-        <a:font script="Lisu" typeface="Segoe UI"/>
-        <a:font script="Mymr" typeface="Myanmar Text"/>
-        <a:font script="Nkoo" typeface="Ebrima"/>
-        <a:font script="Olck" typeface="Nirmala UI"/>
-        <a:font script="Osma" typeface="Ebrima"/>
-        <a:font script="Phag" typeface="Phagspa"/>
-        <a:font script="Syrn" typeface="Estrangelo Edessa"/>
-        <a:font script="Syrj" typeface="Estrangelo Edessa"/>
-        <a:font script="Syre" typeface="Estrangelo Edessa"/>
-        <a:font script="Sora" typeface="Nirmala UI"/>
-        <a:font script="Tale" typeface="Microsoft Tai Le"/>
-        <a:font script="Talu" typeface="Microsoft New Tai Lue"/>
-        <a:font script="Tfng" typeface="Ebrima"/>
       </a:minorFont>
     </a:fontScheme>
-    <a:fmtScheme name="Office">
+    <a:fmtScheme name="Facet">
       <a:fillStyleLst>
         <a:solidFill>
           <a:schemeClr val="phClr"/>
@@ -3891,23 +7531,13 @@
           <a:gsLst>
             <a:gs pos="0">
               <a:schemeClr val="phClr">
+                <a:tint val="65000"/>
                 <a:lumMod val="110000"/>
-                <a:satMod val="105000"/>
-                <a:tint val="67000"/>
               </a:schemeClr>
             </a:gs>
-            <a:gs pos="50000">
+            <a:gs pos="88000">
               <a:schemeClr val="phClr">
-                <a:lumMod val="105000"/>
-                <a:satMod val="103000"/>
-                <a:tint val="73000"/>
-              </a:schemeClr>
-            </a:gs>
-            <a:gs pos="100000">
-              <a:schemeClr val="phClr">
-                <a:lumMod val="105000"/>
-                <a:satMod val="109000"/>
-                <a:tint val="81000"/>
+                <a:tint val="90000"/>
               </a:schemeClr>
             </a:gs>
           </a:gsLst>
@@ -3917,23 +7547,14 @@
           <a:gsLst>
             <a:gs pos="0">
               <a:schemeClr val="phClr">
-                <a:satMod val="103000"/>
-                <a:lumMod val="102000"/>
-                <a:tint val="94000"/>
+                <a:tint val="96000"/>
+                <a:lumMod val="100000"/>
               </a:schemeClr>
             </a:gs>
-            <a:gs pos="50000">
+            <a:gs pos="78000">
               <a:schemeClr val="phClr">
-                <a:satMod val="110000"/>
-                <a:lumMod val="100000"/>
-                <a:shade val="100000"/>
-              </a:schemeClr>
-            </a:gs>
-            <a:gs pos="100000">
-              <a:schemeClr val="phClr">
-                <a:lumMod val="99000"/>
-                <a:satMod val="120000"/>
-                <a:shade val="78000"/>
+                <a:shade val="94000"/>
+                <a:lumMod val="94000"/>
               </a:schemeClr>
             </a:gs>
           </a:gsLst>
@@ -3941,26 +7562,23 @@
         </a:gradFill>
       </a:fillStyleLst>
       <a:lnStyleLst>
-        <a:ln w="6350" cap="flat" cmpd="sng" algn="ctr">
+        <a:ln w="12700" cap="rnd" cmpd="sng" algn="ctr">
           <a:solidFill>
             <a:schemeClr val="phClr"/>
           </a:solidFill>
           <a:prstDash val="solid"/>
-          <a:miter lim="800000"/>
         </a:ln>
-        <a:ln w="12700" cap="flat" cmpd="sng" algn="ctr">
+        <a:ln w="19050" cap="rnd" cmpd="sng" algn="ctr">
           <a:solidFill>
             <a:schemeClr val="phClr"/>
           </a:solidFill>
           <a:prstDash val="solid"/>
-          <a:miter lim="800000"/>
         </a:ln>
-        <a:ln w="19050" cap="flat" cmpd="sng" algn="ctr">
+        <a:ln w="25400" cap="rnd" cmpd="sng" algn="ctr">
           <a:solidFill>
             <a:schemeClr val="phClr"/>
           </a:solidFill>
           <a:prstDash val="solid"/>
-          <a:miter lim="800000"/>
         </a:ln>
       </a:lnStyleLst>
       <a:effectStyleLst>
@@ -3968,54 +7586,72 @@
           <a:effectLst/>
         </a:effectStyle>
         <a:effectStyle>
-          <a:effectLst/>
+          <a:effectLst>
+            <a:outerShdw blurRad="38100" dist="25400" dir="5400000" rotWithShape="0">
+              <a:srgbClr val="000000">
+                <a:alpha val="35000"/>
+              </a:srgbClr>
+            </a:outerShdw>
+          </a:effectLst>
         </a:effectStyle>
         <a:effectStyle>
           <a:effectLst>
-            <a:outerShdw blurRad="57150" dist="19050" dir="5400000" algn="ctr" rotWithShape="0">
+            <a:outerShdw blurRad="50800" dist="38100" dir="5400000" rotWithShape="0">
               <a:srgbClr val="000000">
-                <a:alpha val="63000"/>
+                <a:alpha val="35000"/>
               </a:srgbClr>
             </a:outerShdw>
           </a:effectLst>
+          <a:scene3d>
+            <a:camera prst="orthographicFront">
+              <a:rot lat="0" lon="0" rev="0"/>
+            </a:camera>
+            <a:lightRig rig="threePt" dir="tl"/>
+          </a:scene3d>
+          <a:sp3d prstMaterial="plastic">
+            <a:bevelT w="0" h="0"/>
+          </a:sp3d>
         </a:effectStyle>
       </a:effectStyleLst>
       <a:bgFillStyleLst>
         <a:solidFill>
           <a:schemeClr val="phClr"/>
         </a:solidFill>
-        <a:solidFill>
-          <a:schemeClr val="phClr">
-            <a:tint val="95000"/>
-            <a:satMod val="170000"/>
-          </a:schemeClr>
-        </a:solidFill>
         <a:gradFill rotWithShape="1">
           <a:gsLst>
             <a:gs pos="0">
               <a:schemeClr val="phClr">
-                <a:tint val="93000"/>
-                <a:satMod val="150000"/>
-                <a:shade val="98000"/>
-                <a:lumMod val="102000"/>
+                <a:tint val="90000"/>
+                <a:lumMod val="104000"/>
               </a:schemeClr>
             </a:gs>
-            <a:gs pos="50000">
+            <a:gs pos="94000">
               <a:schemeClr val="phClr">
-                <a:tint val="98000"/>
-                <a:satMod val="130000"/>
-                <a:shade val="90000"/>
-                <a:lumMod val="103000"/>
+                <a:shade val="96000"/>
+                <a:lumMod val="82000"/>
+              </a:schemeClr>
+            </a:gs>
+          </a:gsLst>
+          <a:lin ang="5400000" scaled="0"/>
+        </a:gradFill>
+        <a:gradFill rotWithShape="1">
+          <a:gsLst>
+            <a:gs pos="0">
+              <a:schemeClr val="phClr">
+                <a:tint val="90000"/>
+                <a:lumMod val="110000"/>
               </a:schemeClr>
             </a:gs>
             <a:gs pos="100000">
               <a:schemeClr val="phClr">
-                <a:shade val="63000"/>
-                <a:satMod val="120000"/>
+                <a:shade val="94000"/>
+                <a:lumMod val="96000"/>
               </a:schemeClr>
             </a:gs>
           </a:gsLst>
-          <a:lin ang="5400000" scaled="0"/>
+          <a:path path="circle">
+            <a:fillToRect l="50000" t="50000" r="100000" b="100000"/>
+          </a:path>
         </a:gradFill>
       </a:bgFillStyleLst>
     </a:fmtScheme>
@@ -4024,7 +7660,7 @@
   <a:extraClrSchemeLst/>
   <a:extLst>
     <a:ext uri="{05A4C25C-085E-4340-85A3-A5531E510DB2}">
-      <thm15:themeFamily xmlns:thm15="http://schemas.microsoft.com/office/thememl/2012/main" name="Office Theme" id="{62F939B6-93AF-4DB8-9C6B-D6C7DFDC589F}" vid="{4A3C46E8-61CC-4603-A589-7422A47A8E4A}"/>
+      <thm15:themeFamily xmlns:thm15="http://schemas.microsoft.com/office/thememl/2012/main" name="Facet" id="{C0C680CD-088A-49FC-A102-D699147F32B2}" vid="{CFBC31BA-B70F-4F30-BCAA-4F3011E16C4D}"/>
     </a:ext>
   </a:extLst>
 </a:theme>

--- a/slides.pptx
+++ b/slides.pptx
@@ -113,6 +113,11 @@
       </a:defRPr>
     </a:lvl9pPr>
   </p:defaultTextStyle>
+  <p:extLst>
+    <p:ext uri="{EFAFB233-063F-42B5-8137-9DF3F51BA10A}">
+      <p15:sldGuideLst xmlns:p15="http://schemas.microsoft.com/office/powerpoint/2012/main"/>
+    </p:ext>
+  </p:extLst>
 </p:presentation>
 </file>
 
@@ -838,7 +843,7 @@
           <a:p>
             <a:fld id="{746ED707-DDAF-4C42-B5D1-0A8C11331D3C}" type="datetimeFigureOut">
               <a:rPr lang="da-DK" smtClean="0"/>
-              <a:t>01-10-2020</a:t>
+              <a:t>02-10-2020</a:t>
             </a:fld>
             <a:endParaRPr lang="da-DK"/>
           </a:p>
@@ -1089,7 +1094,7 @@
           <a:p>
             <a:fld id="{746ED707-DDAF-4C42-B5D1-0A8C11331D3C}" type="datetimeFigureOut">
               <a:rPr lang="da-DK" smtClean="0"/>
-              <a:t>01-10-2020</a:t>
+              <a:t>02-10-2020</a:t>
             </a:fld>
             <a:endParaRPr lang="da-DK"/>
           </a:p>
@@ -1403,7 +1408,7 @@
           <a:p>
             <a:fld id="{746ED707-DDAF-4C42-B5D1-0A8C11331D3C}" type="datetimeFigureOut">
               <a:rPr lang="da-DK" smtClean="0"/>
-              <a:t>01-10-2020</a:t>
+              <a:t>02-10-2020</a:t>
             </a:fld>
             <a:endParaRPr lang="da-DK"/>
           </a:p>
@@ -1744,7 +1749,7 @@
           <a:p>
             <a:fld id="{746ED707-DDAF-4C42-B5D1-0A8C11331D3C}" type="datetimeFigureOut">
               <a:rPr lang="da-DK" smtClean="0"/>
-              <a:t>01-10-2020</a:t>
+              <a:t>02-10-2020</a:t>
             </a:fld>
             <a:endParaRPr lang="da-DK"/>
           </a:p>
@@ -2058,7 +2063,7 @@
           <a:p>
             <a:fld id="{746ED707-DDAF-4C42-B5D1-0A8C11331D3C}" type="datetimeFigureOut">
               <a:rPr lang="da-DK" smtClean="0"/>
-              <a:t>01-10-2020</a:t>
+              <a:t>02-10-2020</a:t>
             </a:fld>
             <a:endParaRPr lang="da-DK"/>
           </a:p>
@@ -2451,7 +2456,7 @@
           <a:p>
             <a:fld id="{746ED707-DDAF-4C42-B5D1-0A8C11331D3C}" type="datetimeFigureOut">
               <a:rPr lang="da-DK" smtClean="0"/>
-              <a:t>01-10-2020</a:t>
+              <a:t>02-10-2020</a:t>
             </a:fld>
             <a:endParaRPr lang="da-DK"/>
           </a:p>
@@ -2621,7 +2626,7 @@
           <a:p>
             <a:fld id="{746ED707-DDAF-4C42-B5D1-0A8C11331D3C}" type="datetimeFigureOut">
               <a:rPr lang="da-DK" smtClean="0"/>
-              <a:t>01-10-2020</a:t>
+              <a:t>02-10-2020</a:t>
             </a:fld>
             <a:endParaRPr lang="da-DK"/>
           </a:p>
@@ -2801,7 +2806,7 @@
           <a:p>
             <a:fld id="{746ED707-DDAF-4C42-B5D1-0A8C11331D3C}" type="datetimeFigureOut">
               <a:rPr lang="da-DK" smtClean="0"/>
-              <a:t>01-10-2020</a:t>
+              <a:t>02-10-2020</a:t>
             </a:fld>
             <a:endParaRPr lang="da-DK"/>
           </a:p>
@@ -2977,7 +2982,7 @@
           <a:p>
             <a:fld id="{746ED707-DDAF-4C42-B5D1-0A8C11331D3C}" type="datetimeFigureOut">
               <a:rPr lang="da-DK" smtClean="0"/>
-              <a:t>01-10-2020</a:t>
+              <a:t>02-10-2020</a:t>
             </a:fld>
             <a:endParaRPr lang="da-DK"/>
           </a:p>
@@ -3224,7 +3229,7 @@
           <a:p>
             <a:fld id="{746ED707-DDAF-4C42-B5D1-0A8C11331D3C}" type="datetimeFigureOut">
               <a:rPr lang="da-DK" smtClean="0"/>
-              <a:t>01-10-2020</a:t>
+              <a:t>02-10-2020</a:t>
             </a:fld>
             <a:endParaRPr lang="da-DK"/>
           </a:p>
@@ -3456,7 +3461,7 @@
           <a:p>
             <a:fld id="{746ED707-DDAF-4C42-B5D1-0A8C11331D3C}" type="datetimeFigureOut">
               <a:rPr lang="da-DK" smtClean="0"/>
-              <a:t>01-10-2020</a:t>
+              <a:t>02-10-2020</a:t>
             </a:fld>
             <a:endParaRPr lang="da-DK"/>
           </a:p>
@@ -3830,7 +3835,7 @@
           <a:p>
             <a:fld id="{746ED707-DDAF-4C42-B5D1-0A8C11331D3C}" type="datetimeFigureOut">
               <a:rPr lang="da-DK" smtClean="0"/>
-              <a:t>01-10-2020</a:t>
+              <a:t>02-10-2020</a:t>
             </a:fld>
             <a:endParaRPr lang="da-DK"/>
           </a:p>
@@ -3953,7 +3958,7 @@
           <a:p>
             <a:fld id="{746ED707-DDAF-4C42-B5D1-0A8C11331D3C}" type="datetimeFigureOut">
               <a:rPr lang="da-DK" smtClean="0"/>
-              <a:t>01-10-2020</a:t>
+              <a:t>02-10-2020</a:t>
             </a:fld>
             <a:endParaRPr lang="da-DK"/>
           </a:p>
@@ -4048,7 +4053,7 @@
           <a:p>
             <a:fld id="{746ED707-DDAF-4C42-B5D1-0A8C11331D3C}" type="datetimeFigureOut">
               <a:rPr lang="da-DK" smtClean="0"/>
-              <a:t>01-10-2020</a:t>
+              <a:t>02-10-2020</a:t>
             </a:fld>
             <a:endParaRPr lang="da-DK"/>
           </a:p>
@@ -4303,7 +4308,7 @@
           <a:p>
             <a:fld id="{746ED707-DDAF-4C42-B5D1-0A8C11331D3C}" type="datetimeFigureOut">
               <a:rPr lang="da-DK" smtClean="0"/>
-              <a:t>01-10-2020</a:t>
+              <a:t>02-10-2020</a:t>
             </a:fld>
             <a:endParaRPr lang="da-DK"/>
           </a:p>
@@ -4566,7 +4571,7 @@
           <a:p>
             <a:fld id="{746ED707-DDAF-4C42-B5D1-0A8C11331D3C}" type="datetimeFigureOut">
               <a:rPr lang="da-DK" smtClean="0"/>
-              <a:t>01-10-2020</a:t>
+              <a:t>02-10-2020</a:t>
             </a:fld>
             <a:endParaRPr lang="da-DK"/>
           </a:p>
@@ -5309,7 +5314,7 @@
           <a:p>
             <a:fld id="{746ED707-DDAF-4C42-B5D1-0A8C11331D3C}" type="datetimeFigureOut">
               <a:rPr lang="da-DK" smtClean="0"/>
-              <a:t>01-10-2020</a:t>
+              <a:t>02-10-2020</a:t>
             </a:fld>
             <a:endParaRPr lang="da-DK"/>
           </a:p>
@@ -5885,7 +5890,11 @@
           <a:p>
             <a:r>
               <a:rPr lang="en-US" dirty="0"/>
-              <a:t>Does it live up to the hype, in a C# environment?</a:t>
+              <a:t>Does it live up to </a:t>
+            </a:r>
+            <a:r>
+              <a:rPr lang="en-US"/>
+              <a:t>the hype?</a:t>
             </a:r>
             <a:endParaRPr lang="da-DK" dirty="0"/>
           </a:p>
